--- a/5) Stage-I PPT/our ppt.pptx
+++ b/5) Stage-I PPT/our ppt.pptx
@@ -17,13 +17,18 @@
     <p:sldId id="260" r:id="rId11"/>
     <p:sldId id="261" r:id="rId12"/>
     <p:sldId id="262" r:id="rId13"/>
-    <p:sldId id="277" r:id="rId14"/>
-    <p:sldId id="292" r:id="rId15"/>
-    <p:sldId id="299" r:id="rId16"/>
-    <p:sldId id="291" r:id="rId17"/>
-    <p:sldId id="271" r:id="rId18"/>
-    <p:sldId id="309" r:id="rId19"/>
-    <p:sldId id="273" r:id="rId20"/>
+    <p:sldId id="311" r:id="rId14"/>
+    <p:sldId id="312" r:id="rId15"/>
+    <p:sldId id="313" r:id="rId16"/>
+    <p:sldId id="314" r:id="rId17"/>
+    <p:sldId id="315" r:id="rId18"/>
+    <p:sldId id="277" r:id="rId19"/>
+    <p:sldId id="292" r:id="rId20"/>
+    <p:sldId id="299" r:id="rId21"/>
+    <p:sldId id="291" r:id="rId22"/>
+    <p:sldId id="271" r:id="rId23"/>
+    <p:sldId id="309" r:id="rId24"/>
+    <p:sldId id="273" r:id="rId25"/>
   </p:sldIdLst>
   <p:sldSz cx="9144000" cy="6858000" type="screen4x3"/>
   <p:notesSz cx="6858000" cy="9144000"/>
@@ -270,9 +275,9 @@
           <a:p>
             <a:fld id="{F6537017-6494-486B-9B4F-DBEBA4D7DC50}" type="datetimeFigureOut">
               <a:rPr lang="en-US" smtClean="0"/>
-              <a:t>9/24/2023</a:t>
+              <a:t>9/30/2023</a:t>
             </a:fld>
-            <a:endParaRPr lang="en-US"/>
+            <a:endParaRPr lang="en-US" dirty="0"/>
           </a:p>
         </p:txBody>
       </p:sp>
@@ -291,7 +296,7 @@
           <a:bodyPr/>
           <a:lstStyle/>
           <a:p>
-            <a:endParaRPr lang="en-US"/>
+            <a:endParaRPr lang="en-US" dirty="0"/>
           </a:p>
         </p:txBody>
       </p:sp>
@@ -314,7 +319,7 @@
               <a:rPr lang="en-US" smtClean="0"/>
               <a:t>‹#›</a:t>
             </a:fld>
-            <a:endParaRPr lang="en-US"/>
+            <a:endParaRPr lang="en-US" dirty="0"/>
           </a:p>
         </p:txBody>
       </p:sp>
@@ -434,9 +439,9 @@
           <a:p>
             <a:fld id="{F6537017-6494-486B-9B4F-DBEBA4D7DC50}" type="datetimeFigureOut">
               <a:rPr lang="en-US" smtClean="0"/>
-              <a:t>9/24/2023</a:t>
+              <a:t>9/30/2023</a:t>
             </a:fld>
-            <a:endParaRPr lang="en-US"/>
+            <a:endParaRPr lang="en-US" dirty="0"/>
           </a:p>
         </p:txBody>
       </p:sp>
@@ -455,7 +460,7 @@
           <a:bodyPr/>
           <a:lstStyle/>
           <a:p>
-            <a:endParaRPr lang="en-US"/>
+            <a:endParaRPr lang="en-US" dirty="0"/>
           </a:p>
         </p:txBody>
       </p:sp>
@@ -478,7 +483,7 @@
               <a:rPr lang="en-US" smtClean="0"/>
               <a:t>‹#›</a:t>
             </a:fld>
-            <a:endParaRPr lang="en-US"/>
+            <a:endParaRPr lang="en-US" dirty="0"/>
           </a:p>
         </p:txBody>
       </p:sp>
@@ -608,9 +613,9 @@
           <a:p>
             <a:fld id="{F6537017-6494-486B-9B4F-DBEBA4D7DC50}" type="datetimeFigureOut">
               <a:rPr lang="en-US" smtClean="0"/>
-              <a:t>9/24/2023</a:t>
+              <a:t>9/30/2023</a:t>
             </a:fld>
-            <a:endParaRPr lang="en-US"/>
+            <a:endParaRPr lang="en-US" dirty="0"/>
           </a:p>
         </p:txBody>
       </p:sp>
@@ -629,7 +634,7 @@
           <a:bodyPr/>
           <a:lstStyle/>
           <a:p>
-            <a:endParaRPr lang="en-US"/>
+            <a:endParaRPr lang="en-US" dirty="0"/>
           </a:p>
         </p:txBody>
       </p:sp>
@@ -652,7 +657,7 @@
               <a:rPr lang="en-US" smtClean="0"/>
               <a:t>‹#›</a:t>
             </a:fld>
-            <a:endParaRPr lang="en-US"/>
+            <a:endParaRPr lang="en-US" dirty="0"/>
           </a:p>
         </p:txBody>
       </p:sp>
@@ -772,9 +777,9 @@
           <a:p>
             <a:fld id="{F6537017-6494-486B-9B4F-DBEBA4D7DC50}" type="datetimeFigureOut">
               <a:rPr lang="en-US" smtClean="0"/>
-              <a:t>9/24/2023</a:t>
+              <a:t>9/30/2023</a:t>
             </a:fld>
-            <a:endParaRPr lang="en-US"/>
+            <a:endParaRPr lang="en-US" dirty="0"/>
           </a:p>
         </p:txBody>
       </p:sp>
@@ -793,7 +798,7 @@
           <a:bodyPr/>
           <a:lstStyle/>
           <a:p>
-            <a:endParaRPr lang="en-US"/>
+            <a:endParaRPr lang="en-US" dirty="0"/>
           </a:p>
         </p:txBody>
       </p:sp>
@@ -816,7 +821,7 @@
               <a:rPr lang="en-US" smtClean="0"/>
               <a:t>‹#›</a:t>
             </a:fld>
-            <a:endParaRPr lang="en-US"/>
+            <a:endParaRPr lang="en-US" dirty="0"/>
           </a:p>
         </p:txBody>
       </p:sp>
@@ -1013,9 +1018,9 @@
           <a:p>
             <a:fld id="{F6537017-6494-486B-9B4F-DBEBA4D7DC50}" type="datetimeFigureOut">
               <a:rPr lang="en-US" smtClean="0"/>
-              <a:t>9/24/2023</a:t>
+              <a:t>9/30/2023</a:t>
             </a:fld>
-            <a:endParaRPr lang="en-US"/>
+            <a:endParaRPr lang="en-US" dirty="0"/>
           </a:p>
         </p:txBody>
       </p:sp>
@@ -1034,7 +1039,7 @@
           <a:bodyPr/>
           <a:lstStyle/>
           <a:p>
-            <a:endParaRPr lang="en-US"/>
+            <a:endParaRPr lang="en-US" dirty="0"/>
           </a:p>
         </p:txBody>
       </p:sp>
@@ -1057,7 +1062,7 @@
               <a:rPr lang="en-US" smtClean="0"/>
               <a:t>‹#›</a:t>
             </a:fld>
-            <a:endParaRPr lang="en-US"/>
+            <a:endParaRPr lang="en-US" dirty="0"/>
           </a:p>
         </p:txBody>
       </p:sp>
@@ -1238,9 +1243,9 @@
           <a:p>
             <a:fld id="{F6537017-6494-486B-9B4F-DBEBA4D7DC50}" type="datetimeFigureOut">
               <a:rPr lang="en-US" smtClean="0"/>
-              <a:t>9/24/2023</a:t>
+              <a:t>9/30/2023</a:t>
             </a:fld>
-            <a:endParaRPr lang="en-US"/>
+            <a:endParaRPr lang="en-US" dirty="0"/>
           </a:p>
         </p:txBody>
       </p:sp>
@@ -1259,7 +1264,7 @@
           <a:bodyPr/>
           <a:lstStyle/>
           <a:p>
-            <a:endParaRPr lang="en-US"/>
+            <a:endParaRPr lang="en-US" dirty="0"/>
           </a:p>
         </p:txBody>
       </p:sp>
@@ -1282,7 +1287,7 @@
               <a:rPr lang="en-US" smtClean="0"/>
               <a:t>‹#›</a:t>
             </a:fld>
-            <a:endParaRPr lang="en-US"/>
+            <a:endParaRPr lang="en-US" dirty="0"/>
           </a:p>
         </p:txBody>
       </p:sp>
@@ -1598,9 +1603,9 @@
           <a:p>
             <a:fld id="{F6537017-6494-486B-9B4F-DBEBA4D7DC50}" type="datetimeFigureOut">
               <a:rPr lang="en-US" smtClean="0"/>
-              <a:t>9/24/2023</a:t>
+              <a:t>9/30/2023</a:t>
             </a:fld>
-            <a:endParaRPr lang="en-US"/>
+            <a:endParaRPr lang="en-US" dirty="0"/>
           </a:p>
         </p:txBody>
       </p:sp>
@@ -1619,7 +1624,7 @@
           <a:bodyPr/>
           <a:lstStyle/>
           <a:p>
-            <a:endParaRPr lang="en-US"/>
+            <a:endParaRPr lang="en-US" dirty="0"/>
           </a:p>
         </p:txBody>
       </p:sp>
@@ -1642,7 +1647,7 @@
               <a:rPr lang="en-US" smtClean="0"/>
               <a:t>‹#›</a:t>
             </a:fld>
-            <a:endParaRPr lang="en-US"/>
+            <a:endParaRPr lang="en-US" dirty="0"/>
           </a:p>
         </p:txBody>
       </p:sp>
@@ -1711,9 +1716,9 @@
           <a:p>
             <a:fld id="{F6537017-6494-486B-9B4F-DBEBA4D7DC50}" type="datetimeFigureOut">
               <a:rPr lang="en-US" smtClean="0"/>
-              <a:t>9/24/2023</a:t>
+              <a:t>9/30/2023</a:t>
             </a:fld>
-            <a:endParaRPr lang="en-US"/>
+            <a:endParaRPr lang="en-US" dirty="0"/>
           </a:p>
         </p:txBody>
       </p:sp>
@@ -1732,7 +1737,7 @@
           <a:bodyPr/>
           <a:lstStyle/>
           <a:p>
-            <a:endParaRPr lang="en-US"/>
+            <a:endParaRPr lang="en-US" dirty="0"/>
           </a:p>
         </p:txBody>
       </p:sp>
@@ -1755,7 +1760,7 @@
               <a:rPr lang="en-US" smtClean="0"/>
               <a:t>‹#›</a:t>
             </a:fld>
-            <a:endParaRPr lang="en-US"/>
+            <a:endParaRPr lang="en-US" dirty="0"/>
           </a:p>
         </p:txBody>
       </p:sp>
@@ -1802,9 +1807,9 @@
           <a:p>
             <a:fld id="{F6537017-6494-486B-9B4F-DBEBA4D7DC50}" type="datetimeFigureOut">
               <a:rPr lang="en-US" smtClean="0"/>
-              <a:t>9/24/2023</a:t>
+              <a:t>9/30/2023</a:t>
             </a:fld>
-            <a:endParaRPr lang="en-US"/>
+            <a:endParaRPr lang="en-US" dirty="0"/>
           </a:p>
         </p:txBody>
       </p:sp>
@@ -1823,7 +1828,7 @@
           <a:bodyPr/>
           <a:lstStyle/>
           <a:p>
-            <a:endParaRPr lang="en-US"/>
+            <a:endParaRPr lang="en-US" dirty="0"/>
           </a:p>
         </p:txBody>
       </p:sp>
@@ -1846,7 +1851,7 @@
               <a:rPr lang="en-US" smtClean="0"/>
               <a:t>‹#›</a:t>
             </a:fld>
-            <a:endParaRPr lang="en-US"/>
+            <a:endParaRPr lang="en-US" dirty="0"/>
           </a:p>
         </p:txBody>
       </p:sp>
@@ -2073,9 +2078,9 @@
           <a:p>
             <a:fld id="{F6537017-6494-486B-9B4F-DBEBA4D7DC50}" type="datetimeFigureOut">
               <a:rPr lang="en-US" smtClean="0"/>
-              <a:t>9/24/2023</a:t>
+              <a:t>9/30/2023</a:t>
             </a:fld>
-            <a:endParaRPr lang="en-US"/>
+            <a:endParaRPr lang="en-US" dirty="0"/>
           </a:p>
         </p:txBody>
       </p:sp>
@@ -2094,7 +2099,7 @@
           <a:bodyPr/>
           <a:lstStyle/>
           <a:p>
-            <a:endParaRPr lang="en-US"/>
+            <a:endParaRPr lang="en-US" dirty="0"/>
           </a:p>
         </p:txBody>
       </p:sp>
@@ -2117,7 +2122,7 @@
               <a:rPr lang="en-US" smtClean="0"/>
               <a:t>‹#›</a:t>
             </a:fld>
-            <a:endParaRPr lang="en-US"/>
+            <a:endParaRPr lang="en-US" dirty="0"/>
           </a:p>
         </p:txBody>
       </p:sp>
@@ -2235,7 +2240,7 @@
             </a:lvl9pPr>
           </a:lstStyle>
           <a:p>
-            <a:endParaRPr lang="en-US"/>
+            <a:endParaRPr lang="en-US" dirty="0"/>
           </a:p>
         </p:txBody>
       </p:sp>
@@ -2321,9 +2326,9 @@
           <a:p>
             <a:fld id="{F6537017-6494-486B-9B4F-DBEBA4D7DC50}" type="datetimeFigureOut">
               <a:rPr lang="en-US" smtClean="0"/>
-              <a:t>9/24/2023</a:t>
+              <a:t>9/30/2023</a:t>
             </a:fld>
-            <a:endParaRPr lang="en-US"/>
+            <a:endParaRPr lang="en-US" dirty="0"/>
           </a:p>
         </p:txBody>
       </p:sp>
@@ -2342,7 +2347,7 @@
           <a:bodyPr/>
           <a:lstStyle/>
           <a:p>
-            <a:endParaRPr lang="en-US"/>
+            <a:endParaRPr lang="en-US" dirty="0"/>
           </a:p>
         </p:txBody>
       </p:sp>
@@ -2365,7 +2370,7 @@
               <a:rPr lang="en-US" smtClean="0"/>
               <a:t>‹#›</a:t>
             </a:fld>
-            <a:endParaRPr lang="en-US"/>
+            <a:endParaRPr lang="en-US" dirty="0"/>
           </a:p>
         </p:txBody>
       </p:sp>
@@ -2530,9 +2535,9 @@
           <a:p>
             <a:fld id="{F6537017-6494-486B-9B4F-DBEBA4D7DC50}" type="datetimeFigureOut">
               <a:rPr lang="en-US" smtClean="0"/>
-              <a:t>9/24/2023</a:t>
+              <a:t>9/30/2023</a:t>
             </a:fld>
-            <a:endParaRPr lang="en-US"/>
+            <a:endParaRPr lang="en-US" dirty="0"/>
           </a:p>
         </p:txBody>
       </p:sp>
@@ -2567,7 +2572,7 @@
             </a:lvl1pPr>
           </a:lstStyle>
           <a:p>
-            <a:endParaRPr lang="en-US"/>
+            <a:endParaRPr lang="en-US" dirty="0"/>
           </a:p>
         </p:txBody>
       </p:sp>
@@ -2606,7 +2611,7 @@
               <a:rPr lang="en-US" smtClean="0"/>
               <a:t>‹#›</a:t>
             </a:fld>
-            <a:endParaRPr lang="en-US"/>
+            <a:endParaRPr lang="en-US" dirty="0"/>
           </a:p>
         </p:txBody>
       </p:sp>
@@ -3186,7 +3191,7 @@
                 <a:cs typeface="Times New Roman" panose="02020603050405020304" pitchFamily="18" charset="0"/>
                 <a:sym typeface="+mn-ea"/>
               </a:rPr>
-              <a:t>“Voice operated lift control system  with safety”</a:t>
+              <a:t>“Voice operated lift control system with safety”</a:t>
             </a:r>
             <a:endParaRPr lang="en-US" sz="2800" b="1" dirty="0">
               <a:latin typeface="Times New Roman" panose="02020603050405020304" pitchFamily="18" charset="0"/>
@@ -3432,7 +3437,7 @@
               </a:rPr>
               <a:t>        </a:t>
             </a:r>
-            <a:endParaRPr lang="en-US"/>
+            <a:endParaRPr lang="en-US" dirty="0"/>
           </a:p>
         </p:txBody>
       </p:sp>
@@ -3496,44 +3501,6 @@
       </p:sp>
       <p:sp>
         <p:nvSpPr>
-          <p:cNvPr id="5" name="Content Placeholder 4"/>
-          <p:cNvSpPr>
-            <a:spLocks noGrp="1"/>
-          </p:cNvSpPr>
-          <p:nvPr>
-            <p:ph idx="1"/>
-          </p:nvPr>
-        </p:nvSpPr>
-        <p:spPr>
-          <a:xfrm>
-            <a:off x="0" y="838200"/>
-            <a:ext cx="9067800" cy="5791200"/>
-          </a:xfrm>
-        </p:spPr>
-        <p:txBody>
-          <a:bodyPr>
-            <a:normAutofit/>
-          </a:bodyPr>
-          <a:lstStyle/>
-          <a:p>
-            <a:pPr marL="0" indent="0">
-              <a:buNone/>
-            </a:pPr>
-            <a:r>
-              <a:rPr lang="en-US" sz="2000" dirty="0"/>
-              <a:t> </a:t>
-            </a:r>
-          </a:p>
-          <a:p>
-            <a:pPr marL="0" indent="0">
-              <a:buNone/>
-            </a:pPr>
-            <a:endParaRPr lang="en-US" sz="2000" dirty="0"/>
-          </a:p>
-        </p:txBody>
-      </p:sp>
-      <p:sp>
-        <p:nvSpPr>
           <p:cNvPr id="3" name="TextBox 2"/>
           <p:cNvSpPr txBox="1"/>
           <p:nvPr/>
@@ -3578,8 +3545,8 @@
         </p:nvSpPr>
         <p:spPr>
           <a:xfrm>
-            <a:off x="0" y="1776046"/>
-            <a:ext cx="9105900" cy="1986280"/>
+            <a:off x="533400" y="1600200"/>
+            <a:ext cx="8001000" cy="1479892"/>
           </a:xfrm>
           <a:prstGeom prst="rect">
             <a:avLst/>
@@ -3592,33 +3559,18 @@
           </a:bodyPr>
           <a:lstStyle/>
           <a:p>
-            <a:pPr algn="ctr">
+            <a:pPr algn="just">
               <a:lnSpc>
                 <a:spcPct val="110000"/>
               </a:lnSpc>
               <a:buNone/>
             </a:pPr>
             <a:r>
-              <a:rPr lang="en-US" sz="2800" b="1" dirty="0">
-                <a:latin typeface="Times New Roman" panose="02020603050405020304" pitchFamily="18" charset="0"/>
-                <a:cs typeface="Times New Roman" panose="02020603050405020304" pitchFamily="18" charset="0"/>
-              </a:rPr>
-              <a:t>“To design and develop of a voice-controlled lift/elevator control system with </a:t>
-            </a:r>
-          </a:p>
-          <a:p>
-            <a:pPr algn="ctr">
-              <a:lnSpc>
-                <a:spcPct val="110000"/>
-              </a:lnSpc>
-              <a:buNone/>
-            </a:pPr>
-            <a:r>
-              <a:rPr lang="en-US" sz="2800" b="1" dirty="0">
-                <a:latin typeface="Times New Roman" panose="02020603050405020304" pitchFamily="18" charset="0"/>
-                <a:cs typeface="Times New Roman" panose="02020603050405020304" pitchFamily="18" charset="0"/>
-              </a:rPr>
-              <a:t>enhanced security features for human-machine communication”</a:t>
+              <a:rPr lang="en-US" sz="2800" dirty="0">
+                <a:latin typeface="Times New Roman" panose="02020603050405020304" pitchFamily="18" charset="0"/>
+                <a:cs typeface="Times New Roman" panose="02020603050405020304" pitchFamily="18" charset="0"/>
+              </a:rPr>
+              <a:t>“To design and develop a voice-controlled lift/elevator control system with enhanced security features for human-machine communication”</a:t>
             </a:r>
           </a:p>
         </p:txBody>
@@ -3748,7 +3700,7 @@
         </p:nvSpPr>
         <p:spPr>
           <a:xfrm>
-            <a:off x="228600" y="152400"/>
+            <a:off x="228600" y="0"/>
             <a:ext cx="9144000" cy="914400"/>
           </a:xfrm>
         </p:spPr>
@@ -3785,12 +3737,12 @@
         <p:spPr>
           <a:xfrm>
             <a:off x="27709" y="919018"/>
-            <a:ext cx="9144000" cy="5943600"/>
+            <a:ext cx="9144000" cy="1519382"/>
           </a:xfrm>
         </p:spPr>
         <p:txBody>
           <a:bodyPr>
-            <a:normAutofit fontScale="90000" lnSpcReduction="20000"/>
+            <a:normAutofit fontScale="97500"/>
           </a:bodyPr>
           <a:lstStyle/>
           <a:p>
@@ -3857,301 +3809,434 @@
             </a:r>
           </a:p>
           <a:p>
-            <a:pPr algn="just">
+            <a:pPr marL="0" indent="0" algn="just">
               <a:lnSpc>
                 <a:spcPct val="150000"/>
               </a:lnSpc>
-            </a:pPr>
-            <a:r>
-              <a:rPr lang="en-US" sz="1600" b="1" dirty="0">
-                <a:latin typeface="Times New Roman" panose="02020603050405020304" pitchFamily="18" charset="0"/>
-                <a:cs typeface="Times New Roman" panose="02020603050405020304" pitchFamily="18" charset="0"/>
-              </a:rPr>
-              <a:t>Voice recognition module:</a:t>
-            </a:r>
-            <a:r>
-              <a:rPr lang="en-US" sz="1600" dirty="0">
-                <a:latin typeface="Times New Roman" panose="02020603050405020304" pitchFamily="18" charset="0"/>
-                <a:cs typeface="Times New Roman" panose="02020603050405020304" pitchFamily="18" charset="0"/>
-              </a:rPr>
-              <a:t> Converts the user's spoken commands into an command number which is already stored in module.</a:t>
-            </a:r>
-          </a:p>
-          <a:p>
-            <a:pPr algn="just">
+              <a:buNone/>
+            </a:pPr>
+            <a:endParaRPr lang="en-US" sz="1600" dirty="0">
+              <a:latin typeface="Times New Roman" panose="02020603050405020304" pitchFamily="18" charset="0"/>
+              <a:cs typeface="Times New Roman" panose="02020603050405020304" pitchFamily="18" charset="0"/>
+            </a:endParaRPr>
+          </a:p>
+          <a:p>
+            <a:pPr marL="0" indent="0" algn="just">
               <a:lnSpc>
                 <a:spcPct val="150000"/>
               </a:lnSpc>
-            </a:pPr>
-            <a:r>
-              <a:rPr lang="en-US" sz="1600" b="1" dirty="0">
-                <a:latin typeface="Times New Roman" panose="02020603050405020304" pitchFamily="18" charset="0"/>
-                <a:cs typeface="Times New Roman" panose="02020603050405020304" pitchFamily="18" charset="0"/>
-              </a:rPr>
-              <a:t>Atmega 2560 microcontroller[10]</a:t>
-            </a:r>
-            <a:r>
-              <a:rPr lang="en-US" sz="1600" dirty="0">
-                <a:latin typeface="Times New Roman" panose="02020603050405020304" pitchFamily="18" charset="0"/>
-                <a:cs typeface="Times New Roman" panose="02020603050405020304" pitchFamily="18" charset="0"/>
-              </a:rPr>
-              <a:t>: The brain of the system, which controls all of the other components.</a:t>
-            </a:r>
-          </a:p>
-          <a:p>
-            <a:pPr algn="just">
+              <a:buNone/>
+            </a:pPr>
+            <a:endParaRPr lang="en-US" sz="1600" dirty="0">
+              <a:latin typeface="Times New Roman" panose="02020603050405020304" pitchFamily="18" charset="0"/>
+              <a:cs typeface="Times New Roman" panose="02020603050405020304" pitchFamily="18" charset="0"/>
+            </a:endParaRPr>
+          </a:p>
+          <a:p>
+            <a:pPr marL="0" indent="0" algn="just">
               <a:lnSpc>
                 <a:spcPct val="150000"/>
               </a:lnSpc>
-            </a:pPr>
-            <a:r>
-              <a:rPr lang="en-US" sz="1600" b="1" dirty="0">
-                <a:latin typeface="Times New Roman" panose="02020603050405020304" pitchFamily="18" charset="0"/>
-                <a:cs typeface="Times New Roman" panose="02020603050405020304" pitchFamily="18" charset="0"/>
-              </a:rPr>
-              <a:t>16x2 LCD display:</a:t>
-            </a:r>
-            <a:r>
-              <a:rPr lang="en-US" sz="1600" dirty="0">
-                <a:latin typeface="Times New Roman" panose="02020603050405020304" pitchFamily="18" charset="0"/>
-                <a:cs typeface="Times New Roman" panose="02020603050405020304" pitchFamily="18" charset="0"/>
-              </a:rPr>
-              <a:t> Displays the current floor number and other system information.</a:t>
-            </a:r>
-          </a:p>
-          <a:p>
-            <a:pPr algn="just">
+              <a:buNone/>
+            </a:pPr>
+            <a:endParaRPr lang="en-US" sz="1600" dirty="0">
+              <a:latin typeface="Times New Roman" panose="02020603050405020304" pitchFamily="18" charset="0"/>
+              <a:cs typeface="Times New Roman" panose="02020603050405020304" pitchFamily="18" charset="0"/>
+            </a:endParaRPr>
+          </a:p>
+          <a:p>
+            <a:pPr marL="0" indent="0" algn="just">
               <a:lnSpc>
                 <a:spcPct val="150000"/>
               </a:lnSpc>
-            </a:pPr>
-            <a:r>
-              <a:rPr lang="en-US" sz="1600" b="1" dirty="0">
-                <a:latin typeface="Times New Roman" panose="02020603050405020304" pitchFamily="18" charset="0"/>
-                <a:cs typeface="Times New Roman" panose="02020603050405020304" pitchFamily="18" charset="0"/>
-              </a:rPr>
-              <a:t>Buzzer:</a:t>
-            </a:r>
-            <a:r>
-              <a:rPr lang="en-US" sz="1600" dirty="0">
-                <a:latin typeface="Times New Roman" panose="02020603050405020304" pitchFamily="18" charset="0"/>
-                <a:cs typeface="Times New Roman" panose="02020603050405020304" pitchFamily="18" charset="0"/>
-              </a:rPr>
-              <a:t> Provides audible feedback to the user.</a:t>
-            </a:r>
-          </a:p>
-          <a:p>
-            <a:pPr algn="just">
+              <a:buNone/>
+            </a:pPr>
+            <a:endParaRPr lang="en-US" sz="1600" dirty="0">
+              <a:latin typeface="Times New Roman" panose="02020603050405020304" pitchFamily="18" charset="0"/>
+              <a:cs typeface="Times New Roman" panose="02020603050405020304" pitchFamily="18" charset="0"/>
+            </a:endParaRPr>
+          </a:p>
+          <a:p>
+            <a:pPr marL="0" indent="0" algn="just">
               <a:lnSpc>
                 <a:spcPct val="150000"/>
               </a:lnSpc>
-            </a:pPr>
-            <a:r>
-              <a:rPr lang="en-US" sz="1600" b="1" dirty="0">
-                <a:latin typeface="Times New Roman" panose="02020603050405020304" pitchFamily="18" charset="0"/>
-                <a:cs typeface="Times New Roman" panose="02020603050405020304" pitchFamily="18" charset="0"/>
-              </a:rPr>
-              <a:t>Audio player module:</a:t>
-            </a:r>
-            <a:r>
-              <a:rPr lang="en-US" sz="1600" dirty="0">
-                <a:latin typeface="Times New Roman" panose="02020603050405020304" pitchFamily="18" charset="0"/>
-                <a:cs typeface="Times New Roman" panose="02020603050405020304" pitchFamily="18" charset="0"/>
-              </a:rPr>
-              <a:t> Plays audio cues, such as "Going up" and "Arrived at your floor."</a:t>
-            </a:r>
-          </a:p>
-          <a:p>
-            <a:pPr algn="just">
+              <a:buNone/>
+            </a:pPr>
+            <a:endParaRPr lang="en-US" sz="1600" dirty="0">
+              <a:latin typeface="Times New Roman" panose="02020603050405020304" pitchFamily="18" charset="0"/>
+              <a:cs typeface="Times New Roman" panose="02020603050405020304" pitchFamily="18" charset="0"/>
+            </a:endParaRPr>
+          </a:p>
+          <a:p>
+            <a:pPr marL="0" indent="0" algn="just">
               <a:lnSpc>
                 <a:spcPct val="150000"/>
               </a:lnSpc>
-            </a:pPr>
-            <a:r>
-              <a:rPr lang="en-US" sz="1600" b="1" dirty="0">
-                <a:latin typeface="Times New Roman" panose="02020603050405020304" pitchFamily="18" charset="0"/>
-                <a:cs typeface="Times New Roman" panose="02020603050405020304" pitchFamily="18" charset="0"/>
-              </a:rPr>
-              <a:t>Relay driver circuit:</a:t>
-            </a:r>
-            <a:r>
-              <a:rPr lang="en-US" sz="1600" dirty="0">
-                <a:latin typeface="Times New Roman" panose="02020603050405020304" pitchFamily="18" charset="0"/>
-                <a:cs typeface="Times New Roman" panose="02020603050405020304" pitchFamily="18" charset="0"/>
-              </a:rPr>
-              <a:t> Controls the DC motor.</a:t>
-            </a:r>
-          </a:p>
-          <a:p>
-            <a:pPr algn="just">
+              <a:buNone/>
+            </a:pPr>
+            <a:endParaRPr lang="en-US" sz="1600" dirty="0">
+              <a:latin typeface="Times New Roman" panose="02020603050405020304" pitchFamily="18" charset="0"/>
+              <a:cs typeface="Times New Roman" panose="02020603050405020304" pitchFamily="18" charset="0"/>
+            </a:endParaRPr>
+          </a:p>
+          <a:p>
+            <a:pPr marL="0" indent="0" algn="just">
               <a:lnSpc>
                 <a:spcPct val="150000"/>
               </a:lnSpc>
-            </a:pPr>
-            <a:r>
-              <a:rPr lang="en-US" sz="1600" b="1" dirty="0">
-                <a:latin typeface="Times New Roman" panose="02020603050405020304" pitchFamily="18" charset="0"/>
-                <a:cs typeface="Times New Roman" panose="02020603050405020304" pitchFamily="18" charset="0"/>
-              </a:rPr>
-              <a:t>DC motor:</a:t>
-            </a:r>
-            <a:r>
-              <a:rPr lang="en-US" sz="1600" dirty="0">
-                <a:latin typeface="Times New Roman" panose="02020603050405020304" pitchFamily="18" charset="0"/>
-                <a:cs typeface="Times New Roman" panose="02020603050405020304" pitchFamily="18" charset="0"/>
-              </a:rPr>
-              <a:t> Drives the lift car up and down the shaft.</a:t>
-            </a:r>
-          </a:p>
-          <a:p>
-            <a:pPr algn="just">
+              <a:buNone/>
+            </a:pPr>
+            <a:endParaRPr lang="en-US" sz="1600" dirty="0">
+              <a:latin typeface="Times New Roman" panose="02020603050405020304" pitchFamily="18" charset="0"/>
+              <a:cs typeface="Times New Roman" panose="02020603050405020304" pitchFamily="18" charset="0"/>
+            </a:endParaRPr>
+          </a:p>
+          <a:p>
+            <a:pPr marL="0" indent="0" algn="just">
               <a:lnSpc>
                 <a:spcPct val="150000"/>
               </a:lnSpc>
-            </a:pPr>
-            <a:r>
-              <a:rPr lang="en-US" sz="1600" b="1" dirty="0">
-                <a:latin typeface="Times New Roman" panose="02020603050405020304" pitchFamily="18" charset="0"/>
-                <a:cs typeface="Times New Roman" panose="02020603050405020304" pitchFamily="18" charset="0"/>
-              </a:rPr>
-              <a:t>IR sensor:</a:t>
-            </a:r>
-            <a:r>
-              <a:rPr lang="en-US" sz="1600" dirty="0">
-                <a:latin typeface="Times New Roman" panose="02020603050405020304" pitchFamily="18" charset="0"/>
-                <a:cs typeface="Times New Roman" panose="02020603050405020304" pitchFamily="18" charset="0"/>
-              </a:rPr>
-              <a:t> Detects the current floor number.</a:t>
-            </a:r>
-          </a:p>
-          <a:p>
-            <a:pPr algn="just">
+              <a:buNone/>
+            </a:pPr>
+            <a:endParaRPr lang="en-US" sz="1600" dirty="0">
+              <a:latin typeface="Times New Roman" panose="02020603050405020304" pitchFamily="18" charset="0"/>
+              <a:cs typeface="Times New Roman" panose="02020603050405020304" pitchFamily="18" charset="0"/>
+            </a:endParaRPr>
+          </a:p>
+          <a:p>
+            <a:pPr marL="0" indent="0" algn="just">
               <a:lnSpc>
                 <a:spcPct val="150000"/>
               </a:lnSpc>
-            </a:pPr>
-            <a:r>
-              <a:rPr lang="en-US" sz="1600" b="1" dirty="0">
-                <a:latin typeface="Times New Roman" panose="02020603050405020304" pitchFamily="18" charset="0"/>
-                <a:cs typeface="Times New Roman" panose="02020603050405020304" pitchFamily="18" charset="0"/>
-              </a:rPr>
-              <a:t>Lift weight (load sensor):</a:t>
-            </a:r>
-            <a:r>
-              <a:rPr lang="en-US" sz="1600" dirty="0">
-                <a:latin typeface="Times New Roman" panose="02020603050405020304" pitchFamily="18" charset="0"/>
-                <a:cs typeface="Times New Roman" panose="02020603050405020304" pitchFamily="18" charset="0"/>
-              </a:rPr>
-              <a:t> Monitors the weight of the lift car and prevents it from being overloaded.</a:t>
-            </a:r>
-          </a:p>
-          <a:p>
-            <a:pPr algn="just">
+              <a:buNone/>
+            </a:pPr>
+            <a:endParaRPr lang="en-US" sz="1600" dirty="0">
+              <a:latin typeface="Times New Roman" panose="02020603050405020304" pitchFamily="18" charset="0"/>
+              <a:cs typeface="Times New Roman" panose="02020603050405020304" pitchFamily="18" charset="0"/>
+            </a:endParaRPr>
+          </a:p>
+          <a:p>
+            <a:pPr marL="0" indent="0" algn="just">
               <a:lnSpc>
                 <a:spcPct val="150000"/>
               </a:lnSpc>
-            </a:pPr>
-            <a:r>
-              <a:rPr lang="en-US" sz="1600" b="1" dirty="0">
-                <a:latin typeface="Times New Roman" panose="02020603050405020304" pitchFamily="18" charset="0"/>
-                <a:cs typeface="Times New Roman" panose="02020603050405020304" pitchFamily="18" charset="0"/>
-              </a:rPr>
-              <a:t>Flame sensor:</a:t>
-            </a:r>
-            <a:r>
-              <a:rPr lang="en-US" sz="1600" dirty="0">
-                <a:latin typeface="Times New Roman" panose="02020603050405020304" pitchFamily="18" charset="0"/>
-                <a:cs typeface="Times New Roman" panose="02020603050405020304" pitchFamily="18" charset="0"/>
-              </a:rPr>
-              <a:t> Detects fires in the lift.</a:t>
-            </a:r>
-          </a:p>
-          <a:p>
-            <a:pPr algn="just">
+              <a:buNone/>
+            </a:pPr>
+            <a:endParaRPr lang="en-US" sz="1600" dirty="0">
+              <a:latin typeface="Times New Roman" panose="02020603050405020304" pitchFamily="18" charset="0"/>
+              <a:cs typeface="Times New Roman" panose="02020603050405020304" pitchFamily="18" charset="0"/>
+            </a:endParaRPr>
+          </a:p>
+          <a:p>
+            <a:pPr marL="0" indent="0" algn="just">
               <a:lnSpc>
                 <a:spcPct val="150000"/>
               </a:lnSpc>
-            </a:pPr>
-            <a:r>
-              <a:rPr lang="en-US" sz="1600" b="1" dirty="0">
-                <a:latin typeface="Times New Roman" panose="02020603050405020304" pitchFamily="18" charset="0"/>
-                <a:cs typeface="Times New Roman" panose="02020603050405020304" pitchFamily="18" charset="0"/>
-              </a:rPr>
-              <a:t>Temp sensor (for motor): </a:t>
-            </a:r>
-            <a:r>
-              <a:rPr lang="en-US" sz="1600" dirty="0">
-                <a:latin typeface="Times New Roman" panose="02020603050405020304" pitchFamily="18" charset="0"/>
-                <a:cs typeface="Times New Roman" panose="02020603050405020304" pitchFamily="18" charset="0"/>
-              </a:rPr>
-              <a:t>Monitors the temperature of the lift motor and prevents it from overheating.</a:t>
-            </a:r>
-          </a:p>
-          <a:p>
-            <a:pPr algn="just">
+              <a:buNone/>
+            </a:pPr>
+            <a:endParaRPr lang="en-US" sz="1600" dirty="0">
+              <a:latin typeface="Times New Roman" panose="02020603050405020304" pitchFamily="18" charset="0"/>
+              <a:cs typeface="Times New Roman" panose="02020603050405020304" pitchFamily="18" charset="0"/>
+            </a:endParaRPr>
+          </a:p>
+          <a:p>
+            <a:pPr marL="0" indent="0" algn="just">
               <a:lnSpc>
                 <a:spcPct val="150000"/>
               </a:lnSpc>
-            </a:pPr>
-            <a:r>
-              <a:rPr lang="en-US" sz="1600" b="1" dirty="0">
-                <a:latin typeface="Times New Roman" panose="02020603050405020304" pitchFamily="18" charset="0"/>
-                <a:cs typeface="Times New Roman" panose="02020603050405020304" pitchFamily="18" charset="0"/>
-              </a:rPr>
-              <a:t>Wi-Fi module:</a:t>
-            </a:r>
-            <a:r>
-              <a:rPr lang="en-US" sz="1600" dirty="0">
-                <a:latin typeface="Times New Roman" panose="02020603050405020304" pitchFamily="18" charset="0"/>
-                <a:cs typeface="Times New Roman" panose="02020603050405020304" pitchFamily="18" charset="0"/>
-              </a:rPr>
-              <a:t> Connects the system to the internet.</a:t>
-            </a:r>
-          </a:p>
-          <a:p>
-            <a:pPr algn="just">
+              <a:buNone/>
+            </a:pPr>
+            <a:endParaRPr lang="en-US" sz="1600" dirty="0">
+              <a:latin typeface="Times New Roman" panose="02020603050405020304" pitchFamily="18" charset="0"/>
+              <a:cs typeface="Times New Roman" panose="02020603050405020304" pitchFamily="18" charset="0"/>
+            </a:endParaRPr>
+          </a:p>
+          <a:p>
+            <a:pPr marL="0" indent="0" algn="just">
               <a:lnSpc>
                 <a:spcPct val="150000"/>
               </a:lnSpc>
-            </a:pPr>
-            <a:r>
-              <a:rPr lang="en-US" sz="1600" b="1" dirty="0">
-                <a:latin typeface="Times New Roman" panose="02020603050405020304" pitchFamily="18" charset="0"/>
-                <a:cs typeface="Times New Roman" panose="02020603050405020304" pitchFamily="18" charset="0"/>
-              </a:rPr>
-              <a:t>Internet:</a:t>
-            </a:r>
-            <a:r>
-              <a:rPr lang="en-US" sz="1600" dirty="0">
-                <a:latin typeface="Times New Roman" panose="02020603050405020304" pitchFamily="18" charset="0"/>
-                <a:cs typeface="Times New Roman" panose="02020603050405020304" pitchFamily="18" charset="0"/>
-              </a:rPr>
-              <a:t> Allows the system to be monitored and controlled remotely.</a:t>
-            </a:r>
-          </a:p>
-          <a:p>
-            <a:pPr algn="just">
+              <a:buNone/>
+            </a:pPr>
+            <a:endParaRPr lang="en-US" sz="1600" dirty="0">
+              <a:latin typeface="Times New Roman" panose="02020603050405020304" pitchFamily="18" charset="0"/>
+              <a:cs typeface="Times New Roman" panose="02020603050405020304" pitchFamily="18" charset="0"/>
+            </a:endParaRPr>
+          </a:p>
+          <a:p>
+            <a:pPr marL="0" indent="0" algn="just">
               <a:lnSpc>
                 <a:spcPct val="150000"/>
               </a:lnSpc>
-            </a:pPr>
-            <a:r>
-              <a:rPr lang="en-US" sz="1600" b="1" dirty="0">
-                <a:latin typeface="Times New Roman" panose="02020603050405020304" pitchFamily="18" charset="0"/>
-                <a:cs typeface="Times New Roman" panose="02020603050405020304" pitchFamily="18" charset="0"/>
-              </a:rPr>
-              <a:t>Web page</a:t>
-            </a:r>
-            <a:r>
-              <a:rPr lang="en-US" sz="1600" dirty="0">
-                <a:latin typeface="Times New Roman" panose="02020603050405020304" pitchFamily="18" charset="0"/>
-                <a:cs typeface="Times New Roman" panose="02020603050405020304" pitchFamily="18" charset="0"/>
-              </a:rPr>
-              <a:t>: Provides a user interface for monitoring the system remotely</a:t>
-            </a:r>
+              <a:buNone/>
+            </a:pPr>
+            <a:endParaRPr lang="en-US" sz="1600" dirty="0">
+              <a:latin typeface="Times New Roman" panose="02020603050405020304" pitchFamily="18" charset="0"/>
+              <a:cs typeface="Times New Roman" panose="02020603050405020304" pitchFamily="18" charset="0"/>
+            </a:endParaRPr>
+          </a:p>
+          <a:p>
+            <a:pPr marL="0" indent="0" algn="just">
+              <a:lnSpc>
+                <a:spcPct val="150000"/>
+              </a:lnSpc>
+              <a:buNone/>
+            </a:pPr>
+            <a:endParaRPr lang="en-US" sz="1600" dirty="0">
+              <a:latin typeface="Times New Roman" panose="02020603050405020304" pitchFamily="18" charset="0"/>
+              <a:cs typeface="Times New Roman" panose="02020603050405020304" pitchFamily="18" charset="0"/>
+            </a:endParaRPr>
+          </a:p>
+          <a:p>
+            <a:pPr marL="0" indent="0" algn="just">
+              <a:lnSpc>
+                <a:spcPct val="150000"/>
+              </a:lnSpc>
+              <a:buNone/>
+            </a:pPr>
+            <a:endParaRPr lang="en-US" sz="1600" dirty="0">
+              <a:latin typeface="Times New Roman" panose="02020603050405020304" pitchFamily="18" charset="0"/>
+              <a:cs typeface="Times New Roman" panose="02020603050405020304" pitchFamily="18" charset="0"/>
+            </a:endParaRPr>
+          </a:p>
+          <a:p>
+            <a:pPr marL="0" indent="0" algn="just">
+              <a:lnSpc>
+                <a:spcPct val="150000"/>
+              </a:lnSpc>
+              <a:buNone/>
+            </a:pPr>
+            <a:endParaRPr lang="en-US" sz="1600" dirty="0">
+              <a:latin typeface="Times New Roman" panose="02020603050405020304" pitchFamily="18" charset="0"/>
+              <a:cs typeface="Times New Roman" panose="02020603050405020304" pitchFamily="18" charset="0"/>
+            </a:endParaRPr>
+          </a:p>
+          <a:p>
+            <a:pPr marL="0" indent="0" algn="just">
+              <a:lnSpc>
+                <a:spcPct val="150000"/>
+              </a:lnSpc>
+              <a:buNone/>
+            </a:pPr>
+            <a:endParaRPr lang="en-US" sz="1600" dirty="0">
+              <a:latin typeface="Times New Roman" panose="02020603050405020304" pitchFamily="18" charset="0"/>
+              <a:cs typeface="Times New Roman" panose="02020603050405020304" pitchFamily="18" charset="0"/>
+            </a:endParaRPr>
+          </a:p>
+          <a:p>
+            <a:pPr marL="0" indent="0" algn="just">
+              <a:lnSpc>
+                <a:spcPct val="150000"/>
+              </a:lnSpc>
+              <a:buNone/>
+            </a:pPr>
+            <a:endParaRPr lang="en-US" sz="1600" dirty="0">
+              <a:latin typeface="Times New Roman" panose="02020603050405020304" pitchFamily="18" charset="0"/>
+              <a:cs typeface="Times New Roman" panose="02020603050405020304" pitchFamily="18" charset="0"/>
+            </a:endParaRPr>
+          </a:p>
+          <a:p>
+            <a:pPr marL="0" indent="0" algn="just">
+              <a:lnSpc>
+                <a:spcPct val="150000"/>
+              </a:lnSpc>
+              <a:buNone/>
+            </a:pPr>
+            <a:endParaRPr lang="en-US" sz="1600" dirty="0">
+              <a:latin typeface="Times New Roman" panose="02020603050405020304" pitchFamily="18" charset="0"/>
+              <a:cs typeface="Times New Roman" panose="02020603050405020304" pitchFamily="18" charset="0"/>
+            </a:endParaRPr>
+          </a:p>
+          <a:p>
+            <a:pPr marL="0" indent="0" algn="just">
+              <a:lnSpc>
+                <a:spcPct val="150000"/>
+              </a:lnSpc>
+              <a:buNone/>
+            </a:pPr>
+            <a:endParaRPr lang="en-US" sz="1600" dirty="0">
+              <a:latin typeface="Times New Roman" panose="02020603050405020304" pitchFamily="18" charset="0"/>
+              <a:cs typeface="Times New Roman" panose="02020603050405020304" pitchFamily="18" charset="0"/>
+            </a:endParaRPr>
+          </a:p>
+          <a:p>
+            <a:pPr marL="0" indent="0" algn="just">
+              <a:lnSpc>
+                <a:spcPct val="150000"/>
+              </a:lnSpc>
+              <a:buNone/>
+            </a:pPr>
+            <a:endParaRPr lang="en-US" sz="1600" dirty="0">
+              <a:latin typeface="Times New Roman" panose="02020603050405020304" pitchFamily="18" charset="0"/>
+              <a:cs typeface="Times New Roman" panose="02020603050405020304" pitchFamily="18" charset="0"/>
+            </a:endParaRPr>
+          </a:p>
+          <a:p>
+            <a:pPr marL="0" indent="0" algn="just">
+              <a:lnSpc>
+                <a:spcPct val="150000"/>
+              </a:lnSpc>
+              <a:buNone/>
+            </a:pPr>
+            <a:endParaRPr lang="en-US" sz="1600" dirty="0">
+              <a:latin typeface="Times New Roman" panose="02020603050405020304" pitchFamily="18" charset="0"/>
+              <a:cs typeface="Times New Roman" panose="02020603050405020304" pitchFamily="18" charset="0"/>
+            </a:endParaRPr>
+          </a:p>
+          <a:p>
+            <a:pPr marL="0" indent="0" algn="just">
+              <a:lnSpc>
+                <a:spcPct val="150000"/>
+              </a:lnSpc>
+              <a:buNone/>
+            </a:pPr>
+            <a:endParaRPr lang="en-US" sz="1600" dirty="0">
+              <a:latin typeface="Times New Roman" panose="02020603050405020304" pitchFamily="18" charset="0"/>
+              <a:cs typeface="Times New Roman" panose="02020603050405020304" pitchFamily="18" charset="0"/>
+            </a:endParaRPr>
+          </a:p>
+          <a:p>
+            <a:pPr marL="0" indent="0" algn="just">
+              <a:lnSpc>
+                <a:spcPct val="150000"/>
+              </a:lnSpc>
+              <a:buNone/>
+            </a:pPr>
+            <a:endParaRPr lang="en-US" sz="1600" dirty="0">
+              <a:latin typeface="Times New Roman" panose="02020603050405020304" pitchFamily="18" charset="0"/>
+              <a:cs typeface="Times New Roman" panose="02020603050405020304" pitchFamily="18" charset="0"/>
+            </a:endParaRPr>
+          </a:p>
+          <a:p>
+            <a:pPr marL="0" indent="0" algn="just">
+              <a:lnSpc>
+                <a:spcPct val="150000"/>
+              </a:lnSpc>
+              <a:buNone/>
+            </a:pPr>
+            <a:endParaRPr lang="en-US" sz="1600" dirty="0">
+              <a:latin typeface="Times New Roman" panose="02020603050405020304" pitchFamily="18" charset="0"/>
+              <a:cs typeface="Times New Roman" panose="02020603050405020304" pitchFamily="18" charset="0"/>
+            </a:endParaRPr>
+          </a:p>
+          <a:p>
+            <a:pPr marL="0" indent="0" algn="just">
+              <a:lnSpc>
+                <a:spcPct val="150000"/>
+              </a:lnSpc>
+              <a:buNone/>
+            </a:pPr>
+            <a:endParaRPr lang="en-US" sz="1600" dirty="0">
+              <a:latin typeface="Times New Roman" panose="02020603050405020304" pitchFamily="18" charset="0"/>
+              <a:cs typeface="Times New Roman" panose="02020603050405020304" pitchFamily="18" charset="0"/>
+            </a:endParaRPr>
           </a:p>
         </p:txBody>
       </p:sp>
+      <p:sp>
+        <p:nvSpPr>
+          <p:cNvPr id="8" name="TextBox 7">
+            <a:extLst>
+              <a:ext uri="{FF2B5EF4-FFF2-40B4-BE49-F238E27FC236}">
+                <a16:creationId xmlns:a16="http://schemas.microsoft.com/office/drawing/2014/main" id="{F1CE7122-AAA5-F42C-EC20-4C000033A698}"/>
+              </a:ext>
+            </a:extLst>
+          </p:cNvPr>
+          <p:cNvSpPr txBox="1"/>
+          <p:nvPr/>
+        </p:nvSpPr>
+        <p:spPr>
+          <a:xfrm>
+            <a:off x="-76200" y="2743200"/>
+            <a:ext cx="5562600" cy="2862322"/>
+          </a:xfrm>
+          <a:prstGeom prst="rect">
+            <a:avLst/>
+          </a:prstGeom>
+          <a:noFill/>
+        </p:spPr>
+        <p:txBody>
+          <a:bodyPr wrap="square" rtlCol="0">
+            <a:spAutoFit/>
+          </a:bodyPr>
+          <a:lstStyle/>
+          <a:p>
+            <a:pPr marL="285750" indent="-285750">
+              <a:buFont typeface="Arial" panose="020B0604020202020204" pitchFamily="34" charset="0"/>
+              <a:buChar char="•"/>
+            </a:pPr>
+            <a:r>
+              <a:rPr lang="en-US" sz="1800" b="1" dirty="0">
+                <a:latin typeface="Times New Roman" panose="02020603050405020304" pitchFamily="18" charset="0"/>
+                <a:cs typeface="Times New Roman" panose="02020603050405020304" pitchFamily="18" charset="0"/>
+              </a:rPr>
+              <a:t>Voice recognition module:</a:t>
+            </a:r>
+            <a:r>
+              <a:rPr lang="en-US" sz="1800" dirty="0">
+                <a:latin typeface="Times New Roman" panose="02020603050405020304" pitchFamily="18" charset="0"/>
+                <a:cs typeface="Times New Roman" panose="02020603050405020304" pitchFamily="18" charset="0"/>
+              </a:rPr>
+              <a:t> </a:t>
+            </a:r>
+          </a:p>
+          <a:p>
+            <a:pPr lvl="1"/>
+            <a:r>
+              <a:rPr lang="en-US" dirty="0">
+                <a:latin typeface="Times New Roman" panose="02020603050405020304" pitchFamily="18" charset="0"/>
+                <a:cs typeface="Times New Roman" panose="02020603050405020304" pitchFamily="18" charset="0"/>
+              </a:rPr>
+              <a:t>Converts the user's spoken commands into an command number which is already stored in module. </a:t>
+            </a:r>
+            <a:r>
+              <a:rPr lang="en-US" b="0" i="0" dirty="0">
+                <a:effectLst/>
+                <a:latin typeface="Inter"/>
+              </a:rPr>
+              <a:t>Voice Recognition Module product is a speaker-dependent voice recognition module. It supports up to 80 voice commands in all. Max 7 voice commands could work at the same time. Any sound could be trained as the command. Users need to train the module first before let it recognizing any voice command.</a:t>
+            </a:r>
+            <a:endParaRPr lang="en-IN" dirty="0"/>
+          </a:p>
+        </p:txBody>
+      </p:sp>
+      <p:pic>
+        <p:nvPicPr>
+          <p:cNvPr id="14" name="Picture 13">
+            <a:extLst>
+              <a:ext uri="{FF2B5EF4-FFF2-40B4-BE49-F238E27FC236}">
+                <a16:creationId xmlns:a16="http://schemas.microsoft.com/office/drawing/2014/main" id="{33260B3A-1547-0550-8023-AD71FB4ED3E4}"/>
+              </a:ext>
+            </a:extLst>
+          </p:cNvPr>
+          <p:cNvPicPr>
+            <a:picLocks noChangeAspect="1"/>
+          </p:cNvPicPr>
+          <p:nvPr/>
+        </p:nvPicPr>
+        <p:blipFill>
+          <a:blip r:embed="rId2">
+            <a:extLst>
+              <a:ext uri="{28A0092B-C50C-407E-A947-70E740481C1C}">
+                <a14:useLocalDpi xmlns:a14="http://schemas.microsoft.com/office/drawing/2010/main" val="0"/>
+              </a:ext>
+            </a:extLst>
+          </a:blip>
+          <a:stretch>
+            <a:fillRect/>
+          </a:stretch>
+        </p:blipFill>
+        <p:spPr>
+          <a:xfrm flipH="1">
+            <a:off x="5155588" y="1600200"/>
+            <a:ext cx="4020739" cy="6019800"/>
+          </a:xfrm>
+          <a:prstGeom prst="rect">
+            <a:avLst/>
+          </a:prstGeom>
+        </p:spPr>
+      </p:pic>
     </p:spTree>
   </p:cSld>
   <p:clrMapOvr>
@@ -4161,6 +4246,1937 @@
 </file>
 
 <file path=ppt/slides/slide13.xml><?xml version="1.0" encoding="utf-8"?>
+<p:sld xmlns:a="http://schemas.openxmlformats.org/drawingml/2006/main" xmlns:r="http://schemas.openxmlformats.org/officeDocument/2006/relationships" xmlns:p="http://schemas.openxmlformats.org/presentationml/2006/main">
+  <p:cSld>
+    <p:spTree>
+      <p:nvGrpSpPr>
+        <p:cNvPr id="1" name=""/>
+        <p:cNvGrpSpPr/>
+        <p:nvPr/>
+      </p:nvGrpSpPr>
+      <p:grpSpPr>
+        <a:xfrm>
+          <a:off x="0" y="0"/>
+          <a:ext cx="0" cy="0"/>
+          <a:chOff x="0" y="0"/>
+          <a:chExt cx="0" cy="0"/>
+        </a:xfrm>
+      </p:grpSpPr>
+      <p:sp>
+        <p:nvSpPr>
+          <p:cNvPr id="3" name="Content Placeholder 2">
+            <a:extLst>
+              <a:ext uri="{FF2B5EF4-FFF2-40B4-BE49-F238E27FC236}">
+                <a16:creationId xmlns:a16="http://schemas.microsoft.com/office/drawing/2014/main" id="{307AFD40-065D-DB0C-EA78-11D0334D2A3F}"/>
+              </a:ext>
+            </a:extLst>
+          </p:cNvPr>
+          <p:cNvSpPr>
+            <a:spLocks noGrp="1"/>
+          </p:cNvSpPr>
+          <p:nvPr>
+            <p:ph idx="1"/>
+          </p:nvPr>
+        </p:nvSpPr>
+        <p:spPr>
+          <a:xfrm>
+            <a:off x="152400" y="228600"/>
+            <a:ext cx="8839200" cy="4038600"/>
+          </a:xfrm>
+        </p:spPr>
+        <p:txBody>
+          <a:bodyPr/>
+          <a:lstStyle/>
+          <a:p>
+            <a:pPr algn="just">
+              <a:lnSpc>
+                <a:spcPct val="150000"/>
+              </a:lnSpc>
+            </a:pPr>
+            <a:r>
+              <a:rPr lang="en-US" sz="1400" b="1" dirty="0">
+                <a:latin typeface="Times New Roman" panose="02020603050405020304" pitchFamily="18" charset="0"/>
+                <a:cs typeface="Times New Roman" panose="02020603050405020304" pitchFamily="18" charset="0"/>
+              </a:rPr>
+              <a:t>Atmega 2560 microcontroller[10]</a:t>
+            </a:r>
+            <a:r>
+              <a:rPr lang="en-US" sz="1400" dirty="0">
+                <a:latin typeface="Times New Roman" panose="02020603050405020304" pitchFamily="18" charset="0"/>
+                <a:cs typeface="Times New Roman" panose="02020603050405020304" pitchFamily="18" charset="0"/>
+              </a:rPr>
+              <a:t>: </a:t>
+            </a:r>
+          </a:p>
+          <a:p>
+            <a:pPr marL="400050" lvl="1" indent="0" algn="just">
+              <a:lnSpc>
+                <a:spcPct val="150000"/>
+              </a:lnSpc>
+              <a:buNone/>
+            </a:pPr>
+            <a:r>
+              <a:rPr lang="en-US" sz="1400" dirty="0">
+                <a:latin typeface="Times New Roman" panose="02020603050405020304" pitchFamily="18" charset="0"/>
+                <a:cs typeface="Times New Roman" panose="02020603050405020304" pitchFamily="18" charset="0"/>
+              </a:rPr>
+              <a:t>The brain of the system, which controls all of the other components. </a:t>
+            </a:r>
+            <a:r>
+              <a:rPr lang="en-US" sz="1400" b="0" i="0" dirty="0">
+                <a:effectLst/>
+                <a:latin typeface="Google Sans"/>
+              </a:rPr>
+              <a:t>The ATmega2560 is an 8-bit, low-power microcontroller that is based on the AVR-RISC architecture. It's commonly found in the Arduino Mega 2560 development board. </a:t>
+            </a:r>
+          </a:p>
+          <a:p>
+            <a:pPr marL="0" indent="0" algn="just">
+              <a:lnSpc>
+                <a:spcPct val="150000"/>
+              </a:lnSpc>
+              <a:buNone/>
+            </a:pPr>
+            <a:endParaRPr lang="en-US" sz="1400" b="0" i="0" dirty="0">
+              <a:effectLst/>
+              <a:latin typeface="Google Sans"/>
+            </a:endParaRPr>
+          </a:p>
+          <a:p>
+            <a:pPr marL="0" indent="0" fontAlgn="ctr">
+              <a:buNone/>
+            </a:pPr>
+            <a:r>
+              <a:rPr lang="en-US" sz="1400" i="0" dirty="0">
+                <a:effectLst/>
+                <a:latin typeface="Google Sans"/>
+              </a:rPr>
+              <a:t>The ATmega2560 has the following features: </a:t>
+            </a:r>
+          </a:p>
+          <a:p>
+            <a:pPr algn="l">
+              <a:buFont typeface="Arial" panose="020B0604020202020204" pitchFamily="34" charset="0"/>
+              <a:buChar char="•"/>
+            </a:pPr>
+            <a:r>
+              <a:rPr lang="en-US" sz="1400" b="0" i="0" dirty="0">
+                <a:effectLst/>
+                <a:latin typeface="Google Sans"/>
+              </a:rPr>
+              <a:t>16MHz clock frequency</a:t>
+            </a:r>
+          </a:p>
+          <a:p>
+            <a:pPr algn="l">
+              <a:buFont typeface="Arial" panose="020B0604020202020204" pitchFamily="34" charset="0"/>
+              <a:buChar char="•"/>
+            </a:pPr>
+            <a:r>
+              <a:rPr lang="en-US" sz="1400" b="0" i="0" dirty="0">
+                <a:effectLst/>
+                <a:latin typeface="Google Sans"/>
+              </a:rPr>
+              <a:t>8KB SRAM</a:t>
+            </a:r>
+          </a:p>
+          <a:p>
+            <a:pPr algn="l">
+              <a:buFont typeface="Arial" panose="020B0604020202020204" pitchFamily="34" charset="0"/>
+              <a:buChar char="•"/>
+            </a:pPr>
+            <a:r>
+              <a:rPr lang="en-US" sz="1400" b="0" i="0" dirty="0">
+                <a:effectLst/>
+                <a:latin typeface="Google Sans"/>
+              </a:rPr>
+              <a:t>4KB EEPROM</a:t>
+            </a:r>
+          </a:p>
+          <a:p>
+            <a:pPr algn="l">
+              <a:buFont typeface="Arial" panose="020B0604020202020204" pitchFamily="34" charset="0"/>
+              <a:buChar char="•"/>
+            </a:pPr>
+            <a:r>
+              <a:rPr lang="en-US" sz="1400" b="0" i="0" dirty="0">
+                <a:effectLst/>
+                <a:latin typeface="Google Sans"/>
+              </a:rPr>
+              <a:t>256KB of programmable flash memory</a:t>
+            </a:r>
+          </a:p>
+          <a:p>
+            <a:pPr algn="l">
+              <a:buFont typeface="Arial" panose="020B0604020202020204" pitchFamily="34" charset="0"/>
+              <a:buChar char="•"/>
+            </a:pPr>
+            <a:r>
+              <a:rPr lang="en-US" sz="1400" b="0" i="0" dirty="0">
+                <a:effectLst/>
+                <a:latin typeface="Google Sans"/>
+              </a:rPr>
+              <a:t>Executes powerful instructions in a single clock cycle</a:t>
+            </a:r>
+          </a:p>
+          <a:p>
+            <a:pPr algn="l">
+              <a:buFont typeface="Arial" panose="020B0604020202020204" pitchFamily="34" charset="0"/>
+              <a:buChar char="•"/>
+            </a:pPr>
+            <a:r>
+              <a:rPr lang="en-US" sz="1400" b="0" i="0" dirty="0">
+                <a:effectLst/>
+                <a:latin typeface="Google Sans"/>
+              </a:rPr>
+              <a:t>Temperature range of 40°C to 85°C</a:t>
+            </a:r>
+          </a:p>
+          <a:p>
+            <a:pPr algn="l">
+              <a:buFont typeface="Arial" panose="020B0604020202020204" pitchFamily="34" charset="0"/>
+              <a:buChar char="•"/>
+            </a:pPr>
+            <a:r>
+              <a:rPr lang="en-US" sz="1400" b="0" i="0" dirty="0">
+                <a:effectLst/>
+                <a:latin typeface="Google Sans"/>
+              </a:rPr>
+              <a:t>Ultra-low power consumption</a:t>
+            </a:r>
+          </a:p>
+          <a:p>
+            <a:pPr algn="just">
+              <a:lnSpc>
+                <a:spcPct val="150000"/>
+              </a:lnSpc>
+            </a:pPr>
+            <a:endParaRPr lang="en-US" sz="1400" b="1" dirty="0">
+              <a:latin typeface="Times New Roman" panose="02020603050405020304" pitchFamily="18" charset="0"/>
+              <a:cs typeface="Times New Roman" panose="02020603050405020304" pitchFamily="18" charset="0"/>
+            </a:endParaRPr>
+          </a:p>
+          <a:p>
+            <a:pPr algn="just">
+              <a:lnSpc>
+                <a:spcPct val="150000"/>
+              </a:lnSpc>
+            </a:pPr>
+            <a:endParaRPr lang="en-US" sz="1400" b="1" dirty="0">
+              <a:latin typeface="Times New Roman" panose="02020603050405020304" pitchFamily="18" charset="0"/>
+              <a:cs typeface="Times New Roman" panose="02020603050405020304" pitchFamily="18" charset="0"/>
+            </a:endParaRPr>
+          </a:p>
+          <a:p>
+            <a:pPr algn="just">
+              <a:lnSpc>
+                <a:spcPct val="150000"/>
+              </a:lnSpc>
+            </a:pPr>
+            <a:endParaRPr lang="en-US" sz="1400" b="1" dirty="0">
+              <a:latin typeface="Times New Roman" panose="02020603050405020304" pitchFamily="18" charset="0"/>
+              <a:cs typeface="Times New Roman" panose="02020603050405020304" pitchFamily="18" charset="0"/>
+            </a:endParaRPr>
+          </a:p>
+          <a:p>
+            <a:pPr algn="just">
+              <a:lnSpc>
+                <a:spcPct val="150000"/>
+              </a:lnSpc>
+            </a:pPr>
+            <a:endParaRPr lang="en-US" sz="1400" b="1" dirty="0">
+              <a:latin typeface="Times New Roman" panose="02020603050405020304" pitchFamily="18" charset="0"/>
+              <a:cs typeface="Times New Roman" panose="02020603050405020304" pitchFamily="18" charset="0"/>
+            </a:endParaRPr>
+          </a:p>
+          <a:p>
+            <a:pPr algn="just">
+              <a:lnSpc>
+                <a:spcPct val="150000"/>
+              </a:lnSpc>
+            </a:pPr>
+            <a:endParaRPr lang="en-US" sz="1400" b="1" dirty="0">
+              <a:latin typeface="Times New Roman" panose="02020603050405020304" pitchFamily="18" charset="0"/>
+              <a:cs typeface="Times New Roman" panose="02020603050405020304" pitchFamily="18" charset="0"/>
+            </a:endParaRPr>
+          </a:p>
+          <a:p>
+            <a:pPr algn="just">
+              <a:lnSpc>
+                <a:spcPct val="150000"/>
+              </a:lnSpc>
+            </a:pPr>
+            <a:endParaRPr lang="en-US" sz="1400" b="1" dirty="0">
+              <a:latin typeface="Times New Roman" panose="02020603050405020304" pitchFamily="18" charset="0"/>
+              <a:cs typeface="Times New Roman" panose="02020603050405020304" pitchFamily="18" charset="0"/>
+            </a:endParaRPr>
+          </a:p>
+        </p:txBody>
+      </p:sp>
+      <p:pic>
+        <p:nvPicPr>
+          <p:cNvPr id="7" name="Picture 6">
+            <a:extLst>
+              <a:ext uri="{FF2B5EF4-FFF2-40B4-BE49-F238E27FC236}">
+                <a16:creationId xmlns:a16="http://schemas.microsoft.com/office/drawing/2014/main" id="{DC8B8B6C-CCE7-FB5E-2AB4-A8284C6D87BE}"/>
+              </a:ext>
+            </a:extLst>
+          </p:cNvPr>
+          <p:cNvPicPr>
+            <a:picLocks noChangeAspect="1"/>
+          </p:cNvPicPr>
+          <p:nvPr/>
+        </p:nvPicPr>
+        <p:blipFill>
+          <a:blip r:embed="rId2">
+            <a:extLst>
+              <a:ext uri="{28A0092B-C50C-407E-A947-70E740481C1C}">
+                <a14:useLocalDpi xmlns:a14="http://schemas.microsoft.com/office/drawing/2010/main" val="0"/>
+              </a:ext>
+            </a:extLst>
+          </a:blip>
+          <a:stretch>
+            <a:fillRect/>
+          </a:stretch>
+        </p:blipFill>
+        <p:spPr>
+          <a:xfrm>
+            <a:off x="3810000" y="1524000"/>
+            <a:ext cx="5486400" cy="3543300"/>
+          </a:xfrm>
+          <a:prstGeom prst="rect">
+            <a:avLst/>
+          </a:prstGeom>
+        </p:spPr>
+      </p:pic>
+    </p:spTree>
+    <p:extLst>
+      <p:ext uri="{BB962C8B-B14F-4D97-AF65-F5344CB8AC3E}">
+        <p14:creationId xmlns:p14="http://schemas.microsoft.com/office/powerpoint/2010/main" val="2281083053"/>
+      </p:ext>
+    </p:extLst>
+  </p:cSld>
+  <p:clrMapOvr>
+    <a:masterClrMapping/>
+  </p:clrMapOvr>
+</p:sld>
+</file>
+
+<file path=ppt/slides/slide14.xml><?xml version="1.0" encoding="utf-8"?>
+<p:sld xmlns:a="http://schemas.openxmlformats.org/drawingml/2006/main" xmlns:r="http://schemas.openxmlformats.org/officeDocument/2006/relationships" xmlns:p="http://schemas.openxmlformats.org/presentationml/2006/main">
+  <p:cSld>
+    <p:spTree>
+      <p:nvGrpSpPr>
+        <p:cNvPr id="1" name=""/>
+        <p:cNvGrpSpPr/>
+        <p:nvPr/>
+      </p:nvGrpSpPr>
+      <p:grpSpPr>
+        <a:xfrm>
+          <a:off x="0" y="0"/>
+          <a:ext cx="0" cy="0"/>
+          <a:chOff x="0" y="0"/>
+          <a:chExt cx="0" cy="0"/>
+        </a:xfrm>
+      </p:grpSpPr>
+      <p:sp>
+        <p:nvSpPr>
+          <p:cNvPr id="3" name="Content Placeholder 2">
+            <a:extLst>
+              <a:ext uri="{FF2B5EF4-FFF2-40B4-BE49-F238E27FC236}">
+                <a16:creationId xmlns:a16="http://schemas.microsoft.com/office/drawing/2014/main" id="{02AC76A9-454A-82A5-0F36-DD775D6914D2}"/>
+              </a:ext>
+            </a:extLst>
+          </p:cNvPr>
+          <p:cNvSpPr>
+            <a:spLocks noGrp="1"/>
+          </p:cNvSpPr>
+          <p:nvPr>
+            <p:ph idx="1"/>
+          </p:nvPr>
+        </p:nvSpPr>
+        <p:spPr>
+          <a:xfrm>
+            <a:off x="457200" y="1"/>
+            <a:ext cx="8229600" cy="4572000"/>
+          </a:xfrm>
+        </p:spPr>
+        <p:txBody>
+          <a:bodyPr/>
+          <a:lstStyle/>
+          <a:p>
+            <a:pPr algn="just">
+              <a:lnSpc>
+                <a:spcPct val="150000"/>
+              </a:lnSpc>
+            </a:pPr>
+            <a:r>
+              <a:rPr lang="en-US" sz="1400" b="1" dirty="0">
+                <a:latin typeface="Times New Roman" panose="02020603050405020304" pitchFamily="18" charset="0"/>
+                <a:cs typeface="Times New Roman" panose="02020603050405020304" pitchFamily="18" charset="0"/>
+              </a:rPr>
+              <a:t>16x2 LCD display:</a:t>
+            </a:r>
+            <a:r>
+              <a:rPr lang="en-US" sz="1400" dirty="0">
+                <a:latin typeface="Times New Roman" panose="02020603050405020304" pitchFamily="18" charset="0"/>
+                <a:cs typeface="Times New Roman" panose="02020603050405020304" pitchFamily="18" charset="0"/>
+              </a:rPr>
+              <a:t> </a:t>
+            </a:r>
+          </a:p>
+          <a:p>
+            <a:pPr marL="0" indent="0" algn="just">
+              <a:lnSpc>
+                <a:spcPct val="150000"/>
+              </a:lnSpc>
+              <a:buNone/>
+            </a:pPr>
+            <a:r>
+              <a:rPr lang="en-US" sz="1400" dirty="0">
+                <a:latin typeface="Times New Roman" panose="02020603050405020304" pitchFamily="18" charset="0"/>
+                <a:cs typeface="Times New Roman" panose="02020603050405020304" pitchFamily="18" charset="0"/>
+              </a:rPr>
+              <a:t>	Displays the current floor number and other system information.</a:t>
+            </a:r>
+            <a:r>
+              <a:rPr lang="en-US" sz="1600" b="1" dirty="0">
+                <a:latin typeface="Times New Roman" panose="02020603050405020304" pitchFamily="18" charset="0"/>
+                <a:cs typeface="Times New Roman" panose="02020603050405020304" pitchFamily="18" charset="0"/>
+              </a:rPr>
+              <a:t> </a:t>
+            </a:r>
+            <a:r>
+              <a:rPr lang="en-US" sz="1400" dirty="0">
+                <a:latin typeface="Times New Roman" panose="02020603050405020304" pitchFamily="18" charset="0"/>
+                <a:cs typeface="Times New Roman" panose="02020603050405020304" pitchFamily="18" charset="0"/>
+              </a:rPr>
+              <a:t>A 16x2 LCD display can display 16 characters on 2 lines. The characters are white on a blue background. The display has a 5x7 pixel matrix for each character. </a:t>
+            </a:r>
+          </a:p>
+          <a:p>
+            <a:pPr marL="400050" lvl="1" indent="0" algn="just">
+              <a:lnSpc>
+                <a:spcPct val="150000"/>
+              </a:lnSpc>
+              <a:buNone/>
+            </a:pPr>
+            <a:endParaRPr lang="en-US" sz="1400" dirty="0">
+              <a:latin typeface="Times New Roman" panose="02020603050405020304" pitchFamily="18" charset="0"/>
+              <a:cs typeface="Times New Roman" panose="02020603050405020304" pitchFamily="18" charset="0"/>
+            </a:endParaRPr>
+          </a:p>
+          <a:p>
+            <a:pPr marL="0" indent="0" algn="just">
+              <a:lnSpc>
+                <a:spcPct val="150000"/>
+              </a:lnSpc>
+              <a:buNone/>
+            </a:pPr>
+            <a:r>
+              <a:rPr lang="en-US" sz="1400" dirty="0">
+                <a:latin typeface="Times New Roman" panose="02020603050405020304" pitchFamily="18" charset="0"/>
+                <a:cs typeface="Times New Roman" panose="02020603050405020304" pitchFamily="18" charset="0"/>
+              </a:rPr>
+              <a:t>Here are some specifications for a 16x2 LCD display: </a:t>
+            </a:r>
+          </a:p>
+          <a:p>
+            <a:pPr algn="just">
+              <a:lnSpc>
+                <a:spcPct val="150000"/>
+              </a:lnSpc>
+              <a:buFont typeface="Arial" panose="020B0604020202020204" pitchFamily="34" charset="0"/>
+              <a:buChar char="•"/>
+            </a:pPr>
+            <a:r>
+              <a:rPr lang="en-US" sz="1400" dirty="0">
+                <a:latin typeface="Times New Roman" panose="02020603050405020304" pitchFamily="18" charset="0"/>
+                <a:cs typeface="Times New Roman" panose="02020603050405020304" pitchFamily="18" charset="0"/>
+              </a:rPr>
+              <a:t>Display capacity: 16 characters x 2 rows</a:t>
+            </a:r>
+          </a:p>
+          <a:p>
+            <a:pPr algn="just">
+              <a:lnSpc>
+                <a:spcPct val="150000"/>
+              </a:lnSpc>
+              <a:buFont typeface="Arial" panose="020B0604020202020204" pitchFamily="34" charset="0"/>
+              <a:buChar char="•"/>
+            </a:pPr>
+            <a:r>
+              <a:rPr lang="en-US" sz="1400" dirty="0">
+                <a:latin typeface="Times New Roman" panose="02020603050405020304" pitchFamily="18" charset="0"/>
+                <a:cs typeface="Times New Roman" panose="02020603050405020304" pitchFamily="18" charset="0"/>
+              </a:rPr>
+              <a:t>Display color: Blue backlit</a:t>
+            </a:r>
+          </a:p>
+          <a:p>
+            <a:pPr algn="just">
+              <a:lnSpc>
+                <a:spcPct val="150000"/>
+              </a:lnSpc>
+              <a:buFont typeface="Arial" panose="020B0604020202020204" pitchFamily="34" charset="0"/>
+              <a:buChar char="•"/>
+            </a:pPr>
+            <a:r>
+              <a:rPr lang="en-US" sz="1400" dirty="0">
+                <a:latin typeface="Times New Roman" panose="02020603050405020304" pitchFamily="18" charset="0"/>
+                <a:cs typeface="Times New Roman" panose="02020603050405020304" pitchFamily="18" charset="0"/>
+              </a:rPr>
+              <a:t>Character size: 2.95 mm wide x 4.35 mm high</a:t>
+            </a:r>
+          </a:p>
+          <a:p>
+            <a:pPr algn="just">
+              <a:lnSpc>
+                <a:spcPct val="150000"/>
+              </a:lnSpc>
+              <a:buFont typeface="Arial" panose="020B0604020202020204" pitchFamily="34" charset="0"/>
+              <a:buChar char="•"/>
+            </a:pPr>
+            <a:r>
+              <a:rPr lang="en-US" sz="1400" dirty="0">
+                <a:latin typeface="Times New Roman" panose="02020603050405020304" pitchFamily="18" charset="0"/>
+                <a:cs typeface="Times New Roman" panose="02020603050405020304" pitchFamily="18" charset="0"/>
+              </a:rPr>
+              <a:t>Character pixels: 5 W x 7 H</a:t>
+            </a:r>
+          </a:p>
+          <a:p>
+            <a:pPr algn="just">
+              <a:lnSpc>
+                <a:spcPct val="150000"/>
+              </a:lnSpc>
+              <a:buFont typeface="Arial" panose="020B0604020202020204" pitchFamily="34" charset="0"/>
+              <a:buChar char="•"/>
+            </a:pPr>
+            <a:r>
+              <a:rPr lang="en-US" sz="1400" dirty="0">
+                <a:latin typeface="Times New Roman" panose="02020603050405020304" pitchFamily="18" charset="0"/>
+                <a:cs typeface="Times New Roman" panose="02020603050405020304" pitchFamily="18" charset="0"/>
+              </a:rPr>
+              <a:t>Voltage requirements: 5 VDC +/- 0.5V</a:t>
+            </a:r>
+          </a:p>
+          <a:p>
+            <a:pPr algn="just">
+              <a:lnSpc>
+                <a:spcPct val="150000"/>
+              </a:lnSpc>
+              <a:buFont typeface="Arial" panose="020B0604020202020204" pitchFamily="34" charset="0"/>
+              <a:buChar char="•"/>
+            </a:pPr>
+            <a:r>
+              <a:rPr lang="en-US" sz="1400" dirty="0">
+                <a:latin typeface="Times New Roman" panose="02020603050405020304" pitchFamily="18" charset="0"/>
+                <a:cs typeface="Times New Roman" panose="02020603050405020304" pitchFamily="18" charset="0"/>
+              </a:rPr>
+              <a:t>Current requirements: 2 mA @ 5 VDC</a:t>
+            </a:r>
+          </a:p>
+          <a:p>
+            <a:pPr algn="just">
+              <a:lnSpc>
+                <a:spcPct val="150000"/>
+              </a:lnSpc>
+            </a:pPr>
+            <a:endParaRPr lang="en-US" sz="1600" b="1" dirty="0">
+              <a:latin typeface="Times New Roman" panose="02020603050405020304" pitchFamily="18" charset="0"/>
+              <a:cs typeface="Times New Roman" panose="02020603050405020304" pitchFamily="18" charset="0"/>
+            </a:endParaRPr>
+          </a:p>
+          <a:p>
+            <a:pPr algn="just">
+              <a:lnSpc>
+                <a:spcPct val="150000"/>
+              </a:lnSpc>
+            </a:pPr>
+            <a:endParaRPr lang="en-US" sz="1400" b="1" dirty="0">
+              <a:latin typeface="Times New Roman" panose="02020603050405020304" pitchFamily="18" charset="0"/>
+              <a:cs typeface="Times New Roman" panose="02020603050405020304" pitchFamily="18" charset="0"/>
+            </a:endParaRPr>
+          </a:p>
+          <a:p>
+            <a:pPr algn="just">
+              <a:lnSpc>
+                <a:spcPct val="150000"/>
+              </a:lnSpc>
+            </a:pPr>
+            <a:endParaRPr lang="en-US" sz="1400" b="1" dirty="0">
+              <a:latin typeface="Times New Roman" panose="02020603050405020304" pitchFamily="18" charset="0"/>
+              <a:cs typeface="Times New Roman" panose="02020603050405020304" pitchFamily="18" charset="0"/>
+            </a:endParaRPr>
+          </a:p>
+          <a:p>
+            <a:pPr algn="just">
+              <a:lnSpc>
+                <a:spcPct val="150000"/>
+              </a:lnSpc>
+            </a:pPr>
+            <a:endParaRPr lang="en-US" sz="1400" b="1" dirty="0">
+              <a:latin typeface="Times New Roman" panose="02020603050405020304" pitchFamily="18" charset="0"/>
+              <a:cs typeface="Times New Roman" panose="02020603050405020304" pitchFamily="18" charset="0"/>
+            </a:endParaRPr>
+          </a:p>
+          <a:p>
+            <a:pPr algn="just">
+              <a:lnSpc>
+                <a:spcPct val="150000"/>
+              </a:lnSpc>
+            </a:pPr>
+            <a:endParaRPr lang="en-US" sz="1400" b="1" dirty="0">
+              <a:latin typeface="Times New Roman" panose="02020603050405020304" pitchFamily="18" charset="0"/>
+              <a:cs typeface="Times New Roman" panose="02020603050405020304" pitchFamily="18" charset="0"/>
+            </a:endParaRPr>
+          </a:p>
+          <a:p>
+            <a:pPr marL="0" indent="0" algn="just">
+              <a:lnSpc>
+                <a:spcPct val="150000"/>
+              </a:lnSpc>
+              <a:buNone/>
+            </a:pPr>
+            <a:endParaRPr lang="en-US" sz="1400" b="1" dirty="0">
+              <a:latin typeface="Times New Roman" panose="02020603050405020304" pitchFamily="18" charset="0"/>
+              <a:cs typeface="Times New Roman" panose="02020603050405020304" pitchFamily="18" charset="0"/>
+            </a:endParaRPr>
+          </a:p>
+          <a:p>
+            <a:pPr marL="0" indent="0" algn="just">
+              <a:lnSpc>
+                <a:spcPct val="150000"/>
+              </a:lnSpc>
+              <a:buNone/>
+            </a:pPr>
+            <a:endParaRPr lang="en-US" sz="1400" b="1" dirty="0">
+              <a:latin typeface="Times New Roman" panose="02020603050405020304" pitchFamily="18" charset="0"/>
+              <a:cs typeface="Times New Roman" panose="02020603050405020304" pitchFamily="18" charset="0"/>
+            </a:endParaRPr>
+          </a:p>
+          <a:p>
+            <a:pPr marL="0" indent="0" algn="just">
+              <a:lnSpc>
+                <a:spcPct val="150000"/>
+              </a:lnSpc>
+              <a:buNone/>
+            </a:pPr>
+            <a:endParaRPr lang="en-US" sz="1400" b="1" dirty="0">
+              <a:latin typeface="Times New Roman" panose="02020603050405020304" pitchFamily="18" charset="0"/>
+              <a:cs typeface="Times New Roman" panose="02020603050405020304" pitchFamily="18" charset="0"/>
+            </a:endParaRPr>
+          </a:p>
+          <a:p>
+            <a:pPr marL="0" indent="0" algn="just">
+              <a:lnSpc>
+                <a:spcPct val="150000"/>
+              </a:lnSpc>
+              <a:buNone/>
+            </a:pPr>
+            <a:endParaRPr lang="en-US" sz="1400" b="1" dirty="0">
+              <a:latin typeface="Times New Roman" panose="02020603050405020304" pitchFamily="18" charset="0"/>
+              <a:cs typeface="Times New Roman" panose="02020603050405020304" pitchFamily="18" charset="0"/>
+            </a:endParaRPr>
+          </a:p>
+          <a:p>
+            <a:pPr marL="0" indent="0" algn="just">
+              <a:lnSpc>
+                <a:spcPct val="150000"/>
+              </a:lnSpc>
+              <a:buNone/>
+            </a:pPr>
+            <a:endParaRPr lang="en-US" sz="1400" b="1" dirty="0">
+              <a:latin typeface="Times New Roman" panose="02020603050405020304" pitchFamily="18" charset="0"/>
+              <a:cs typeface="Times New Roman" panose="02020603050405020304" pitchFamily="18" charset="0"/>
+            </a:endParaRPr>
+          </a:p>
+        </p:txBody>
+      </p:sp>
+      <p:pic>
+        <p:nvPicPr>
+          <p:cNvPr id="5" name="Picture 4">
+            <a:extLst>
+              <a:ext uri="{FF2B5EF4-FFF2-40B4-BE49-F238E27FC236}">
+                <a16:creationId xmlns:a16="http://schemas.microsoft.com/office/drawing/2014/main" id="{7B039023-2C0E-D3DB-F915-120B205F1607}"/>
+              </a:ext>
+            </a:extLst>
+          </p:cNvPr>
+          <p:cNvPicPr>
+            <a:picLocks noChangeAspect="1"/>
+          </p:cNvPicPr>
+          <p:nvPr/>
+        </p:nvPicPr>
+        <p:blipFill>
+          <a:blip r:embed="rId2">
+            <a:extLst>
+              <a:ext uri="{28A0092B-C50C-407E-A947-70E740481C1C}">
+                <a14:useLocalDpi xmlns:a14="http://schemas.microsoft.com/office/drawing/2010/main" val="0"/>
+              </a:ext>
+            </a:extLst>
+          </a:blip>
+          <a:stretch>
+            <a:fillRect/>
+          </a:stretch>
+        </p:blipFill>
+        <p:spPr>
+          <a:xfrm>
+            <a:off x="3448705" y="3352800"/>
+            <a:ext cx="5238095" cy="4323695"/>
+          </a:xfrm>
+          <a:prstGeom prst="rect">
+            <a:avLst/>
+          </a:prstGeom>
+        </p:spPr>
+      </p:pic>
+    </p:spTree>
+    <p:extLst>
+      <p:ext uri="{BB962C8B-B14F-4D97-AF65-F5344CB8AC3E}">
+        <p14:creationId xmlns:p14="http://schemas.microsoft.com/office/powerpoint/2010/main" val="563333641"/>
+      </p:ext>
+    </p:extLst>
+  </p:cSld>
+  <p:clrMapOvr>
+    <a:masterClrMapping/>
+  </p:clrMapOvr>
+</p:sld>
+</file>
+
+<file path=ppt/slides/slide15.xml><?xml version="1.0" encoding="utf-8"?>
+<p:sld xmlns:a="http://schemas.openxmlformats.org/drawingml/2006/main" xmlns:r="http://schemas.openxmlformats.org/officeDocument/2006/relationships" xmlns:p="http://schemas.openxmlformats.org/presentationml/2006/main">
+  <p:cSld>
+    <p:spTree>
+      <p:nvGrpSpPr>
+        <p:cNvPr id="1" name=""/>
+        <p:cNvGrpSpPr/>
+        <p:nvPr/>
+      </p:nvGrpSpPr>
+      <p:grpSpPr>
+        <a:xfrm>
+          <a:off x="0" y="0"/>
+          <a:ext cx="0" cy="0"/>
+          <a:chOff x="0" y="0"/>
+          <a:chExt cx="0" cy="0"/>
+        </a:xfrm>
+      </p:grpSpPr>
+      <p:sp>
+        <p:nvSpPr>
+          <p:cNvPr id="3" name="Content Placeholder 2">
+            <a:extLst>
+              <a:ext uri="{FF2B5EF4-FFF2-40B4-BE49-F238E27FC236}">
+                <a16:creationId xmlns:a16="http://schemas.microsoft.com/office/drawing/2014/main" id="{E504CD95-62B9-615D-1F69-9401BF3CA09A}"/>
+              </a:ext>
+            </a:extLst>
+          </p:cNvPr>
+          <p:cNvSpPr>
+            <a:spLocks noGrp="1"/>
+          </p:cNvSpPr>
+          <p:nvPr>
+            <p:ph idx="1"/>
+          </p:nvPr>
+        </p:nvSpPr>
+        <p:spPr>
+          <a:xfrm>
+            <a:off x="609600" y="11545"/>
+            <a:ext cx="8229600" cy="5779655"/>
+          </a:xfrm>
+        </p:spPr>
+        <p:txBody>
+          <a:bodyPr/>
+          <a:lstStyle/>
+          <a:p>
+            <a:pPr algn="just">
+              <a:lnSpc>
+                <a:spcPct val="150000"/>
+              </a:lnSpc>
+            </a:pPr>
+            <a:r>
+              <a:rPr lang="en-US" sz="1400" b="1" dirty="0">
+                <a:latin typeface="Times New Roman" panose="02020603050405020304" pitchFamily="18" charset="0"/>
+                <a:cs typeface="Times New Roman" panose="02020603050405020304" pitchFamily="18" charset="0"/>
+              </a:rPr>
+              <a:t>Buzzer:</a:t>
+            </a:r>
+            <a:r>
+              <a:rPr lang="en-US" sz="1400" dirty="0">
+                <a:latin typeface="Times New Roman" panose="02020603050405020304" pitchFamily="18" charset="0"/>
+                <a:cs typeface="Times New Roman" panose="02020603050405020304" pitchFamily="18" charset="0"/>
+              </a:rPr>
+              <a:t> Provides audible feedback to the user.</a:t>
+            </a:r>
+            <a:endParaRPr lang="en-US" sz="1400" b="1" dirty="0">
+              <a:latin typeface="Times New Roman" panose="02020603050405020304" pitchFamily="18" charset="0"/>
+              <a:cs typeface="Times New Roman" panose="02020603050405020304" pitchFamily="18" charset="0"/>
+            </a:endParaRPr>
+          </a:p>
+          <a:p>
+            <a:pPr algn="just">
+              <a:lnSpc>
+                <a:spcPct val="150000"/>
+              </a:lnSpc>
+            </a:pPr>
+            <a:r>
+              <a:rPr lang="en-US" sz="1400" b="1" dirty="0">
+                <a:latin typeface="Times New Roman" panose="02020603050405020304" pitchFamily="18" charset="0"/>
+                <a:cs typeface="Times New Roman" panose="02020603050405020304" pitchFamily="18" charset="0"/>
+              </a:rPr>
+              <a:t>Audio player module:</a:t>
+            </a:r>
+            <a:r>
+              <a:rPr lang="en-US" sz="1400" dirty="0">
+                <a:latin typeface="Times New Roman" panose="02020603050405020304" pitchFamily="18" charset="0"/>
+                <a:cs typeface="Times New Roman" panose="02020603050405020304" pitchFamily="18" charset="0"/>
+              </a:rPr>
+              <a:t> Plays audio cues, such as "Going up" and "Arrived at your floor.“</a:t>
+            </a:r>
+          </a:p>
+          <a:p>
+            <a:pPr marL="400050" lvl="1" indent="0" algn="just">
+              <a:lnSpc>
+                <a:spcPct val="150000"/>
+              </a:lnSpc>
+              <a:buNone/>
+            </a:pPr>
+            <a:r>
+              <a:rPr lang="en-US" sz="1400" dirty="0">
+                <a:latin typeface="Times New Roman" panose="02020603050405020304" pitchFamily="18" charset="0"/>
+                <a:cs typeface="Times New Roman" panose="02020603050405020304" pitchFamily="18" charset="0"/>
+              </a:rPr>
+              <a:t>This Module is a reusable mass storage voice module, that can plug a maximum capacity of 1GB SD card memory and can load the WAV and AD4 audio.</a:t>
+            </a:r>
+          </a:p>
+          <a:p>
+            <a:pPr marL="400050" lvl="1" indent="0" algn="just">
+              <a:lnSpc>
+                <a:spcPct val="150000"/>
+              </a:lnSpc>
+              <a:buNone/>
+            </a:pPr>
+            <a:r>
+              <a:rPr lang="en-US" sz="1400" dirty="0">
+                <a:latin typeface="Times New Roman" panose="02020603050405020304" pitchFamily="18" charset="0"/>
+                <a:cs typeface="Times New Roman" panose="02020603050405020304" pitchFamily="18" charset="0"/>
+              </a:rPr>
+              <a:t>Supports the FAT file system SD carrier.</a:t>
+            </a:r>
+          </a:p>
+          <a:p>
+            <a:pPr marL="400050" lvl="1" indent="0" algn="just">
+              <a:lnSpc>
+                <a:spcPct val="150000"/>
+              </a:lnSpc>
+              <a:buNone/>
+            </a:pPr>
+            <a:r>
+              <a:rPr lang="en-US" sz="1400" dirty="0">
+                <a:latin typeface="Times New Roman" panose="02020603050405020304" pitchFamily="18" charset="0"/>
+                <a:cs typeface="Times New Roman" panose="02020603050405020304" pitchFamily="18" charset="0"/>
+              </a:rPr>
+              <a:t>Supports the playing of 4Bit ADCPM format files.</a:t>
+            </a:r>
+          </a:p>
+          <a:p>
+            <a:pPr marL="400050" lvl="1" indent="0" algn="just">
+              <a:lnSpc>
+                <a:spcPct val="150000"/>
+              </a:lnSpc>
+              <a:buNone/>
+            </a:pPr>
+            <a:r>
+              <a:rPr lang="en-US" sz="1400" dirty="0">
+                <a:latin typeface="Times New Roman" panose="02020603050405020304" pitchFamily="18" charset="0"/>
+                <a:cs typeface="Times New Roman" panose="02020603050405020304" pitchFamily="18" charset="0"/>
+              </a:rPr>
+              <a:t>Recognize the voice files automatically.</a:t>
+            </a:r>
+          </a:p>
+          <a:p>
+            <a:pPr marL="400050" lvl="1" indent="0" algn="just">
+              <a:lnSpc>
+                <a:spcPct val="150000"/>
+              </a:lnSpc>
+              <a:buNone/>
+            </a:pPr>
+            <a:r>
+              <a:rPr lang="en-US" sz="1400" dirty="0">
+                <a:latin typeface="Times New Roman" panose="02020603050405020304" pitchFamily="18" charset="0"/>
+                <a:cs typeface="Times New Roman" panose="02020603050405020304" pitchFamily="18" charset="0"/>
+              </a:rPr>
+              <a:t>Support microprocessors and key control.</a:t>
+            </a:r>
+          </a:p>
+          <a:p>
+            <a:pPr algn="just">
+              <a:lnSpc>
+                <a:spcPct val="150000"/>
+              </a:lnSpc>
+            </a:pPr>
+            <a:endParaRPr lang="en-US" sz="1400" dirty="0">
+              <a:latin typeface="Times New Roman" panose="02020603050405020304" pitchFamily="18" charset="0"/>
+              <a:cs typeface="Times New Roman" panose="02020603050405020304" pitchFamily="18" charset="0"/>
+            </a:endParaRPr>
+          </a:p>
+          <a:p>
+            <a:pPr marL="0" indent="0" algn="just">
+              <a:lnSpc>
+                <a:spcPct val="150000"/>
+              </a:lnSpc>
+              <a:buNone/>
+            </a:pPr>
+            <a:endParaRPr lang="en-US" sz="1400" dirty="0">
+              <a:latin typeface="Times New Roman" panose="02020603050405020304" pitchFamily="18" charset="0"/>
+              <a:cs typeface="Times New Roman" panose="02020603050405020304" pitchFamily="18" charset="0"/>
+            </a:endParaRPr>
+          </a:p>
+          <a:p>
+            <a:pPr marL="0" indent="0" algn="just">
+              <a:lnSpc>
+                <a:spcPct val="150000"/>
+              </a:lnSpc>
+              <a:buNone/>
+            </a:pPr>
+            <a:endParaRPr lang="en-US" sz="1400" dirty="0">
+              <a:latin typeface="Times New Roman" panose="02020603050405020304" pitchFamily="18" charset="0"/>
+              <a:cs typeface="Times New Roman" panose="02020603050405020304" pitchFamily="18" charset="0"/>
+            </a:endParaRPr>
+          </a:p>
+          <a:p>
+            <a:pPr marL="0" indent="0" algn="just">
+              <a:lnSpc>
+                <a:spcPct val="150000"/>
+              </a:lnSpc>
+              <a:buNone/>
+            </a:pPr>
+            <a:endParaRPr lang="en-US" sz="1400" dirty="0">
+              <a:latin typeface="Times New Roman" panose="02020603050405020304" pitchFamily="18" charset="0"/>
+              <a:cs typeface="Times New Roman" panose="02020603050405020304" pitchFamily="18" charset="0"/>
+            </a:endParaRPr>
+          </a:p>
+          <a:p>
+            <a:pPr algn="just">
+              <a:lnSpc>
+                <a:spcPct val="150000"/>
+              </a:lnSpc>
+            </a:pPr>
+            <a:r>
+              <a:rPr lang="en-US" sz="1400" b="1" dirty="0">
+                <a:latin typeface="Times New Roman" panose="02020603050405020304" pitchFamily="18" charset="0"/>
+                <a:cs typeface="Times New Roman" panose="02020603050405020304" pitchFamily="18" charset="0"/>
+              </a:rPr>
+              <a:t>Relay circuit:</a:t>
+            </a:r>
+            <a:r>
+              <a:rPr lang="en-US" sz="1400" dirty="0">
+                <a:latin typeface="Times New Roman" panose="02020603050405020304" pitchFamily="18" charset="0"/>
+                <a:cs typeface="Times New Roman" panose="02020603050405020304" pitchFamily="18" charset="0"/>
+              </a:rPr>
+              <a:t> Controls the DC motor. </a:t>
+            </a:r>
+          </a:p>
+          <a:p>
+            <a:pPr marL="0" indent="0" algn="just">
+              <a:lnSpc>
+                <a:spcPct val="150000"/>
+              </a:lnSpc>
+              <a:buNone/>
+            </a:pPr>
+            <a:r>
+              <a:rPr lang="en-US" sz="1400" dirty="0">
+                <a:latin typeface="Times New Roman" panose="02020603050405020304" pitchFamily="18" charset="0"/>
+                <a:cs typeface="Times New Roman" panose="02020603050405020304" pitchFamily="18" charset="0"/>
+              </a:rPr>
+              <a:t>       Also speed of motor can be controlled by providing </a:t>
+            </a:r>
+          </a:p>
+          <a:p>
+            <a:pPr marL="0" indent="0" algn="just">
+              <a:lnSpc>
+                <a:spcPct val="150000"/>
+              </a:lnSpc>
+              <a:buNone/>
+            </a:pPr>
+            <a:r>
+              <a:rPr lang="en-US" sz="1400" dirty="0">
+                <a:latin typeface="Times New Roman" panose="02020603050405020304" pitchFamily="18" charset="0"/>
+                <a:cs typeface="Times New Roman" panose="02020603050405020304" pitchFamily="18" charset="0"/>
+              </a:rPr>
+              <a:t>       appropriate signal at the “IN” pin</a:t>
+            </a:r>
+          </a:p>
+          <a:p>
+            <a:endParaRPr lang="en-IN" sz="1400" dirty="0"/>
+          </a:p>
+        </p:txBody>
+      </p:sp>
+      <p:pic>
+        <p:nvPicPr>
+          <p:cNvPr id="7" name="Picture 6">
+            <a:extLst>
+              <a:ext uri="{FF2B5EF4-FFF2-40B4-BE49-F238E27FC236}">
+                <a16:creationId xmlns:a16="http://schemas.microsoft.com/office/drawing/2014/main" id="{E6CEDBE2-473C-FE1F-764F-79F4023E2588}"/>
+              </a:ext>
+            </a:extLst>
+          </p:cNvPr>
+          <p:cNvPicPr>
+            <a:picLocks noChangeAspect="1"/>
+          </p:cNvPicPr>
+          <p:nvPr/>
+        </p:nvPicPr>
+        <p:blipFill>
+          <a:blip r:embed="rId2">
+            <a:extLst>
+              <a:ext uri="{28A0092B-C50C-407E-A947-70E740481C1C}">
+                <a14:useLocalDpi xmlns:a14="http://schemas.microsoft.com/office/drawing/2010/main" val="0"/>
+              </a:ext>
+            </a:extLst>
+          </a:blip>
+          <a:stretch>
+            <a:fillRect/>
+          </a:stretch>
+        </p:blipFill>
+        <p:spPr>
+          <a:xfrm>
+            <a:off x="5075959" y="855373"/>
+            <a:ext cx="3067050" cy="3067050"/>
+          </a:xfrm>
+          <a:prstGeom prst="rect">
+            <a:avLst/>
+          </a:prstGeom>
+        </p:spPr>
+      </p:pic>
+      <p:pic>
+        <p:nvPicPr>
+          <p:cNvPr id="9" name="Picture 8">
+            <a:extLst>
+              <a:ext uri="{FF2B5EF4-FFF2-40B4-BE49-F238E27FC236}">
+                <a16:creationId xmlns:a16="http://schemas.microsoft.com/office/drawing/2014/main" id="{C8B08CC3-DBFC-79BF-45AB-B1350DE97EF4}"/>
+              </a:ext>
+            </a:extLst>
+          </p:cNvPr>
+          <p:cNvPicPr>
+            <a:picLocks noChangeAspect="1"/>
+          </p:cNvPicPr>
+          <p:nvPr/>
+        </p:nvPicPr>
+        <p:blipFill>
+          <a:blip r:embed="rId3">
+            <a:extLst>
+              <a:ext uri="{28A0092B-C50C-407E-A947-70E740481C1C}">
+                <a14:useLocalDpi xmlns:a14="http://schemas.microsoft.com/office/drawing/2010/main" val="0"/>
+              </a:ext>
+            </a:extLst>
+          </a:blip>
+          <a:stretch>
+            <a:fillRect/>
+          </a:stretch>
+        </p:blipFill>
+        <p:spPr>
+          <a:xfrm>
+            <a:off x="5410200" y="3922423"/>
+            <a:ext cx="3067050" cy="2887952"/>
+          </a:xfrm>
+          <a:prstGeom prst="rect">
+            <a:avLst/>
+          </a:prstGeom>
+        </p:spPr>
+      </p:pic>
+    </p:spTree>
+    <p:extLst>
+      <p:ext uri="{BB962C8B-B14F-4D97-AF65-F5344CB8AC3E}">
+        <p14:creationId xmlns:p14="http://schemas.microsoft.com/office/powerpoint/2010/main" val="2644173963"/>
+      </p:ext>
+    </p:extLst>
+  </p:cSld>
+  <p:clrMapOvr>
+    <a:masterClrMapping/>
+  </p:clrMapOvr>
+</p:sld>
+</file>
+
+<file path=ppt/slides/slide16.xml><?xml version="1.0" encoding="utf-8"?>
+<p:sld xmlns:a="http://schemas.openxmlformats.org/drawingml/2006/main" xmlns:r="http://schemas.openxmlformats.org/officeDocument/2006/relationships" xmlns:p="http://schemas.openxmlformats.org/presentationml/2006/main">
+  <p:cSld>
+    <p:spTree>
+      <p:nvGrpSpPr>
+        <p:cNvPr id="1" name=""/>
+        <p:cNvGrpSpPr/>
+        <p:nvPr/>
+      </p:nvGrpSpPr>
+      <p:grpSpPr>
+        <a:xfrm>
+          <a:off x="0" y="0"/>
+          <a:ext cx="0" cy="0"/>
+          <a:chOff x="0" y="0"/>
+          <a:chExt cx="0" cy="0"/>
+        </a:xfrm>
+      </p:grpSpPr>
+      <p:sp>
+        <p:nvSpPr>
+          <p:cNvPr id="3" name="Content Placeholder 2">
+            <a:extLst>
+              <a:ext uri="{FF2B5EF4-FFF2-40B4-BE49-F238E27FC236}">
+                <a16:creationId xmlns:a16="http://schemas.microsoft.com/office/drawing/2014/main" id="{C3493B0E-16F3-3E39-DF25-7053E4964898}"/>
+              </a:ext>
+            </a:extLst>
+          </p:cNvPr>
+          <p:cNvSpPr>
+            <a:spLocks noGrp="1"/>
+          </p:cNvSpPr>
+          <p:nvPr>
+            <p:ph idx="1"/>
+          </p:nvPr>
+        </p:nvSpPr>
+        <p:spPr>
+          <a:xfrm>
+            <a:off x="533400" y="2766061"/>
+            <a:ext cx="8229600" cy="1828800"/>
+          </a:xfrm>
+        </p:spPr>
+        <p:txBody>
+          <a:bodyPr/>
+          <a:lstStyle/>
+          <a:p>
+            <a:pPr marL="0" marR="0" lvl="0" indent="0" algn="just" defTabSz="914400" eaLnBrk="1" fontAlgn="base" latinLnBrk="0" hangingPunct="1">
+              <a:lnSpc>
+                <a:spcPct val="150000"/>
+              </a:lnSpc>
+              <a:spcBef>
+                <a:spcPct val="20000"/>
+              </a:spcBef>
+              <a:spcAft>
+                <a:spcPct val="0"/>
+              </a:spcAft>
+              <a:buClrTx/>
+              <a:buSzTx/>
+              <a:buNone/>
+              <a:tabLst/>
+              <a:defRPr/>
+            </a:pPr>
+            <a:endParaRPr kumimoji="0" lang="en-US" sz="1400" b="0" i="0" u="none" strike="noStrike" kern="1200" cap="none" spc="0" normalizeH="0" baseline="0" noProof="0" dirty="0">
+              <a:ln>
+                <a:noFill/>
+              </a:ln>
+              <a:solidFill>
+                <a:srgbClr val="000000"/>
+              </a:solidFill>
+              <a:effectLst/>
+              <a:uLnTx/>
+              <a:uFillTx/>
+              <a:latin typeface="Times New Roman" panose="02020603050405020304" pitchFamily="18" charset="0"/>
+              <a:cs typeface="Times New Roman" panose="02020603050405020304" pitchFamily="18" charset="0"/>
+            </a:endParaRPr>
+          </a:p>
+          <a:p>
+            <a:pPr marL="342900" marR="0" lvl="0" indent="-342900" algn="just" defTabSz="914400" eaLnBrk="1" fontAlgn="base" latinLnBrk="0" hangingPunct="1">
+              <a:lnSpc>
+                <a:spcPct val="150000"/>
+              </a:lnSpc>
+              <a:spcBef>
+                <a:spcPct val="20000"/>
+              </a:spcBef>
+              <a:spcAft>
+                <a:spcPct val="0"/>
+              </a:spcAft>
+              <a:buClrTx/>
+              <a:buSzTx/>
+              <a:buFontTx/>
+              <a:buChar char="•"/>
+              <a:tabLst/>
+              <a:defRPr/>
+            </a:pPr>
+            <a:r>
+              <a:rPr kumimoji="0" lang="en-US" sz="1400" b="1" i="0" u="none" strike="noStrike" kern="1200" cap="none" spc="0" normalizeH="0" baseline="0" noProof="0" dirty="0">
+                <a:ln>
+                  <a:noFill/>
+                </a:ln>
+                <a:solidFill>
+                  <a:srgbClr val="000000"/>
+                </a:solidFill>
+                <a:effectLst/>
+                <a:uLnTx/>
+                <a:uFillTx/>
+                <a:latin typeface="Times New Roman" panose="02020603050405020304" pitchFamily="18" charset="0"/>
+                <a:cs typeface="Times New Roman" panose="02020603050405020304" pitchFamily="18" charset="0"/>
+              </a:rPr>
+              <a:t>IR sensor:</a:t>
+            </a:r>
+            <a:r>
+              <a:rPr kumimoji="0" lang="en-US" sz="1400" b="0" i="0" u="none" strike="noStrike" kern="1200" cap="none" spc="0" normalizeH="0" baseline="0" noProof="0" dirty="0">
+                <a:ln>
+                  <a:noFill/>
+                </a:ln>
+                <a:solidFill>
+                  <a:srgbClr val="000000"/>
+                </a:solidFill>
+                <a:effectLst/>
+                <a:uLnTx/>
+                <a:uFillTx/>
+                <a:latin typeface="Times New Roman" panose="02020603050405020304" pitchFamily="18" charset="0"/>
+                <a:cs typeface="Times New Roman" panose="02020603050405020304" pitchFamily="18" charset="0"/>
+              </a:rPr>
+              <a:t> Detects the floor number from which lift has passed. </a:t>
+            </a:r>
+          </a:p>
+          <a:p>
+            <a:pPr marL="342900" marR="0" lvl="0" indent="-342900" algn="just" defTabSz="914400" eaLnBrk="1" fontAlgn="base" latinLnBrk="0" hangingPunct="1">
+              <a:lnSpc>
+                <a:spcPct val="150000"/>
+              </a:lnSpc>
+              <a:spcBef>
+                <a:spcPct val="20000"/>
+              </a:spcBef>
+              <a:spcAft>
+                <a:spcPct val="0"/>
+              </a:spcAft>
+              <a:buClrTx/>
+              <a:buSzTx/>
+              <a:buFontTx/>
+              <a:buChar char="•"/>
+              <a:tabLst/>
+              <a:defRPr/>
+            </a:pPr>
+            <a:r>
+              <a:rPr kumimoji="0" lang="en-US" sz="1400" b="1" i="0" u="none" strike="noStrike" kern="1200" cap="none" spc="0" normalizeH="0" baseline="0" noProof="0" dirty="0">
+                <a:ln>
+                  <a:noFill/>
+                </a:ln>
+                <a:solidFill>
+                  <a:srgbClr val="000000"/>
+                </a:solidFill>
+                <a:effectLst/>
+                <a:uLnTx/>
+                <a:uFillTx/>
+                <a:latin typeface="Times New Roman" panose="02020603050405020304" pitchFamily="18" charset="0"/>
+                <a:cs typeface="Times New Roman" panose="02020603050405020304" pitchFamily="18" charset="0"/>
+              </a:rPr>
+              <a:t>Lift weight (load sensor):</a:t>
+            </a:r>
+            <a:r>
+              <a:rPr kumimoji="0" lang="en-US" sz="1400" b="0" i="0" u="none" strike="noStrike" kern="1200" cap="none" spc="0" normalizeH="0" baseline="0" noProof="0" dirty="0">
+                <a:ln>
+                  <a:noFill/>
+                </a:ln>
+                <a:solidFill>
+                  <a:srgbClr val="000000"/>
+                </a:solidFill>
+                <a:effectLst/>
+                <a:uLnTx/>
+                <a:uFillTx/>
+                <a:latin typeface="Times New Roman" panose="02020603050405020304" pitchFamily="18" charset="0"/>
+                <a:cs typeface="Times New Roman" panose="02020603050405020304" pitchFamily="18" charset="0"/>
+              </a:rPr>
+              <a:t> Monitors the weight of the lift car and prevents it from being overloaded.</a:t>
+            </a:r>
+          </a:p>
+          <a:p>
+            <a:pPr marL="342900" marR="0" lvl="0" indent="-342900" algn="just" defTabSz="914400" eaLnBrk="1" fontAlgn="base" latinLnBrk="0" hangingPunct="1">
+              <a:lnSpc>
+                <a:spcPct val="150000"/>
+              </a:lnSpc>
+              <a:spcBef>
+                <a:spcPct val="20000"/>
+              </a:spcBef>
+              <a:spcAft>
+                <a:spcPct val="0"/>
+              </a:spcAft>
+              <a:buClrTx/>
+              <a:buSzTx/>
+              <a:buFontTx/>
+              <a:buChar char="•"/>
+              <a:tabLst/>
+              <a:defRPr/>
+            </a:pPr>
+            <a:r>
+              <a:rPr kumimoji="0" lang="en-US" sz="1400" b="1" i="0" u="none" strike="noStrike" kern="1200" cap="none" spc="0" normalizeH="0" baseline="0" noProof="0" dirty="0">
+                <a:ln>
+                  <a:noFill/>
+                </a:ln>
+                <a:solidFill>
+                  <a:srgbClr val="000000"/>
+                </a:solidFill>
+                <a:effectLst/>
+                <a:uLnTx/>
+                <a:uFillTx/>
+                <a:latin typeface="Times New Roman" panose="02020603050405020304" pitchFamily="18" charset="0"/>
+                <a:cs typeface="Times New Roman" panose="02020603050405020304" pitchFamily="18" charset="0"/>
+              </a:rPr>
+              <a:t>Flame sensor:</a:t>
+            </a:r>
+            <a:r>
+              <a:rPr kumimoji="0" lang="en-US" sz="1400" b="0" i="0" u="none" strike="noStrike" kern="1200" cap="none" spc="0" normalizeH="0" baseline="0" noProof="0" dirty="0">
+                <a:ln>
+                  <a:noFill/>
+                </a:ln>
+                <a:solidFill>
+                  <a:srgbClr val="000000"/>
+                </a:solidFill>
+                <a:effectLst/>
+                <a:uLnTx/>
+                <a:uFillTx/>
+                <a:latin typeface="Times New Roman" panose="02020603050405020304" pitchFamily="18" charset="0"/>
+                <a:cs typeface="Times New Roman" panose="02020603050405020304" pitchFamily="18" charset="0"/>
+              </a:rPr>
+              <a:t> Detects fires in the lift.</a:t>
+            </a:r>
+          </a:p>
+          <a:p>
+            <a:pPr marL="342900" marR="0" lvl="0" indent="-342900" algn="just" defTabSz="914400" eaLnBrk="1" fontAlgn="base" latinLnBrk="0" hangingPunct="1">
+              <a:lnSpc>
+                <a:spcPct val="150000"/>
+              </a:lnSpc>
+              <a:spcBef>
+                <a:spcPct val="20000"/>
+              </a:spcBef>
+              <a:spcAft>
+                <a:spcPct val="0"/>
+              </a:spcAft>
+              <a:buClrTx/>
+              <a:buSzTx/>
+              <a:buFontTx/>
+              <a:buChar char="•"/>
+              <a:tabLst/>
+              <a:defRPr/>
+            </a:pPr>
+            <a:r>
+              <a:rPr kumimoji="0" lang="en-US" sz="1400" b="1" i="0" u="none" strike="noStrike" kern="1200" cap="none" spc="0" normalizeH="0" baseline="0" noProof="0" dirty="0">
+                <a:ln>
+                  <a:noFill/>
+                </a:ln>
+                <a:solidFill>
+                  <a:srgbClr val="000000"/>
+                </a:solidFill>
+                <a:effectLst/>
+                <a:uLnTx/>
+                <a:uFillTx/>
+                <a:latin typeface="Times New Roman" panose="02020603050405020304" pitchFamily="18" charset="0"/>
+                <a:cs typeface="Times New Roman" panose="02020603050405020304" pitchFamily="18" charset="0"/>
+              </a:rPr>
+              <a:t>Temp sensor (for motor): </a:t>
+            </a:r>
+            <a:r>
+              <a:rPr kumimoji="0" lang="en-US" sz="1400" b="0" i="0" u="none" strike="noStrike" kern="1200" cap="none" spc="0" normalizeH="0" baseline="0" noProof="0" dirty="0">
+                <a:ln>
+                  <a:noFill/>
+                </a:ln>
+                <a:solidFill>
+                  <a:srgbClr val="000000"/>
+                </a:solidFill>
+                <a:effectLst/>
+                <a:uLnTx/>
+                <a:uFillTx/>
+                <a:latin typeface="Times New Roman" panose="02020603050405020304" pitchFamily="18" charset="0"/>
+                <a:cs typeface="Times New Roman" panose="02020603050405020304" pitchFamily="18" charset="0"/>
+              </a:rPr>
+              <a:t>Monitors the temperature of the lift motor and prevents it from overheating.</a:t>
+            </a:r>
+          </a:p>
+        </p:txBody>
+      </p:sp>
+      <p:pic>
+        <p:nvPicPr>
+          <p:cNvPr id="7" name="Picture 6">
+            <a:extLst>
+              <a:ext uri="{FF2B5EF4-FFF2-40B4-BE49-F238E27FC236}">
+                <a16:creationId xmlns:a16="http://schemas.microsoft.com/office/drawing/2014/main" id="{E944CC22-7A68-6F86-C75E-B67A717913CF}"/>
+              </a:ext>
+            </a:extLst>
+          </p:cNvPr>
+          <p:cNvPicPr>
+            <a:picLocks noChangeAspect="1"/>
+          </p:cNvPicPr>
+          <p:nvPr/>
+        </p:nvPicPr>
+        <p:blipFill>
+          <a:blip r:embed="rId2">
+            <a:extLst>
+              <a:ext uri="{28A0092B-C50C-407E-A947-70E740481C1C}">
+                <a14:useLocalDpi xmlns:a14="http://schemas.microsoft.com/office/drawing/2010/main" val="0"/>
+              </a:ext>
+            </a:extLst>
+          </a:blip>
+          <a:stretch>
+            <a:fillRect/>
+          </a:stretch>
+        </p:blipFill>
+        <p:spPr>
+          <a:xfrm>
+            <a:off x="5791200" y="-22860"/>
+            <a:ext cx="3200400" cy="3200400"/>
+          </a:xfrm>
+          <a:prstGeom prst="rect">
+            <a:avLst/>
+          </a:prstGeom>
+        </p:spPr>
+      </p:pic>
+      <p:sp>
+        <p:nvSpPr>
+          <p:cNvPr id="8" name="TextBox 7">
+            <a:extLst>
+              <a:ext uri="{FF2B5EF4-FFF2-40B4-BE49-F238E27FC236}">
+                <a16:creationId xmlns:a16="http://schemas.microsoft.com/office/drawing/2014/main" id="{A42BE001-416D-A259-43E1-3DB4851CBF21}"/>
+              </a:ext>
+            </a:extLst>
+          </p:cNvPr>
+          <p:cNvSpPr txBox="1"/>
+          <p:nvPr/>
+        </p:nvSpPr>
+        <p:spPr>
+          <a:xfrm>
+            <a:off x="609600" y="381000"/>
+            <a:ext cx="4724400" cy="2308324"/>
+          </a:xfrm>
+          <a:prstGeom prst="rect">
+            <a:avLst/>
+          </a:prstGeom>
+          <a:noFill/>
+        </p:spPr>
+        <p:txBody>
+          <a:bodyPr wrap="square" rtlCol="0">
+            <a:spAutoFit/>
+          </a:bodyPr>
+          <a:lstStyle/>
+          <a:p>
+            <a:pPr marL="342900" marR="0" lvl="0" indent="-342900" algn="just" defTabSz="914400" eaLnBrk="1" fontAlgn="base" latinLnBrk="0" hangingPunct="1">
+              <a:lnSpc>
+                <a:spcPct val="150000"/>
+              </a:lnSpc>
+              <a:spcBef>
+                <a:spcPct val="20000"/>
+              </a:spcBef>
+              <a:spcAft>
+                <a:spcPct val="0"/>
+              </a:spcAft>
+              <a:buClrTx/>
+              <a:buSzTx/>
+              <a:buFontTx/>
+              <a:buChar char="•"/>
+              <a:tabLst/>
+              <a:defRPr/>
+            </a:pPr>
+            <a:r>
+              <a:rPr kumimoji="0" lang="en-US" sz="1400" b="1" i="0" u="none" strike="noStrike" kern="1200" cap="none" spc="0" normalizeH="0" baseline="0" noProof="0" dirty="0">
+                <a:ln>
+                  <a:noFill/>
+                </a:ln>
+                <a:solidFill>
+                  <a:srgbClr val="000000"/>
+                </a:solidFill>
+                <a:effectLst/>
+                <a:uLnTx/>
+                <a:uFillTx/>
+                <a:latin typeface="Times New Roman" panose="02020603050405020304" pitchFamily="18" charset="0"/>
+                <a:cs typeface="Times New Roman" panose="02020603050405020304" pitchFamily="18" charset="0"/>
+              </a:rPr>
+              <a:t>DC motor:</a:t>
+            </a:r>
+            <a:r>
+              <a:rPr kumimoji="0" lang="en-US" sz="1400" b="0" i="0" u="none" strike="noStrike" kern="1200" cap="none" spc="0" normalizeH="0" baseline="0" noProof="0" dirty="0">
+                <a:ln>
+                  <a:noFill/>
+                </a:ln>
+                <a:solidFill>
+                  <a:srgbClr val="000000"/>
+                </a:solidFill>
+                <a:effectLst/>
+                <a:uLnTx/>
+                <a:uFillTx/>
+                <a:latin typeface="Times New Roman" panose="02020603050405020304" pitchFamily="18" charset="0"/>
+                <a:cs typeface="Times New Roman" panose="02020603050405020304" pitchFamily="18" charset="0"/>
+              </a:rPr>
+              <a:t> Drives the lift car up and down the shaft.</a:t>
+            </a:r>
+          </a:p>
+          <a:p>
+            <a:pPr marL="400050" lvl="1" indent="0" algn="just">
+              <a:lnSpc>
+                <a:spcPct val="150000"/>
+              </a:lnSpc>
+              <a:buNone/>
+              <a:defRPr/>
+            </a:pPr>
+            <a:r>
+              <a:rPr kumimoji="0" lang="en-US" sz="1400" b="0" i="0" u="none" strike="noStrike" kern="1200" cap="none" spc="0" normalizeH="0" baseline="0" noProof="0" dirty="0">
+                <a:ln>
+                  <a:noFill/>
+                </a:ln>
+                <a:solidFill>
+                  <a:srgbClr val="000000"/>
+                </a:solidFill>
+                <a:effectLst/>
+                <a:uLnTx/>
+                <a:uFillTx/>
+                <a:latin typeface="Times New Roman" panose="02020603050405020304" pitchFamily="18" charset="0"/>
+                <a:cs typeface="Times New Roman" panose="02020603050405020304" pitchFamily="18" charset="0"/>
+              </a:rPr>
+              <a:t>This DC Motor 10RPM 12Volts can be used in all-terrain robots and a variety of robotic applications. These motors have a 3 mm threaded drill hole in the middle of the shaft thus making it simple to connect it to the wheels or any other mechanical assembly.</a:t>
+            </a:r>
+          </a:p>
+          <a:p>
+            <a:endParaRPr lang="en-IN" dirty="0"/>
+          </a:p>
+        </p:txBody>
+      </p:sp>
+    </p:spTree>
+    <p:extLst>
+      <p:ext uri="{BB962C8B-B14F-4D97-AF65-F5344CB8AC3E}">
+        <p14:creationId xmlns:p14="http://schemas.microsoft.com/office/powerpoint/2010/main" val="2090210057"/>
+      </p:ext>
+    </p:extLst>
+  </p:cSld>
+  <p:clrMapOvr>
+    <a:masterClrMapping/>
+  </p:clrMapOvr>
+</p:sld>
+</file>
+
+<file path=ppt/slides/slide17.xml><?xml version="1.0" encoding="utf-8"?>
+<p:sld xmlns:a="http://schemas.openxmlformats.org/drawingml/2006/main" xmlns:r="http://schemas.openxmlformats.org/officeDocument/2006/relationships" xmlns:p="http://schemas.openxmlformats.org/presentationml/2006/main">
+  <p:cSld>
+    <p:spTree>
+      <p:nvGrpSpPr>
+        <p:cNvPr id="1" name=""/>
+        <p:cNvGrpSpPr/>
+        <p:nvPr/>
+      </p:nvGrpSpPr>
+      <p:grpSpPr>
+        <a:xfrm>
+          <a:off x="0" y="0"/>
+          <a:ext cx="0" cy="0"/>
+          <a:chOff x="0" y="0"/>
+          <a:chExt cx="0" cy="0"/>
+        </a:xfrm>
+      </p:grpSpPr>
+      <p:sp>
+        <p:nvSpPr>
+          <p:cNvPr id="5" name="TextBox 4">
+            <a:extLst>
+              <a:ext uri="{FF2B5EF4-FFF2-40B4-BE49-F238E27FC236}">
+                <a16:creationId xmlns:a16="http://schemas.microsoft.com/office/drawing/2014/main" id="{18EAF276-83CF-1B7A-508E-7AD7DA307BA5}"/>
+              </a:ext>
+            </a:extLst>
+          </p:cNvPr>
+          <p:cNvSpPr txBox="1"/>
+          <p:nvPr/>
+        </p:nvSpPr>
+        <p:spPr>
+          <a:xfrm>
+            <a:off x="381000" y="838200"/>
+            <a:ext cx="8382000" cy="4685706"/>
+          </a:xfrm>
+          <a:prstGeom prst="rect">
+            <a:avLst/>
+          </a:prstGeom>
+          <a:noFill/>
+        </p:spPr>
+        <p:txBody>
+          <a:bodyPr wrap="square" rtlCol="0">
+            <a:spAutoFit/>
+          </a:bodyPr>
+          <a:lstStyle/>
+          <a:p>
+            <a:pPr marL="342900" marR="0" lvl="0" indent="-342900" algn="just" defTabSz="914400" eaLnBrk="1" fontAlgn="base" latinLnBrk="0" hangingPunct="1">
+              <a:lnSpc>
+                <a:spcPct val="150000"/>
+              </a:lnSpc>
+              <a:spcBef>
+                <a:spcPct val="20000"/>
+              </a:spcBef>
+              <a:spcAft>
+                <a:spcPct val="0"/>
+              </a:spcAft>
+              <a:buClrTx/>
+              <a:buSzTx/>
+              <a:buFontTx/>
+              <a:buChar char="•"/>
+              <a:tabLst/>
+              <a:defRPr/>
+            </a:pPr>
+            <a:r>
+              <a:rPr kumimoji="0" lang="en-US" sz="1400" b="1" i="0" u="none" strike="noStrike" kern="1200" cap="none" spc="0" normalizeH="0" baseline="0" noProof="0" dirty="0">
+                <a:ln>
+                  <a:noFill/>
+                </a:ln>
+                <a:solidFill>
+                  <a:srgbClr val="000000"/>
+                </a:solidFill>
+                <a:effectLst/>
+                <a:uLnTx/>
+                <a:uFillTx/>
+                <a:latin typeface="Times New Roman" panose="02020603050405020304" pitchFamily="18" charset="0"/>
+                <a:cs typeface="Times New Roman" panose="02020603050405020304" pitchFamily="18" charset="0"/>
+              </a:rPr>
+              <a:t>Wi-Fi module:</a:t>
+            </a:r>
+            <a:r>
+              <a:rPr kumimoji="0" lang="en-US" sz="1400" b="0" i="0" u="none" strike="noStrike" kern="1200" cap="none" spc="0" normalizeH="0" baseline="0" noProof="0" dirty="0">
+                <a:ln>
+                  <a:noFill/>
+                </a:ln>
+                <a:solidFill>
+                  <a:srgbClr val="000000"/>
+                </a:solidFill>
+                <a:effectLst/>
+                <a:uLnTx/>
+                <a:uFillTx/>
+                <a:latin typeface="Times New Roman" panose="02020603050405020304" pitchFamily="18" charset="0"/>
+                <a:cs typeface="Times New Roman" panose="02020603050405020304" pitchFamily="18" charset="0"/>
+              </a:rPr>
+              <a:t> Connects the system to the internet. The ESP8266 is a low-cost Wi-Fi chip that enables microcontrollers to connect to 2.4 GHz Wi-Fi. It's mostly used for developing IoT (Internet of Things) embedded applications.</a:t>
+            </a:r>
+          </a:p>
+          <a:p>
+            <a:pPr marL="342900" marR="0" lvl="0" indent="-342900" algn="just" defTabSz="914400" eaLnBrk="1" fontAlgn="base" latinLnBrk="0" hangingPunct="1">
+              <a:lnSpc>
+                <a:spcPct val="150000"/>
+              </a:lnSpc>
+              <a:spcBef>
+                <a:spcPct val="20000"/>
+              </a:spcBef>
+              <a:spcAft>
+                <a:spcPct val="0"/>
+              </a:spcAft>
+              <a:buClrTx/>
+              <a:buSzTx/>
+              <a:buFontTx/>
+              <a:buChar char="•"/>
+              <a:tabLst/>
+              <a:defRPr/>
+            </a:pPr>
+            <a:endParaRPr lang="en-US" sz="1400" dirty="0">
+              <a:solidFill>
+                <a:srgbClr val="000000"/>
+              </a:solidFill>
+              <a:latin typeface="Times New Roman" panose="02020603050405020304" pitchFamily="18" charset="0"/>
+              <a:cs typeface="Times New Roman" panose="02020603050405020304" pitchFamily="18" charset="0"/>
+            </a:endParaRPr>
+          </a:p>
+          <a:p>
+            <a:pPr marL="342900" marR="0" lvl="0" indent="-342900" algn="just" defTabSz="914400" eaLnBrk="1" fontAlgn="base" latinLnBrk="0" hangingPunct="1">
+              <a:lnSpc>
+                <a:spcPct val="150000"/>
+              </a:lnSpc>
+              <a:spcBef>
+                <a:spcPct val="20000"/>
+              </a:spcBef>
+              <a:spcAft>
+                <a:spcPct val="0"/>
+              </a:spcAft>
+              <a:buClrTx/>
+              <a:buSzTx/>
+              <a:buFontTx/>
+              <a:buChar char="•"/>
+              <a:tabLst/>
+              <a:defRPr/>
+            </a:pPr>
+            <a:endParaRPr kumimoji="0" lang="en-US" sz="1400" b="0" i="0" u="none" strike="noStrike" kern="1200" cap="none" spc="0" normalizeH="0" baseline="0" noProof="0" dirty="0">
+              <a:ln>
+                <a:noFill/>
+              </a:ln>
+              <a:solidFill>
+                <a:srgbClr val="000000"/>
+              </a:solidFill>
+              <a:effectLst/>
+              <a:uLnTx/>
+              <a:uFillTx/>
+              <a:latin typeface="Times New Roman" panose="02020603050405020304" pitchFamily="18" charset="0"/>
+              <a:cs typeface="Times New Roman" panose="02020603050405020304" pitchFamily="18" charset="0"/>
+            </a:endParaRPr>
+          </a:p>
+          <a:p>
+            <a:pPr marL="342900" marR="0" lvl="0" indent="-342900" algn="just" defTabSz="914400" eaLnBrk="1" fontAlgn="base" latinLnBrk="0" hangingPunct="1">
+              <a:lnSpc>
+                <a:spcPct val="150000"/>
+              </a:lnSpc>
+              <a:spcBef>
+                <a:spcPct val="20000"/>
+              </a:spcBef>
+              <a:spcAft>
+                <a:spcPct val="0"/>
+              </a:spcAft>
+              <a:buClrTx/>
+              <a:buSzTx/>
+              <a:buFontTx/>
+              <a:buChar char="•"/>
+              <a:tabLst/>
+              <a:defRPr/>
+            </a:pPr>
+            <a:endParaRPr lang="en-US" sz="1400" dirty="0">
+              <a:solidFill>
+                <a:srgbClr val="000000"/>
+              </a:solidFill>
+              <a:latin typeface="Times New Roman" panose="02020603050405020304" pitchFamily="18" charset="0"/>
+              <a:cs typeface="Times New Roman" panose="02020603050405020304" pitchFamily="18" charset="0"/>
+            </a:endParaRPr>
+          </a:p>
+          <a:p>
+            <a:pPr marL="342900" marR="0" lvl="0" indent="-342900" algn="just" defTabSz="914400" eaLnBrk="1" fontAlgn="base" latinLnBrk="0" hangingPunct="1">
+              <a:lnSpc>
+                <a:spcPct val="150000"/>
+              </a:lnSpc>
+              <a:spcBef>
+                <a:spcPct val="20000"/>
+              </a:spcBef>
+              <a:spcAft>
+                <a:spcPct val="0"/>
+              </a:spcAft>
+              <a:buClrTx/>
+              <a:buSzTx/>
+              <a:buFontTx/>
+              <a:buChar char="•"/>
+              <a:tabLst/>
+              <a:defRPr/>
+            </a:pPr>
+            <a:endParaRPr kumimoji="0" lang="en-US" sz="1400" b="0" i="0" u="none" strike="noStrike" kern="1200" cap="none" spc="0" normalizeH="0" baseline="0" noProof="0" dirty="0">
+              <a:ln>
+                <a:noFill/>
+              </a:ln>
+              <a:solidFill>
+                <a:srgbClr val="000000"/>
+              </a:solidFill>
+              <a:effectLst/>
+              <a:uLnTx/>
+              <a:uFillTx/>
+              <a:latin typeface="Times New Roman" panose="02020603050405020304" pitchFamily="18" charset="0"/>
+              <a:cs typeface="Times New Roman" panose="02020603050405020304" pitchFamily="18" charset="0"/>
+            </a:endParaRPr>
+          </a:p>
+          <a:p>
+            <a:pPr marR="0" lvl="0" algn="just" defTabSz="914400" eaLnBrk="1" fontAlgn="base" latinLnBrk="0" hangingPunct="1">
+              <a:lnSpc>
+                <a:spcPct val="150000"/>
+              </a:lnSpc>
+              <a:spcBef>
+                <a:spcPct val="20000"/>
+              </a:spcBef>
+              <a:spcAft>
+                <a:spcPct val="0"/>
+              </a:spcAft>
+              <a:buClrTx/>
+              <a:buSzTx/>
+              <a:tabLst/>
+              <a:defRPr/>
+            </a:pPr>
+            <a:endParaRPr kumimoji="0" lang="en-US" sz="1400" b="0" i="0" u="none" strike="noStrike" kern="1200" cap="none" spc="0" normalizeH="0" baseline="0" noProof="0" dirty="0">
+              <a:ln>
+                <a:noFill/>
+              </a:ln>
+              <a:solidFill>
+                <a:srgbClr val="000000"/>
+              </a:solidFill>
+              <a:effectLst/>
+              <a:uLnTx/>
+              <a:uFillTx/>
+              <a:latin typeface="Times New Roman" panose="02020603050405020304" pitchFamily="18" charset="0"/>
+              <a:cs typeface="Times New Roman" panose="02020603050405020304" pitchFamily="18" charset="0"/>
+            </a:endParaRPr>
+          </a:p>
+          <a:p>
+            <a:pPr marR="0" lvl="0" algn="just" defTabSz="914400" eaLnBrk="1" fontAlgn="base" latinLnBrk="0" hangingPunct="1">
+              <a:lnSpc>
+                <a:spcPct val="150000"/>
+              </a:lnSpc>
+              <a:spcBef>
+                <a:spcPct val="20000"/>
+              </a:spcBef>
+              <a:spcAft>
+                <a:spcPct val="0"/>
+              </a:spcAft>
+              <a:buClrTx/>
+              <a:buSzTx/>
+              <a:tabLst/>
+              <a:defRPr/>
+            </a:pPr>
+            <a:endParaRPr lang="en-US" sz="1400" dirty="0">
+              <a:solidFill>
+                <a:srgbClr val="000000"/>
+              </a:solidFill>
+              <a:latin typeface="Times New Roman" panose="02020603050405020304" pitchFamily="18" charset="0"/>
+              <a:cs typeface="Times New Roman" panose="02020603050405020304" pitchFamily="18" charset="0"/>
+            </a:endParaRPr>
+          </a:p>
+          <a:p>
+            <a:pPr marR="0" lvl="0" algn="just" defTabSz="914400" eaLnBrk="1" fontAlgn="base" latinLnBrk="0" hangingPunct="1">
+              <a:lnSpc>
+                <a:spcPct val="150000"/>
+              </a:lnSpc>
+              <a:spcBef>
+                <a:spcPct val="20000"/>
+              </a:spcBef>
+              <a:spcAft>
+                <a:spcPct val="0"/>
+              </a:spcAft>
+              <a:buClrTx/>
+              <a:buSzTx/>
+              <a:tabLst/>
+              <a:defRPr/>
+            </a:pPr>
+            <a:endParaRPr kumimoji="0" lang="en-US" sz="1400" b="0" i="0" u="none" strike="noStrike" kern="1200" cap="none" spc="0" normalizeH="0" baseline="0" noProof="0" dirty="0">
+              <a:ln>
+                <a:noFill/>
+              </a:ln>
+              <a:solidFill>
+                <a:srgbClr val="000000"/>
+              </a:solidFill>
+              <a:effectLst/>
+              <a:uLnTx/>
+              <a:uFillTx/>
+              <a:latin typeface="Times New Roman" panose="02020603050405020304" pitchFamily="18" charset="0"/>
+              <a:cs typeface="Times New Roman" panose="02020603050405020304" pitchFamily="18" charset="0"/>
+            </a:endParaRPr>
+          </a:p>
+          <a:p>
+            <a:pPr marR="0" lvl="0" algn="just" defTabSz="914400" eaLnBrk="1" fontAlgn="base" latinLnBrk="0" hangingPunct="1">
+              <a:lnSpc>
+                <a:spcPct val="150000"/>
+              </a:lnSpc>
+              <a:spcBef>
+                <a:spcPct val="20000"/>
+              </a:spcBef>
+              <a:spcAft>
+                <a:spcPct val="0"/>
+              </a:spcAft>
+              <a:buClrTx/>
+              <a:buSzTx/>
+              <a:tabLst/>
+              <a:defRPr/>
+            </a:pPr>
+            <a:endParaRPr kumimoji="0" lang="en-US" sz="1400" b="0" i="0" u="none" strike="noStrike" kern="1200" cap="none" spc="0" normalizeH="0" baseline="0" noProof="0" dirty="0">
+              <a:ln>
+                <a:noFill/>
+              </a:ln>
+              <a:solidFill>
+                <a:srgbClr val="000000"/>
+              </a:solidFill>
+              <a:effectLst/>
+              <a:uLnTx/>
+              <a:uFillTx/>
+              <a:latin typeface="Times New Roman" panose="02020603050405020304" pitchFamily="18" charset="0"/>
+              <a:cs typeface="Times New Roman" panose="02020603050405020304" pitchFamily="18" charset="0"/>
+            </a:endParaRPr>
+          </a:p>
+          <a:p>
+            <a:pPr marL="342900" marR="0" lvl="0" indent="-342900" algn="just" defTabSz="914400" eaLnBrk="1" fontAlgn="base" latinLnBrk="0" hangingPunct="1">
+              <a:lnSpc>
+                <a:spcPct val="150000"/>
+              </a:lnSpc>
+              <a:spcBef>
+                <a:spcPct val="20000"/>
+              </a:spcBef>
+              <a:spcAft>
+                <a:spcPct val="0"/>
+              </a:spcAft>
+              <a:buClrTx/>
+              <a:buSzTx/>
+              <a:buFontTx/>
+              <a:buChar char="•"/>
+              <a:tabLst/>
+              <a:defRPr/>
+            </a:pPr>
+            <a:r>
+              <a:rPr kumimoji="0" lang="en-US" sz="1400" b="0" i="0" u="none" strike="noStrike" kern="1200" cap="none" spc="0" normalizeH="0" baseline="0" noProof="0" dirty="0">
+                <a:ln>
+                  <a:noFill/>
+                </a:ln>
+                <a:solidFill>
+                  <a:srgbClr val="000000"/>
+                </a:solidFill>
+                <a:effectLst/>
+                <a:uLnTx/>
+                <a:uFillTx/>
+                <a:latin typeface="Times New Roman" panose="02020603050405020304" pitchFamily="18" charset="0"/>
+                <a:cs typeface="Times New Roman" panose="02020603050405020304" pitchFamily="18" charset="0"/>
+              </a:rPr>
+              <a:t>Internet: Allows the system to be monitored and controlled remotely.</a:t>
+            </a:r>
+          </a:p>
+          <a:p>
+            <a:pPr marL="342900" marR="0" lvl="0" indent="-342900" algn="just" defTabSz="914400" eaLnBrk="1" fontAlgn="base" latinLnBrk="0" hangingPunct="1">
+              <a:lnSpc>
+                <a:spcPct val="150000"/>
+              </a:lnSpc>
+              <a:spcBef>
+                <a:spcPct val="20000"/>
+              </a:spcBef>
+              <a:spcAft>
+                <a:spcPct val="0"/>
+              </a:spcAft>
+              <a:buClrTx/>
+              <a:buSzTx/>
+              <a:buFontTx/>
+              <a:buChar char="•"/>
+              <a:tabLst/>
+              <a:defRPr/>
+            </a:pPr>
+            <a:r>
+              <a:rPr kumimoji="0" lang="en-US" sz="1400" b="0" i="0" u="none" strike="noStrike" kern="1200" cap="none" spc="0" normalizeH="0" baseline="0" noProof="0" dirty="0">
+                <a:ln>
+                  <a:noFill/>
+                </a:ln>
+                <a:solidFill>
+                  <a:srgbClr val="000000"/>
+                </a:solidFill>
+                <a:effectLst/>
+                <a:uLnTx/>
+                <a:uFillTx/>
+                <a:latin typeface="Times New Roman" panose="02020603050405020304" pitchFamily="18" charset="0"/>
+                <a:cs typeface="Times New Roman" panose="02020603050405020304" pitchFamily="18" charset="0"/>
+              </a:rPr>
+              <a:t>Web page: Provides a user interface for monitoring the system remotely</a:t>
+            </a:r>
+          </a:p>
+        </p:txBody>
+      </p:sp>
+      <p:pic>
+        <p:nvPicPr>
+          <p:cNvPr id="9" name="Picture 8">
+            <a:extLst>
+              <a:ext uri="{FF2B5EF4-FFF2-40B4-BE49-F238E27FC236}">
+                <a16:creationId xmlns:a16="http://schemas.microsoft.com/office/drawing/2014/main" id="{1F62A5DF-9264-4C09-43C5-8E20ACCB7952}"/>
+              </a:ext>
+            </a:extLst>
+          </p:cNvPr>
+          <p:cNvPicPr>
+            <a:picLocks noChangeAspect="1"/>
+          </p:cNvPicPr>
+          <p:nvPr/>
+        </p:nvPicPr>
+        <p:blipFill>
+          <a:blip r:embed="rId2">
+            <a:extLst>
+              <a:ext uri="{28A0092B-C50C-407E-A947-70E740481C1C}">
+                <a14:useLocalDpi xmlns:a14="http://schemas.microsoft.com/office/drawing/2010/main" val="0"/>
+              </a:ext>
+            </a:extLst>
+          </a:blip>
+          <a:stretch>
+            <a:fillRect/>
+          </a:stretch>
+        </p:blipFill>
+        <p:spPr>
+          <a:xfrm>
+            <a:off x="2514600" y="457200"/>
+            <a:ext cx="4762500" cy="4762500"/>
+          </a:xfrm>
+          <a:prstGeom prst="rect">
+            <a:avLst/>
+          </a:prstGeom>
+        </p:spPr>
+      </p:pic>
+    </p:spTree>
+    <p:extLst>
+      <p:ext uri="{BB962C8B-B14F-4D97-AF65-F5344CB8AC3E}">
+        <p14:creationId xmlns:p14="http://schemas.microsoft.com/office/powerpoint/2010/main" val="4155514331"/>
+      </p:ext>
+    </p:extLst>
+  </p:cSld>
+  <p:clrMapOvr>
+    <a:masterClrMapping/>
+  </p:clrMapOvr>
+</p:sld>
+</file>
+
+<file path=ppt/slides/slide18.xml><?xml version="1.0" encoding="utf-8"?>
 <p:sld xmlns:a="http://schemas.openxmlformats.org/drawingml/2006/main" xmlns:r="http://schemas.openxmlformats.org/officeDocument/2006/relationships" xmlns:p="http://schemas.openxmlformats.org/presentationml/2006/main">
   <p:cSld>
     <p:spTree>
@@ -4419,7 +6435,7 @@
                 <a:latin typeface="Times New Roman" panose="02020603050405020304" pitchFamily="18" charset="0"/>
                 <a:cs typeface="Times New Roman" panose="02020603050405020304" pitchFamily="18" charset="0"/>
               </a:rPr>
-              <a:t>Relay</a:t>
+              <a:t>Relay driver circuit</a:t>
             </a:r>
             <a:endParaRPr lang="en-US" sz="1600" dirty="0">
               <a:latin typeface="Times New Roman" panose="02020603050405020304" pitchFamily="18" charset="0"/>
@@ -4453,7 +6469,7 @@
                 <a:latin typeface="Times New Roman" panose="02020603050405020304" pitchFamily="18" charset="0"/>
                 <a:cs typeface="Times New Roman" panose="02020603050405020304" pitchFamily="18" charset="0"/>
               </a:rPr>
-              <a:t>Wi-Fi module</a:t>
+              <a:t>Wi-Fi module ESP 8266</a:t>
             </a:r>
           </a:p>
           <a:p>
@@ -4538,7 +6554,7 @@
 </p:sld>
 </file>
 
-<file path=ppt/slides/slide14.xml><?xml version="1.0" encoding="utf-8"?>
+<file path=ppt/slides/slide19.xml><?xml version="1.0" encoding="utf-8"?>
 <p:sld xmlns:a="http://schemas.openxmlformats.org/drawingml/2006/main" xmlns:r="http://schemas.openxmlformats.org/officeDocument/2006/relationships" xmlns:p="http://schemas.openxmlformats.org/presentationml/2006/main">
   <p:cSld>
     <p:spTree>
@@ -5817,45 +7833,8 @@
                 <a:latin typeface="Times New Roman" panose="02020603050405020304" pitchFamily="18" charset="0"/>
                 <a:cs typeface="Times New Roman" panose="02020603050405020304" pitchFamily="18" charset="0"/>
               </a:rPr>
-              <a:t>While </a:t>
-            </a:r>
-            <a:r>
-              <a:rPr lang="en-IN" sz="1200" dirty="0" err="1">
-                <a:solidFill>
-                  <a:schemeClr val="tx1"/>
-                </a:solidFill>
-                <a:latin typeface="Times New Roman" panose="02020603050405020304" pitchFamily="18" charset="0"/>
-                <a:cs typeface="Times New Roman" panose="02020603050405020304" pitchFamily="18" charset="0"/>
-              </a:rPr>
-              <a:t>current_floor_no</a:t>
-            </a:r>
-            <a:r>
-              <a:rPr lang="en-IN" sz="1200" dirty="0">
-                <a:solidFill>
-                  <a:schemeClr val="tx1"/>
-                </a:solidFill>
-                <a:latin typeface="Times New Roman" panose="02020603050405020304" pitchFamily="18" charset="0"/>
-                <a:cs typeface="Times New Roman" panose="02020603050405020304" pitchFamily="18" charset="0"/>
-              </a:rPr>
-              <a:t> != </a:t>
-            </a:r>
-            <a:r>
-              <a:rPr lang="en-IN" sz="1200" dirty="0" err="1">
-                <a:solidFill>
-                  <a:schemeClr val="tx1"/>
-                </a:solidFill>
-                <a:latin typeface="Times New Roman" panose="02020603050405020304" pitchFamily="18" charset="0"/>
-                <a:cs typeface="Times New Roman" panose="02020603050405020304" pitchFamily="18" charset="0"/>
-              </a:rPr>
-              <a:t>desired_floor_no</a:t>
-            </a:r>
-            <a:endParaRPr lang="en-IN" sz="1200" dirty="0">
-              <a:solidFill>
-                <a:schemeClr val="tx1"/>
-              </a:solidFill>
-              <a:latin typeface="Times New Roman" panose="02020603050405020304" pitchFamily="18" charset="0"/>
-              <a:cs typeface="Times New Roman" panose="02020603050405020304" pitchFamily="18" charset="0"/>
-            </a:endParaRPr>
+              <a:t>While current_floor_no != desired_floor_no</a:t>
+            </a:r>
           </a:p>
           <a:p>
             <a:pPr algn="ctr"/>
@@ -6059,1050 +8038,6 @@
 </p:sld>
 </file>
 
-<file path=ppt/slides/slide15.xml><?xml version="1.0" encoding="utf-8"?>
-<p:sld xmlns:a="http://schemas.openxmlformats.org/drawingml/2006/main" xmlns:r="http://schemas.openxmlformats.org/officeDocument/2006/relationships" xmlns:p="http://schemas.openxmlformats.org/presentationml/2006/main">
-  <p:cSld>
-    <p:spTree>
-      <p:nvGrpSpPr>
-        <p:cNvPr id="1" name=""/>
-        <p:cNvGrpSpPr/>
-        <p:nvPr/>
-      </p:nvGrpSpPr>
-      <p:grpSpPr>
-        <a:xfrm>
-          <a:off x="0" y="0"/>
-          <a:ext cx="0" cy="0"/>
-          <a:chOff x="0" y="0"/>
-          <a:chExt cx="0" cy="0"/>
-        </a:xfrm>
-      </p:grpSpPr>
-      <p:sp>
-        <p:nvSpPr>
-          <p:cNvPr id="2" name="Title 1"/>
-          <p:cNvSpPr>
-            <a:spLocks noGrp="1"/>
-          </p:cNvSpPr>
-          <p:nvPr>
-            <p:ph type="ctrTitle"/>
-          </p:nvPr>
-        </p:nvSpPr>
-        <p:spPr>
-          <a:xfrm>
-            <a:off x="0" y="304800"/>
-            <a:ext cx="9144000" cy="662582"/>
-          </a:xfrm>
-        </p:spPr>
-        <p:txBody>
-          <a:bodyPr>
-            <a:normAutofit fontScale="90000"/>
-          </a:bodyPr>
-          <a:lstStyle/>
-          <a:p>
-            <a:r>
-              <a:rPr lang="en-IN" sz="4000" b="1" dirty="0">
-                <a:latin typeface="Times New Roman" panose="02020603050405020304" pitchFamily="18" charset="0"/>
-                <a:cs typeface="Times New Roman" panose="02020603050405020304" pitchFamily="18" charset="0"/>
-              </a:rPr>
-              <a:t>Detailed Algorithm</a:t>
-            </a:r>
-          </a:p>
-        </p:txBody>
-      </p:sp>
-      <p:sp>
-        <p:nvSpPr>
-          <p:cNvPr id="3" name="Subtitle 2"/>
-          <p:cNvSpPr>
-            <a:spLocks noGrp="1"/>
-          </p:cNvSpPr>
-          <p:nvPr>
-            <p:ph type="subTitle" idx="1"/>
-          </p:nvPr>
-        </p:nvSpPr>
-        <p:spPr>
-          <a:xfrm>
-            <a:off x="3748" y="967382"/>
-            <a:ext cx="9144000" cy="5662018"/>
-          </a:xfrm>
-        </p:spPr>
-        <p:txBody>
-          <a:bodyPr>
-            <a:normAutofit fontScale="92500" lnSpcReduction="20000"/>
-          </a:bodyPr>
-          <a:lstStyle/>
-          <a:p>
-            <a:pPr marL="342900" lvl="0" indent="-342900" algn="just">
-              <a:buFont typeface="Wingdings" panose="05000000000000000000" pitchFamily="2" charset="2"/>
-              <a:buChar char="Ø"/>
-            </a:pPr>
-            <a:endParaRPr lang="en-US" sz="2400" cap="none" dirty="0">
-              <a:solidFill>
-                <a:schemeClr val="tx1">
-                  <a:lumMod val="95000"/>
-                </a:schemeClr>
-              </a:solidFill>
-              <a:latin typeface="Times New Roman" panose="02020603050405020304" pitchFamily="18" charset="0"/>
-              <a:cs typeface="Times New Roman" panose="02020603050405020304" pitchFamily="18" charset="0"/>
-            </a:endParaRPr>
-          </a:p>
-          <a:p>
-            <a:pPr marL="285750" lvl="0" indent="-285750" algn="l">
-              <a:lnSpc>
-                <a:spcPct val="150000"/>
-              </a:lnSpc>
-              <a:buFont typeface="Arial" panose="020B0604020202020204" pitchFamily="34" charset="0"/>
-              <a:buChar char="•"/>
-            </a:pPr>
-            <a:r>
-              <a:rPr lang="en-US" sz="1600" dirty="0">
-                <a:latin typeface="Times New Roman" panose="02020603050405020304" pitchFamily="18" charset="0"/>
-                <a:cs typeface="Times New Roman" panose="02020603050405020304" pitchFamily="18" charset="0"/>
-              </a:rPr>
-              <a:t>Initialize the system.</a:t>
-            </a:r>
-          </a:p>
-          <a:p>
-            <a:pPr marL="285750" lvl="0" indent="-285750" algn="l">
-              <a:lnSpc>
-                <a:spcPct val="150000"/>
-              </a:lnSpc>
-              <a:buFont typeface="Arial" panose="020B0604020202020204" pitchFamily="34" charset="0"/>
-              <a:buChar char="•"/>
-            </a:pPr>
-            <a:r>
-              <a:rPr lang="en-US" sz="1600" dirty="0">
-                <a:latin typeface="Times New Roman" panose="02020603050405020304" pitchFamily="18" charset="0"/>
-                <a:cs typeface="Times New Roman" panose="02020603050405020304" pitchFamily="18" charset="0"/>
-              </a:rPr>
-              <a:t>Lift arrives the floor where it detects human presence in front of lift door.</a:t>
-            </a:r>
-          </a:p>
-          <a:p>
-            <a:pPr marL="285750" lvl="0" indent="-285750" algn="l">
-              <a:lnSpc>
-                <a:spcPct val="150000"/>
-              </a:lnSpc>
-              <a:buFont typeface="Arial" panose="020B0604020202020204" pitchFamily="34" charset="0"/>
-              <a:buChar char="•"/>
-            </a:pPr>
-            <a:r>
-              <a:rPr lang="en-US" sz="1600" dirty="0">
-                <a:latin typeface="Times New Roman" panose="02020603050405020304" pitchFamily="18" charset="0"/>
-                <a:cs typeface="Times New Roman" panose="02020603050405020304" pitchFamily="18" charset="0"/>
-              </a:rPr>
-              <a:t>User enters into lift.</a:t>
-            </a:r>
-          </a:p>
-          <a:p>
-            <a:pPr marL="285750" lvl="0" indent="-285750" algn="l">
-              <a:lnSpc>
-                <a:spcPct val="150000"/>
-              </a:lnSpc>
-              <a:buFont typeface="Arial" panose="020B0604020202020204" pitchFamily="34" charset="0"/>
-              <a:buChar char="•"/>
-            </a:pPr>
-            <a:r>
-              <a:rPr lang="en-US" sz="1600" dirty="0">
-                <a:latin typeface="Times New Roman" panose="02020603050405020304" pitchFamily="18" charset="0"/>
-                <a:cs typeface="Times New Roman" panose="02020603050405020304" pitchFamily="18" charset="0"/>
-              </a:rPr>
-              <a:t>Listen for a voice command from the user.</a:t>
-            </a:r>
-          </a:p>
-          <a:p>
-            <a:pPr marL="285750" lvl="0" indent="-285750" algn="l">
-              <a:lnSpc>
-                <a:spcPct val="150000"/>
-              </a:lnSpc>
-              <a:buFont typeface="Arial" panose="020B0604020202020204" pitchFamily="34" charset="0"/>
-              <a:buChar char="•"/>
-            </a:pPr>
-            <a:r>
-              <a:rPr lang="en-US" sz="1600" dirty="0">
-                <a:latin typeface="Times New Roman" panose="02020603050405020304" pitchFamily="18" charset="0"/>
-                <a:cs typeface="Times New Roman" panose="02020603050405020304" pitchFamily="18" charset="0"/>
-              </a:rPr>
-              <a:t>Compare the voice command with already stored commands and return command number using the voice recognition module.</a:t>
-            </a:r>
-          </a:p>
-          <a:p>
-            <a:pPr marL="285750" lvl="0" indent="-285750" algn="l">
-              <a:lnSpc>
-                <a:spcPct val="150000"/>
-              </a:lnSpc>
-              <a:buFont typeface="Arial" panose="020B0604020202020204" pitchFamily="34" charset="0"/>
-              <a:buChar char="•"/>
-            </a:pPr>
-            <a:r>
-              <a:rPr lang="en-US" sz="1600" dirty="0">
-                <a:latin typeface="Times New Roman" panose="02020603050405020304" pitchFamily="18" charset="0"/>
-                <a:cs typeface="Times New Roman" panose="02020603050405020304" pitchFamily="18" charset="0"/>
-              </a:rPr>
-              <a:t>Microcontroller determines which floor the user wants to go to based on the command value returned by voice recognition module.</a:t>
-            </a:r>
-          </a:p>
-          <a:p>
-            <a:pPr marL="285750" lvl="0" indent="-285750" algn="l">
-              <a:lnSpc>
-                <a:spcPct val="150000"/>
-              </a:lnSpc>
-              <a:buFont typeface="Arial" panose="020B0604020202020204" pitchFamily="34" charset="0"/>
-              <a:buChar char="•"/>
-            </a:pPr>
-            <a:r>
-              <a:rPr lang="en-US" sz="1600" dirty="0">
-                <a:latin typeface="Times New Roman" panose="02020603050405020304" pitchFamily="18" charset="0"/>
-                <a:cs typeface="Times New Roman" panose="02020603050405020304" pitchFamily="18" charset="0"/>
-              </a:rPr>
-              <a:t>Send a signal to the relay driver circuit to activate the DC motor in the desired direction.</a:t>
-            </a:r>
-          </a:p>
-          <a:p>
-            <a:pPr marL="285750" lvl="0" indent="-285750" algn="l">
-              <a:lnSpc>
-                <a:spcPct val="150000"/>
-              </a:lnSpc>
-              <a:buFont typeface="Arial" panose="020B0604020202020204" pitchFamily="34" charset="0"/>
-              <a:buChar char="•"/>
-            </a:pPr>
-            <a:r>
-              <a:rPr lang="en-US" sz="1600" dirty="0">
-                <a:latin typeface="Times New Roman" panose="02020603050405020304" pitchFamily="18" charset="0"/>
-                <a:cs typeface="Times New Roman" panose="02020603050405020304" pitchFamily="18" charset="0"/>
-              </a:rPr>
-              <a:t>Monitor the current floor number using the IR sensor.</a:t>
-            </a:r>
-          </a:p>
-          <a:p>
-            <a:pPr marL="285750" lvl="0" indent="-285750" algn="l">
-              <a:lnSpc>
-                <a:spcPct val="150000"/>
-              </a:lnSpc>
-              <a:buFont typeface="Arial" panose="020B0604020202020204" pitchFamily="34" charset="0"/>
-              <a:buChar char="•"/>
-            </a:pPr>
-            <a:r>
-              <a:rPr lang="en-US" sz="1600" dirty="0">
-                <a:latin typeface="Times New Roman" panose="02020603050405020304" pitchFamily="18" charset="0"/>
-                <a:cs typeface="Times New Roman" panose="02020603050405020304" pitchFamily="18" charset="0"/>
-              </a:rPr>
-              <a:t>When the lift car reaches the desired floor, send a signal to the relay driver circuit to deactivate the DC motor.</a:t>
-            </a:r>
-          </a:p>
-          <a:p>
-            <a:pPr marL="285750" lvl="0" indent="-285750" algn="l">
-              <a:lnSpc>
-                <a:spcPct val="150000"/>
-              </a:lnSpc>
-              <a:buFont typeface="Arial" panose="020B0604020202020204" pitchFamily="34" charset="0"/>
-              <a:buChar char="•"/>
-            </a:pPr>
-            <a:r>
-              <a:rPr lang="en-US" sz="1600" dirty="0">
-                <a:latin typeface="Times New Roman" panose="02020603050405020304" pitchFamily="18" charset="0"/>
-                <a:cs typeface="Times New Roman" panose="02020603050405020304" pitchFamily="18" charset="0"/>
-              </a:rPr>
-              <a:t>Play an audio cue to inform the user that they have arrived at their destination.</a:t>
-            </a:r>
-          </a:p>
-          <a:p>
-            <a:pPr marL="285750" lvl="0" indent="-285750" algn="l">
-              <a:lnSpc>
-                <a:spcPct val="150000"/>
-              </a:lnSpc>
-              <a:buFont typeface="Arial" panose="020B0604020202020204" pitchFamily="34" charset="0"/>
-              <a:buChar char="•"/>
-            </a:pPr>
-            <a:r>
-              <a:rPr lang="en-US" sz="1600" dirty="0">
-                <a:latin typeface="Times New Roman" panose="02020603050405020304" pitchFamily="18" charset="0"/>
-                <a:cs typeface="Times New Roman" panose="02020603050405020304" pitchFamily="18" charset="0"/>
-              </a:rPr>
-              <a:t>While all this is working, the floor number, motor temperature, flame sensor, and load sensor parameters are send to web server in real-time for monitoring purpose.</a:t>
-            </a:r>
-          </a:p>
-          <a:p>
-            <a:pPr marL="285750" lvl="0" indent="-285750" algn="l">
-              <a:lnSpc>
-                <a:spcPct val="150000"/>
-              </a:lnSpc>
-              <a:buFont typeface="Arial" panose="020B0604020202020204" pitchFamily="34" charset="0"/>
-              <a:buChar char="•"/>
-            </a:pPr>
-            <a:r>
-              <a:rPr lang="en-US" sz="1600" dirty="0">
-                <a:latin typeface="Times New Roman" panose="02020603050405020304" pitchFamily="18" charset="0"/>
-                <a:cs typeface="Times New Roman" panose="02020603050405020304" pitchFamily="18" charset="0"/>
-              </a:rPr>
-              <a:t>Repeat steps 2-8 until the system is shut down.</a:t>
-            </a:r>
-          </a:p>
-        </p:txBody>
-      </p:sp>
-    </p:spTree>
-  </p:cSld>
-  <p:clrMapOvr>
-    <a:masterClrMapping/>
-  </p:clrMapOvr>
-</p:sld>
-</file>
-
-<file path=ppt/slides/slide16.xml><?xml version="1.0" encoding="utf-8"?>
-<p:sld xmlns:a="http://schemas.openxmlformats.org/drawingml/2006/main" xmlns:r="http://schemas.openxmlformats.org/officeDocument/2006/relationships" xmlns:p="http://schemas.openxmlformats.org/presentationml/2006/main">
-  <p:cSld>
-    <p:spTree>
-      <p:nvGrpSpPr>
-        <p:cNvPr id="1" name=""/>
-        <p:cNvGrpSpPr/>
-        <p:nvPr/>
-      </p:nvGrpSpPr>
-      <p:grpSpPr>
-        <a:xfrm>
-          <a:off x="0" y="0"/>
-          <a:ext cx="0" cy="0"/>
-          <a:chOff x="0" y="0"/>
-          <a:chExt cx="0" cy="0"/>
-        </a:xfrm>
-      </p:grpSpPr>
-      <p:sp>
-        <p:nvSpPr>
-          <p:cNvPr id="2" name="Title 1"/>
-          <p:cNvSpPr>
-            <a:spLocks noGrp="1"/>
-          </p:cNvSpPr>
-          <p:nvPr>
-            <p:ph type="ctrTitle"/>
-          </p:nvPr>
-        </p:nvSpPr>
-        <p:spPr>
-          <a:xfrm>
-            <a:off x="-38100" y="92110"/>
-            <a:ext cx="9144000" cy="766763"/>
-          </a:xfrm>
-        </p:spPr>
-        <p:txBody>
-          <a:bodyPr>
-            <a:normAutofit/>
-          </a:bodyPr>
-          <a:lstStyle/>
-          <a:p>
-            <a:r>
-              <a:rPr lang="en-IN" sz="4000" b="1" dirty="0">
-                <a:latin typeface="Times New Roman" panose="02020603050405020304" pitchFamily="18" charset="0"/>
-                <a:cs typeface="Times New Roman" panose="02020603050405020304" pitchFamily="18" charset="0"/>
-              </a:rPr>
-              <a:t>Conclusion</a:t>
-            </a:r>
-          </a:p>
-        </p:txBody>
-      </p:sp>
-      <p:sp>
-        <p:nvSpPr>
-          <p:cNvPr id="3" name="Subtitle 2"/>
-          <p:cNvSpPr>
-            <a:spLocks noGrp="1"/>
-          </p:cNvSpPr>
-          <p:nvPr>
-            <p:ph type="subTitle" idx="1"/>
-          </p:nvPr>
-        </p:nvSpPr>
-        <p:spPr>
-          <a:xfrm>
-            <a:off x="0" y="1330308"/>
-            <a:ext cx="9144000" cy="5527692"/>
-          </a:xfrm>
-        </p:spPr>
-        <p:txBody>
-          <a:bodyPr>
-            <a:noAutofit/>
-          </a:bodyPr>
-          <a:lstStyle/>
-          <a:p>
-            <a:pPr marL="285750" indent="-285750" algn="just">
-              <a:lnSpc>
-                <a:spcPct val="150000"/>
-              </a:lnSpc>
-              <a:buFont typeface="Arial" panose="020B0604020202020204" pitchFamily="34" charset="0"/>
-              <a:buChar char="•"/>
-            </a:pPr>
-            <a:r>
-              <a:rPr lang="en-GB" sz="1600" cap="none" dirty="0">
-                <a:latin typeface="Times New Roman" panose="02020603050405020304" pitchFamily="18" charset="0"/>
-                <a:cs typeface="Times New Roman" panose="02020603050405020304" pitchFamily="18" charset="0"/>
-              </a:rPr>
-              <a:t>Voice-controlled elevators are a long-term solution that can be used by anyone, including people with disabilities. They have the potential to make life easier for everyone and reduce the spread of germs.</a:t>
-            </a:r>
-          </a:p>
-          <a:p>
-            <a:pPr marL="285750" indent="-285750" algn="just">
-              <a:lnSpc>
-                <a:spcPct val="150000"/>
-              </a:lnSpc>
-              <a:buFont typeface="Arial" panose="020B0604020202020204" pitchFamily="34" charset="0"/>
-              <a:buChar char="•"/>
-            </a:pPr>
-            <a:r>
-              <a:rPr lang="en-GB" sz="1600" cap="none" dirty="0">
-                <a:latin typeface="Times New Roman" panose="02020603050405020304" pitchFamily="18" charset="0"/>
-                <a:cs typeface="Times New Roman" panose="02020603050405020304" pitchFamily="18" charset="0"/>
-              </a:rPr>
-              <a:t>In addition to the benefits mentioned above, voice-controlled elevators could also be used to improve security and convenience. For example, authentication could be used to restrict access to certain floors, and sensors could be used to reduce the need for users to give specific commands.</a:t>
-            </a:r>
-          </a:p>
-          <a:p>
-            <a:pPr marL="285750" indent="-285750" algn="just">
-              <a:lnSpc>
-                <a:spcPct val="150000"/>
-              </a:lnSpc>
-              <a:buFont typeface="Arial" panose="020B0604020202020204" pitchFamily="34" charset="0"/>
-              <a:buChar char="•"/>
-            </a:pPr>
-            <a:r>
-              <a:rPr lang="en-GB" sz="1600" cap="none" dirty="0">
-                <a:latin typeface="Times New Roman" panose="02020603050405020304" pitchFamily="18" charset="0"/>
-                <a:cs typeface="Times New Roman" panose="02020603050405020304" pitchFamily="18" charset="0"/>
-              </a:rPr>
-              <a:t>Voice-controlled elevators have a wide range of potential applications, including in homes, offices, hospitals, hostels, and public places.</a:t>
-            </a:r>
-          </a:p>
-          <a:p>
-            <a:pPr marL="285750" indent="-285750" algn="just">
-              <a:lnSpc>
-                <a:spcPct val="150000"/>
-              </a:lnSpc>
-              <a:buFont typeface="Arial" panose="020B0604020202020204" pitchFamily="34" charset="0"/>
-              <a:buChar char="•"/>
-            </a:pPr>
-            <a:r>
-              <a:rPr lang="en-GB" sz="1600" cap="none" dirty="0">
-                <a:latin typeface="Times New Roman" panose="02020603050405020304" pitchFamily="18" charset="0"/>
-                <a:cs typeface="Times New Roman" panose="02020603050405020304" pitchFamily="18" charset="0"/>
-              </a:rPr>
-              <a:t>Overall, voice-controlled elevators are a promising technology with the potential to improve our lives in many ways.</a:t>
-            </a:r>
-          </a:p>
-        </p:txBody>
-      </p:sp>
-    </p:spTree>
-  </p:cSld>
-  <p:clrMapOvr>
-    <a:masterClrMapping/>
-  </p:clrMapOvr>
-</p:sld>
-</file>
-
-<file path=ppt/slides/slide17.xml><?xml version="1.0" encoding="utf-8"?>
-<p:sld xmlns:a="http://schemas.openxmlformats.org/drawingml/2006/main" xmlns:r="http://schemas.openxmlformats.org/officeDocument/2006/relationships" xmlns:p="http://schemas.openxmlformats.org/presentationml/2006/main">
-  <p:cSld>
-    <p:spTree>
-      <p:nvGrpSpPr>
-        <p:cNvPr id="1" name=""/>
-        <p:cNvGrpSpPr/>
-        <p:nvPr/>
-      </p:nvGrpSpPr>
-      <p:grpSpPr>
-        <a:xfrm>
-          <a:off x="0" y="0"/>
-          <a:ext cx="0" cy="0"/>
-          <a:chOff x="0" y="0"/>
-          <a:chExt cx="0" cy="0"/>
-        </a:xfrm>
-      </p:grpSpPr>
-      <p:sp>
-        <p:nvSpPr>
-          <p:cNvPr id="4" name="Title 3"/>
-          <p:cNvSpPr>
-            <a:spLocks noGrp="1"/>
-          </p:cNvSpPr>
-          <p:nvPr>
-            <p:ph type="title"/>
-          </p:nvPr>
-        </p:nvSpPr>
-        <p:spPr>
-          <a:xfrm>
-            <a:off x="0" y="17489"/>
-            <a:ext cx="9144000" cy="914400"/>
-          </a:xfrm>
-        </p:spPr>
-        <p:txBody>
-          <a:bodyPr>
-            <a:normAutofit/>
-          </a:bodyPr>
-          <a:lstStyle/>
-          <a:p>
-            <a:pPr algn="ctr"/>
-            <a:r>
-              <a:rPr lang="en-US" sz="4000" b="1" dirty="0">
-                <a:solidFill>
-                  <a:schemeClr val="tx1"/>
-                </a:solidFill>
-                <a:latin typeface="Times New Roman" panose="02020603050405020304" pitchFamily="18" charset="0"/>
-                <a:cs typeface="Times New Roman" panose="02020603050405020304" pitchFamily="18" charset="0"/>
-              </a:rPr>
-              <a:t>References</a:t>
-            </a:r>
-          </a:p>
-        </p:txBody>
-      </p:sp>
-      <p:sp>
-        <p:nvSpPr>
-          <p:cNvPr id="5" name="Content Placeholder 4"/>
-          <p:cNvSpPr>
-            <a:spLocks noGrp="1"/>
-          </p:cNvSpPr>
-          <p:nvPr>
-            <p:ph idx="1"/>
-          </p:nvPr>
-        </p:nvSpPr>
-        <p:spPr>
-          <a:xfrm>
-            <a:off x="0" y="914400"/>
-            <a:ext cx="9144000" cy="5943600"/>
-          </a:xfrm>
-        </p:spPr>
-        <p:txBody>
-          <a:bodyPr>
-            <a:normAutofit/>
-          </a:bodyPr>
-          <a:lstStyle/>
-          <a:p>
-            <a:endParaRPr lang="en-US" sz="3600" dirty="0"/>
-          </a:p>
-          <a:p>
-            <a:pPr>
-              <a:buNone/>
-            </a:pPr>
-            <a:endParaRPr lang="en-US" sz="3600" dirty="0"/>
-          </a:p>
-        </p:txBody>
-      </p:sp>
-      <p:sp>
-        <p:nvSpPr>
-          <p:cNvPr id="3" name="TextBox 2"/>
-          <p:cNvSpPr txBox="1"/>
-          <p:nvPr/>
-        </p:nvSpPr>
-        <p:spPr>
-          <a:xfrm>
-            <a:off x="0" y="914400"/>
-            <a:ext cx="9144000" cy="4524315"/>
-          </a:xfrm>
-          <a:prstGeom prst="rect">
-            <a:avLst/>
-          </a:prstGeom>
-          <a:noFill/>
-        </p:spPr>
-        <p:txBody>
-          <a:bodyPr wrap="square">
-            <a:spAutoFit/>
-          </a:bodyPr>
-          <a:lstStyle/>
-          <a:p>
-            <a:pPr marL="342900" indent="-342900" algn="just">
-              <a:buFont typeface="+mj-lt"/>
-              <a:buAutoNum type="arabicPeriod"/>
-            </a:pPr>
-            <a:r>
-              <a:rPr lang="en-GB" sz="1600" dirty="0">
-                <a:solidFill>
-                  <a:srgbClr val="FF0000"/>
-                </a:solidFill>
-                <a:latin typeface="Times New Roman" panose="02020603050405020304" pitchFamily="18" charset="0"/>
-                <a:cs typeface="Times New Roman" panose="02020603050405020304" pitchFamily="18" charset="0"/>
-              </a:rPr>
-              <a:t>Dilip Mathuria, Aditya Gaur, Ashish Gupta, “FPGA Implementation of</a:t>
-            </a:r>
-            <a:r>
-              <a:rPr lang="en-US" altLang="en-GB" sz="1600" dirty="0">
-                <a:solidFill>
-                  <a:srgbClr val="FF0000"/>
-                </a:solidFill>
-                <a:latin typeface="Times New Roman" panose="02020603050405020304" pitchFamily="18" charset="0"/>
-                <a:cs typeface="Times New Roman" panose="02020603050405020304" pitchFamily="18" charset="0"/>
-              </a:rPr>
-              <a:t> </a:t>
-            </a:r>
-            <a:r>
-              <a:rPr lang="en-GB" sz="1600" dirty="0">
-                <a:solidFill>
-                  <a:srgbClr val="FF0000"/>
-                </a:solidFill>
-                <a:latin typeface="Times New Roman" panose="02020603050405020304" pitchFamily="18" charset="0"/>
-                <a:cs typeface="Times New Roman" panose="02020603050405020304" pitchFamily="18" charset="0"/>
-              </a:rPr>
-              <a:t>Biometric based Elevator Controller”, IJETSR Volume 5, Issue 3, March 2018</a:t>
-            </a:r>
-          </a:p>
-          <a:p>
-            <a:pPr marL="342900" indent="-342900" algn="just">
-              <a:buFont typeface="+mj-lt"/>
-              <a:buAutoNum type="arabicPeriod"/>
-            </a:pPr>
-            <a:endParaRPr lang="en-GB" sz="1600" dirty="0">
-              <a:latin typeface="Times New Roman" panose="02020603050405020304" pitchFamily="18" charset="0"/>
-              <a:cs typeface="Times New Roman" panose="02020603050405020304" pitchFamily="18" charset="0"/>
-            </a:endParaRPr>
-          </a:p>
-          <a:p>
-            <a:pPr marL="342900" indent="-342900" algn="just">
-              <a:buFont typeface="+mj-lt"/>
-              <a:buAutoNum type="arabicPeriod"/>
-            </a:pPr>
-            <a:r>
-              <a:rPr lang="en-IN" sz="1600" dirty="0">
-                <a:latin typeface="Times New Roman" panose="02020603050405020304" pitchFamily="18" charset="0"/>
-                <a:cs typeface="Times New Roman" panose="02020603050405020304" pitchFamily="18" charset="0"/>
-              </a:rPr>
-              <a:t>Farouk Salah Mohamed Saod, Dr Maher Abdel Aziz, “Elevator for blind</a:t>
-            </a:r>
-            <a:r>
-              <a:rPr lang="en-US" altLang="en-IN" sz="1600" dirty="0">
-                <a:latin typeface="Times New Roman" panose="02020603050405020304" pitchFamily="18" charset="0"/>
-                <a:cs typeface="Times New Roman" panose="02020603050405020304" pitchFamily="18" charset="0"/>
-              </a:rPr>
-              <a:t> </a:t>
-            </a:r>
-            <a:r>
-              <a:rPr lang="en-IN" sz="1600" dirty="0">
-                <a:latin typeface="Times New Roman" panose="02020603050405020304" pitchFamily="18" charset="0"/>
-                <a:cs typeface="Times New Roman" panose="02020603050405020304" pitchFamily="18" charset="0"/>
-              </a:rPr>
-              <a:t>people using voice recognition” International Journal of Scientific &amp; Engineering Research vol 9 Issue 7,July 18</a:t>
-            </a:r>
-          </a:p>
-          <a:p>
-            <a:pPr marL="342900" indent="-342900" algn="just">
-              <a:buFont typeface="+mj-lt"/>
-              <a:buAutoNum type="arabicPeriod"/>
-            </a:pPr>
-            <a:endParaRPr lang="en-IN" sz="1600" dirty="0">
-              <a:latin typeface="Times New Roman" panose="02020603050405020304" pitchFamily="18" charset="0"/>
-              <a:cs typeface="Times New Roman" panose="02020603050405020304" pitchFamily="18" charset="0"/>
-            </a:endParaRPr>
-          </a:p>
-          <a:p>
-            <a:pPr marL="342900" indent="-342900" algn="just">
-              <a:buFont typeface="+mj-lt"/>
-              <a:buAutoNum type="arabicPeriod"/>
-            </a:pPr>
-            <a:r>
-              <a:rPr lang="en-IN" sz="1600" dirty="0">
-                <a:latin typeface="Times New Roman" panose="02020603050405020304" pitchFamily="18" charset="0"/>
-                <a:cs typeface="Times New Roman" panose="02020603050405020304" pitchFamily="18" charset="0"/>
-              </a:rPr>
-              <a:t> Kaladharan N, Assistant Professor ,Dept. of Electrical Engineering. Annamalai University, IJIRCCE, “A study of speech recognition” volume.3,issue 9,page 8030- 8034,September 2015.</a:t>
-            </a:r>
-          </a:p>
-          <a:p>
-            <a:pPr marL="342900" indent="-342900" algn="just">
-              <a:buFont typeface="+mj-lt"/>
-              <a:buAutoNum type="arabicPeriod"/>
-            </a:pPr>
-            <a:endParaRPr lang="en-IN" sz="1600" dirty="0">
-              <a:latin typeface="Times New Roman" panose="02020603050405020304" pitchFamily="18" charset="0"/>
-              <a:cs typeface="Times New Roman" panose="02020603050405020304" pitchFamily="18" charset="0"/>
-            </a:endParaRPr>
-          </a:p>
-          <a:p>
-            <a:pPr marL="342900" indent="-342900" algn="just">
-              <a:buFont typeface="+mj-lt"/>
-              <a:buAutoNum type="arabicPeriod"/>
-            </a:pPr>
-            <a:r>
-              <a:rPr lang="en-IN" sz="1600" dirty="0">
-                <a:latin typeface="Times New Roman" panose="02020603050405020304" pitchFamily="18" charset="0"/>
-                <a:cs typeface="Times New Roman" panose="02020603050405020304" pitchFamily="18" charset="0"/>
-              </a:rPr>
-              <a:t>Komal Mahajan, Riddhi Nahar, Dhanali Khairnar, Shrutika Kinge, Sujata Suryawanshi, “Elevator Control Using Speech Recognition for People with</a:t>
-            </a:r>
-            <a:r>
-              <a:rPr lang="en-US" altLang="en-IN" sz="1600" dirty="0">
-                <a:latin typeface="Times New Roman" panose="02020603050405020304" pitchFamily="18" charset="0"/>
-                <a:cs typeface="Times New Roman" panose="02020603050405020304" pitchFamily="18" charset="0"/>
-              </a:rPr>
-              <a:t> </a:t>
-            </a:r>
-            <a:r>
-              <a:rPr lang="en-IN" sz="1600" dirty="0">
-                <a:latin typeface="Times New Roman" panose="02020603050405020304" pitchFamily="18" charset="0"/>
-                <a:cs typeface="Times New Roman" panose="02020603050405020304" pitchFamily="18" charset="0"/>
-              </a:rPr>
-              <a:t>Physical Disabilities” IJARIIE Vol-7 Issue-3 2021</a:t>
-            </a:r>
-          </a:p>
-          <a:p>
-            <a:pPr marL="342900" indent="-342900" algn="just">
-              <a:buFont typeface="+mj-lt"/>
-              <a:buAutoNum type="arabicPeriod"/>
-            </a:pPr>
-            <a:endParaRPr lang="en-IN" sz="1600" dirty="0">
-              <a:latin typeface="Times New Roman" panose="02020603050405020304" pitchFamily="18" charset="0"/>
-              <a:cs typeface="Times New Roman" panose="02020603050405020304" pitchFamily="18" charset="0"/>
-            </a:endParaRPr>
-          </a:p>
-          <a:p>
-            <a:pPr marL="342900" indent="-342900" algn="just">
-              <a:buFont typeface="+mj-lt"/>
-              <a:buAutoNum type="arabicPeriod"/>
-            </a:pPr>
-            <a:r>
-              <a:rPr lang="en-IN" sz="1600" dirty="0">
-                <a:latin typeface="Times New Roman" panose="02020603050405020304" pitchFamily="18" charset="0"/>
-                <a:cs typeface="Times New Roman" panose="02020603050405020304" pitchFamily="18" charset="0"/>
-              </a:rPr>
-              <a:t>Rashmi P C, Amulya, A Karthik Shetty, “Voice Operated Intelligent Lift”</a:t>
-            </a:r>
-            <a:r>
-              <a:rPr lang="en-US" altLang="en-IN" sz="1600" dirty="0">
-                <a:latin typeface="Times New Roman" panose="02020603050405020304" pitchFamily="18" charset="0"/>
-                <a:cs typeface="Times New Roman" panose="02020603050405020304" pitchFamily="18" charset="0"/>
-              </a:rPr>
-              <a:t> </a:t>
-            </a:r>
-            <a:r>
-              <a:rPr lang="en-IN" sz="1600" dirty="0">
-                <a:latin typeface="Times New Roman" panose="02020603050405020304" pitchFamily="18" charset="0"/>
-                <a:cs typeface="Times New Roman" panose="02020603050405020304" pitchFamily="18" charset="0"/>
-              </a:rPr>
-              <a:t>JETIR February 2019, Volume 6, Issue 2</a:t>
-            </a:r>
-          </a:p>
-          <a:p>
-            <a:pPr marL="342900" indent="-342900" algn="just">
-              <a:buFont typeface="+mj-lt"/>
-              <a:buAutoNum type="arabicPeriod"/>
-            </a:pPr>
-            <a:endParaRPr lang="en-IN" sz="1600" dirty="0">
-              <a:latin typeface="Times New Roman" panose="02020603050405020304" pitchFamily="18" charset="0"/>
-              <a:cs typeface="Times New Roman" panose="02020603050405020304" pitchFamily="18" charset="0"/>
-            </a:endParaRPr>
-          </a:p>
-          <a:p>
-            <a:pPr marL="342900" indent="-342900" algn="just">
-              <a:buFont typeface="+mj-lt"/>
-              <a:buAutoNum type="arabicPeriod"/>
-            </a:pPr>
-            <a:r>
-              <a:rPr lang="en-IN" sz="1600" dirty="0">
-                <a:latin typeface="Times New Roman" panose="02020603050405020304" pitchFamily="18" charset="0"/>
-                <a:cs typeface="Times New Roman" panose="02020603050405020304" pitchFamily="18" charset="0"/>
-              </a:rPr>
-              <a:t>Malim Huzaifa Salim, Sami Jaitapkar, Faki Ziyaan, Kazi Ibrahim, “Voice Based Lift Control” IJRASET Volume 10 Issue V May 2022</a:t>
-            </a:r>
-          </a:p>
-          <a:p>
-            <a:pPr indent="0" algn="just">
-              <a:buNone/>
-            </a:pPr>
-            <a:endParaRPr lang="en-IN" sz="1600" dirty="0">
-              <a:latin typeface="Times New Roman" panose="02020603050405020304" pitchFamily="18" charset="0"/>
-              <a:cs typeface="Times New Roman" panose="02020603050405020304" pitchFamily="18" charset="0"/>
-            </a:endParaRPr>
-          </a:p>
-        </p:txBody>
-      </p:sp>
-    </p:spTree>
-  </p:cSld>
-  <p:clrMapOvr>
-    <a:masterClrMapping/>
-  </p:clrMapOvr>
-</p:sld>
-</file>
-
-<file path=ppt/slides/slide18.xml><?xml version="1.0" encoding="utf-8"?>
-<p:sld xmlns:a="http://schemas.openxmlformats.org/drawingml/2006/main" xmlns:r="http://schemas.openxmlformats.org/officeDocument/2006/relationships" xmlns:p="http://schemas.openxmlformats.org/presentationml/2006/main">
-  <p:cSld>
-    <p:spTree>
-      <p:nvGrpSpPr>
-        <p:cNvPr id="1" name=""/>
-        <p:cNvGrpSpPr/>
-        <p:nvPr/>
-      </p:nvGrpSpPr>
-      <p:grpSpPr>
-        <a:xfrm>
-          <a:off x="0" y="0"/>
-          <a:ext cx="0" cy="0"/>
-          <a:chOff x="0" y="0"/>
-          <a:chExt cx="0" cy="0"/>
-        </a:xfrm>
-      </p:grpSpPr>
-      <p:sp>
-        <p:nvSpPr>
-          <p:cNvPr id="3" name="TextBox 2"/>
-          <p:cNvSpPr txBox="1"/>
-          <p:nvPr/>
-        </p:nvSpPr>
-        <p:spPr>
-          <a:xfrm>
-            <a:off x="0" y="457200"/>
-            <a:ext cx="9144000" cy="4031873"/>
-          </a:xfrm>
-          <a:prstGeom prst="rect">
-            <a:avLst/>
-          </a:prstGeom>
-          <a:noFill/>
-        </p:spPr>
-        <p:txBody>
-          <a:bodyPr wrap="square">
-            <a:spAutoFit/>
-          </a:bodyPr>
-          <a:lstStyle/>
-          <a:p>
-            <a:pPr marL="342900" indent="-342900">
-              <a:buFont typeface="+mj-lt"/>
-              <a:buAutoNum type="arabicPeriod" startAt="7"/>
-            </a:pPr>
-            <a:r>
-              <a:rPr lang="en-IN" sz="1600" dirty="0">
-                <a:solidFill>
-                  <a:srgbClr val="FF0000"/>
-                </a:solidFill>
-                <a:latin typeface="Times New Roman" panose="02020603050405020304" pitchFamily="18" charset="0"/>
-                <a:cs typeface="Times New Roman" panose="02020603050405020304" pitchFamily="18" charset="0"/>
-              </a:rPr>
-              <a:t>P.Cernys, V.Kubilius, V.Macerauskas, K.Ratkevicius, “Intelligent Control of</a:t>
-            </a:r>
-            <a:r>
-              <a:rPr lang="en-US" altLang="en-IN" sz="1600" dirty="0">
-                <a:solidFill>
-                  <a:srgbClr val="FF0000"/>
-                </a:solidFill>
-                <a:latin typeface="Times New Roman" panose="02020603050405020304" pitchFamily="18" charset="0"/>
-                <a:cs typeface="Times New Roman" panose="02020603050405020304" pitchFamily="18" charset="0"/>
-              </a:rPr>
-              <a:t> </a:t>
-            </a:r>
-            <a:r>
-              <a:rPr lang="en-IN" sz="1600" dirty="0">
-                <a:solidFill>
-                  <a:srgbClr val="FF0000"/>
-                </a:solidFill>
-                <a:latin typeface="Times New Roman" panose="02020603050405020304" pitchFamily="18" charset="0"/>
-                <a:cs typeface="Times New Roman" panose="02020603050405020304" pitchFamily="18" charset="0"/>
-              </a:rPr>
-              <a:t>the Lift Model” IEEE international Workshop on Intelligent Data Acquisition and Advanced Computing System: Technology and Applications 8-10 September 2003</a:t>
-            </a:r>
-          </a:p>
-          <a:p>
-            <a:pPr marL="342900" indent="-342900">
-              <a:buFont typeface="+mj-lt"/>
-              <a:buAutoNum type="arabicPeriod" startAt="7"/>
-            </a:pPr>
-            <a:endParaRPr lang="en-IN" sz="1600" dirty="0">
-              <a:solidFill>
-                <a:srgbClr val="FF0000"/>
-              </a:solidFill>
-              <a:latin typeface="Times New Roman" panose="02020603050405020304" pitchFamily="18" charset="0"/>
-              <a:cs typeface="Times New Roman" panose="02020603050405020304" pitchFamily="18" charset="0"/>
-            </a:endParaRPr>
-          </a:p>
-          <a:p>
-            <a:pPr marL="342900" indent="-342900">
-              <a:buFont typeface="+mj-lt"/>
-              <a:buAutoNum type="arabicPeriod" startAt="7"/>
-            </a:pPr>
-            <a:r>
-              <a:rPr lang="en-IN" sz="1600" dirty="0">
-                <a:solidFill>
-                  <a:srgbClr val="FF0000"/>
-                </a:solidFill>
-                <a:latin typeface="Times New Roman" panose="02020603050405020304" pitchFamily="18" charset="0"/>
-                <a:cs typeface="Times New Roman" panose="02020603050405020304" pitchFamily="18" charset="0"/>
-              </a:rPr>
-              <a:t>Aishwarya Pokharkar, Niriksha Poojari, Harish Pawar , Amey Patil, “Voice Operated Elevator” IJISRT Volume 6, Issue 5, May – 2021</a:t>
-            </a:r>
-          </a:p>
-          <a:p>
-            <a:pPr marL="342900" indent="-342900">
-              <a:buFont typeface="+mj-lt"/>
-              <a:buAutoNum type="arabicPeriod" startAt="7"/>
-            </a:pPr>
-            <a:endParaRPr lang="en-IN" sz="1600" dirty="0">
-              <a:solidFill>
-                <a:srgbClr val="FF0000"/>
-              </a:solidFill>
-              <a:latin typeface="Times New Roman" panose="02020603050405020304" pitchFamily="18" charset="0"/>
-              <a:cs typeface="Times New Roman" panose="02020603050405020304" pitchFamily="18" charset="0"/>
-            </a:endParaRPr>
-          </a:p>
-          <a:p>
-            <a:pPr marL="342900" indent="-342900">
-              <a:buFont typeface="+mj-lt"/>
-              <a:buAutoNum type="arabicPeriod" startAt="7"/>
-            </a:pPr>
-            <a:r>
-              <a:rPr lang="en-IN" sz="1600" dirty="0">
-                <a:latin typeface="Times New Roman" panose="02020603050405020304" pitchFamily="18" charset="0"/>
-                <a:cs typeface="Times New Roman" panose="02020603050405020304" pitchFamily="18" charset="0"/>
-              </a:rPr>
-              <a:t>B. Swathi, Akshay S Prathap, Aiswarya V Kumar, Ranjitha R, Raviteja Kaki, “Implementation of Voice based Touchless Lift System” IJSRCSEIT</a:t>
-            </a:r>
-            <a:r>
-              <a:rPr lang="en-US" altLang="en-IN" sz="1600" dirty="0">
-                <a:latin typeface="Times New Roman" panose="02020603050405020304" pitchFamily="18" charset="0"/>
-                <a:cs typeface="Times New Roman" panose="02020603050405020304" pitchFamily="18" charset="0"/>
-              </a:rPr>
-              <a:t> </a:t>
-            </a:r>
-            <a:r>
-              <a:rPr lang="en-IN" sz="1600" dirty="0">
-                <a:latin typeface="Times New Roman" panose="02020603050405020304" pitchFamily="18" charset="0"/>
-                <a:cs typeface="Times New Roman" panose="02020603050405020304" pitchFamily="18" charset="0"/>
-              </a:rPr>
-              <a:t>Volume 7, Issue 4, July-August-2021</a:t>
-            </a:r>
-          </a:p>
-          <a:p>
-            <a:pPr marL="342900" indent="-342900">
-              <a:buFont typeface="+mj-lt"/>
-              <a:buAutoNum type="arabicPeriod" startAt="7"/>
-            </a:pPr>
-            <a:endParaRPr lang="en-IN" sz="1600" dirty="0">
-              <a:latin typeface="Times New Roman" panose="02020603050405020304" pitchFamily="18" charset="0"/>
-              <a:cs typeface="Times New Roman" panose="02020603050405020304" pitchFamily="18" charset="0"/>
-            </a:endParaRPr>
-          </a:p>
-          <a:p>
-            <a:pPr marL="342900" indent="-342900">
-              <a:buFont typeface="+mj-lt"/>
-              <a:buAutoNum type="arabicPeriod" startAt="7"/>
-            </a:pPr>
-            <a:r>
-              <a:rPr lang="en-IN" sz="1600" dirty="0">
-                <a:latin typeface="Times New Roman" panose="02020603050405020304" pitchFamily="18" charset="0"/>
-                <a:cs typeface="Times New Roman" panose="02020603050405020304" pitchFamily="18" charset="0"/>
-              </a:rPr>
-              <a:t>Datasheet of Atmega 2560 microcontroller.</a:t>
-            </a:r>
-          </a:p>
-          <a:p>
-            <a:pPr marL="342900" indent="-342900">
-              <a:buFont typeface="+mj-lt"/>
-              <a:buAutoNum type="arabicPeriod" startAt="7"/>
-            </a:pPr>
-            <a:endParaRPr lang="en-IN" sz="1600" dirty="0">
-              <a:latin typeface="Times New Roman" panose="02020603050405020304" pitchFamily="18" charset="0"/>
-              <a:cs typeface="Times New Roman" panose="02020603050405020304" pitchFamily="18" charset="0"/>
-            </a:endParaRPr>
-          </a:p>
-          <a:p>
-            <a:pPr marL="342900" indent="-342900">
-              <a:buFont typeface="+mj-lt"/>
-              <a:buAutoNum type="arabicPeriod" startAt="7"/>
-            </a:pPr>
-            <a:endParaRPr lang="en-IN" sz="1600" dirty="0">
-              <a:latin typeface="Times New Roman" panose="02020603050405020304" pitchFamily="18" charset="0"/>
-              <a:cs typeface="Times New Roman" panose="02020603050405020304" pitchFamily="18" charset="0"/>
-            </a:endParaRPr>
-          </a:p>
-          <a:p>
-            <a:pPr marL="342900" indent="-342900">
-              <a:buFont typeface="+mj-lt"/>
-              <a:buAutoNum type="arabicPeriod" startAt="7"/>
-            </a:pPr>
-            <a:endParaRPr lang="en-IN" sz="1600" dirty="0">
-              <a:latin typeface="Times New Roman" panose="02020603050405020304" pitchFamily="18" charset="0"/>
-              <a:cs typeface="Times New Roman" panose="02020603050405020304" pitchFamily="18" charset="0"/>
-            </a:endParaRPr>
-          </a:p>
-          <a:p>
-            <a:pPr marL="342900" indent="-342900">
-              <a:buFont typeface="+mj-lt"/>
-              <a:buAutoNum type="arabicPeriod" startAt="7"/>
-            </a:pPr>
-            <a:endParaRPr lang="en-IN" sz="1600" dirty="0">
-              <a:latin typeface="Times New Roman" panose="02020603050405020304" pitchFamily="18" charset="0"/>
-              <a:cs typeface="Times New Roman" panose="02020603050405020304" pitchFamily="18" charset="0"/>
-            </a:endParaRPr>
-          </a:p>
-          <a:p>
-            <a:pPr marL="342900" indent="-342900">
-              <a:buFont typeface="+mj-lt"/>
-              <a:buAutoNum type="arabicPeriod" startAt="7"/>
-            </a:pPr>
-            <a:endParaRPr lang="en-IN" sz="1600" dirty="0">
-              <a:latin typeface="Times New Roman" panose="02020603050405020304" pitchFamily="18" charset="0"/>
-              <a:cs typeface="Times New Roman" panose="02020603050405020304" pitchFamily="18" charset="0"/>
-            </a:endParaRPr>
-          </a:p>
-        </p:txBody>
-      </p:sp>
-    </p:spTree>
-  </p:cSld>
-  <p:clrMapOvr>
-    <a:masterClrMapping/>
-  </p:clrMapOvr>
-</p:sld>
-</file>
-
-<file path=ppt/slides/slide19.xml><?xml version="1.0" encoding="utf-8"?>
-<p:sld xmlns:a="http://schemas.openxmlformats.org/drawingml/2006/main" xmlns:r="http://schemas.openxmlformats.org/officeDocument/2006/relationships" xmlns:p="http://schemas.openxmlformats.org/presentationml/2006/main">
-  <p:cSld>
-    <p:spTree>
-      <p:nvGrpSpPr>
-        <p:cNvPr id="1" name=""/>
-        <p:cNvGrpSpPr/>
-        <p:nvPr/>
-      </p:nvGrpSpPr>
-      <p:grpSpPr>
-        <a:xfrm>
-          <a:off x="0" y="0"/>
-          <a:ext cx="0" cy="0"/>
-          <a:chOff x="0" y="0"/>
-          <a:chExt cx="0" cy="0"/>
-        </a:xfrm>
-      </p:grpSpPr>
-      <p:sp>
-        <p:nvSpPr>
-          <p:cNvPr id="5" name="Content Placeholder 4"/>
-          <p:cNvSpPr>
-            <a:spLocks noGrp="1"/>
-          </p:cNvSpPr>
-          <p:nvPr>
-            <p:ph idx="1"/>
-          </p:nvPr>
-        </p:nvSpPr>
-        <p:spPr>
-          <a:xfrm>
-            <a:off x="0" y="929390"/>
-            <a:ext cx="9144000" cy="5943600"/>
-          </a:xfrm>
-        </p:spPr>
-        <p:txBody>
-          <a:bodyPr>
-            <a:normAutofit/>
-          </a:bodyPr>
-          <a:lstStyle/>
-          <a:p>
-            <a:pPr>
-              <a:buNone/>
-            </a:pPr>
-            <a:endParaRPr lang="en-US" sz="3600" dirty="0"/>
-          </a:p>
-          <a:p>
-            <a:pPr>
-              <a:buNone/>
-            </a:pPr>
-            <a:endParaRPr lang="en-US" sz="3600" dirty="0"/>
-          </a:p>
-          <a:p>
-            <a:pPr algn="ctr">
-              <a:buNone/>
-            </a:pPr>
-            <a:r>
-              <a:rPr lang="en-US" sz="6600" i="1" dirty="0"/>
-              <a:t>Thank You!!!</a:t>
-            </a:r>
-          </a:p>
-        </p:txBody>
-      </p:sp>
-    </p:spTree>
-  </p:cSld>
-  <p:clrMapOvr>
-    <a:masterClrMapping/>
-  </p:clrMapOvr>
-</p:sld>
-</file>
-
 <file path=ppt/slides/slide2.xml><?xml version="1.0" encoding="utf-8"?>
 <p:sld xmlns:a="http://schemas.openxmlformats.org/drawingml/2006/main" xmlns:r="http://schemas.openxmlformats.org/officeDocument/2006/relationships" xmlns:p="http://schemas.openxmlformats.org/presentationml/2006/main">
   <p:cSld>
@@ -7165,7 +8100,687 @@
         </p:nvSpPr>
         <p:spPr>
           <a:xfrm>
-            <a:off x="0" y="1143000"/>
+            <a:off x="685800" y="1143000"/>
+            <a:ext cx="6553200" cy="5105400"/>
+          </a:xfrm>
+        </p:spPr>
+        <p:txBody>
+          <a:bodyPr>
+            <a:normAutofit/>
+          </a:bodyPr>
+          <a:lstStyle/>
+          <a:p>
+            <a:pPr>
+              <a:lnSpc>
+                <a:spcPct val="100000"/>
+              </a:lnSpc>
+            </a:pPr>
+            <a:r>
+              <a:rPr lang="en-US" sz="1800" dirty="0">
+                <a:latin typeface="Times New Roman" panose="02020603050405020304" pitchFamily="18" charset="0"/>
+                <a:cs typeface="Times New Roman" panose="02020603050405020304" pitchFamily="18" charset="0"/>
+              </a:rPr>
+              <a:t>Introduction </a:t>
+            </a:r>
+          </a:p>
+          <a:p>
+            <a:pPr>
+              <a:lnSpc>
+                <a:spcPct val="100000"/>
+              </a:lnSpc>
+            </a:pPr>
+            <a:r>
+              <a:rPr lang="en-US" sz="1800" dirty="0">
+                <a:latin typeface="Times New Roman" panose="02020603050405020304" pitchFamily="18" charset="0"/>
+                <a:cs typeface="Times New Roman" panose="02020603050405020304" pitchFamily="18" charset="0"/>
+              </a:rPr>
+              <a:t>Need of project</a:t>
+            </a:r>
+          </a:p>
+          <a:p>
+            <a:pPr>
+              <a:lnSpc>
+                <a:spcPct val="100000"/>
+              </a:lnSpc>
+            </a:pPr>
+            <a:r>
+              <a:rPr lang="en-US" sz="1800" dirty="0">
+                <a:latin typeface="Times New Roman" panose="02020603050405020304" pitchFamily="18" charset="0"/>
+                <a:cs typeface="Times New Roman" panose="02020603050405020304" pitchFamily="18" charset="0"/>
+              </a:rPr>
+              <a:t>Research motivation</a:t>
+            </a:r>
+          </a:p>
+          <a:p>
+            <a:pPr>
+              <a:lnSpc>
+                <a:spcPct val="100000"/>
+              </a:lnSpc>
+            </a:pPr>
+            <a:r>
+              <a:rPr lang="en-US" sz="1800" dirty="0">
+                <a:latin typeface="Times New Roman" panose="02020603050405020304" pitchFamily="18" charset="0"/>
+                <a:cs typeface="Times New Roman" panose="02020603050405020304" pitchFamily="18" charset="0"/>
+              </a:rPr>
+              <a:t>Aim and objective of project</a:t>
+            </a:r>
+          </a:p>
+          <a:p>
+            <a:pPr>
+              <a:lnSpc>
+                <a:spcPct val="100000"/>
+              </a:lnSpc>
+            </a:pPr>
+            <a:r>
+              <a:rPr lang="en-US" sz="1800" dirty="0">
+                <a:latin typeface="Times New Roman" panose="02020603050405020304" pitchFamily="18" charset="0"/>
+                <a:cs typeface="Times New Roman" panose="02020603050405020304" pitchFamily="18" charset="0"/>
+              </a:rPr>
+              <a:t>Literature Survey</a:t>
+            </a:r>
+          </a:p>
+          <a:p>
+            <a:pPr>
+              <a:lnSpc>
+                <a:spcPct val="100000"/>
+              </a:lnSpc>
+            </a:pPr>
+            <a:r>
+              <a:rPr lang="en-US" sz="1800" dirty="0">
+                <a:latin typeface="Times New Roman" panose="02020603050405020304" pitchFamily="18" charset="0"/>
+                <a:cs typeface="Times New Roman" panose="02020603050405020304" pitchFamily="18" charset="0"/>
+              </a:rPr>
+              <a:t>Problem Statement (Title of Project)</a:t>
+            </a:r>
+          </a:p>
+          <a:p>
+            <a:pPr>
+              <a:lnSpc>
+                <a:spcPct val="100000"/>
+              </a:lnSpc>
+            </a:pPr>
+            <a:r>
+              <a:rPr lang="en-US" sz="1800" dirty="0">
+                <a:latin typeface="Times New Roman" panose="02020603050405020304" pitchFamily="18" charset="0"/>
+                <a:cs typeface="Times New Roman" panose="02020603050405020304" pitchFamily="18" charset="0"/>
+              </a:rPr>
+              <a:t>Block Diagram of Project</a:t>
+            </a:r>
+          </a:p>
+          <a:p>
+            <a:pPr>
+              <a:lnSpc>
+                <a:spcPct val="100000"/>
+              </a:lnSpc>
+            </a:pPr>
+            <a:r>
+              <a:rPr lang="en-US" sz="1800" dirty="0">
+                <a:latin typeface="Times New Roman" panose="02020603050405020304" pitchFamily="18" charset="0"/>
+                <a:cs typeface="Times New Roman" panose="02020603050405020304" pitchFamily="18" charset="0"/>
+              </a:rPr>
+              <a:t>Explanation of Block Diagram  </a:t>
+            </a:r>
+          </a:p>
+          <a:p>
+            <a:pPr>
+              <a:lnSpc>
+                <a:spcPct val="100000"/>
+              </a:lnSpc>
+            </a:pPr>
+            <a:r>
+              <a:rPr lang="en-US" sz="1800" dirty="0">
+                <a:latin typeface="Times New Roman" panose="02020603050405020304" pitchFamily="18" charset="0"/>
+                <a:cs typeface="Times New Roman" panose="02020603050405020304" pitchFamily="18" charset="0"/>
+              </a:rPr>
+              <a:t>Flow chart</a:t>
+            </a:r>
+          </a:p>
+          <a:p>
+            <a:pPr>
+              <a:lnSpc>
+                <a:spcPct val="100000"/>
+              </a:lnSpc>
+            </a:pPr>
+            <a:r>
+              <a:rPr lang="en-US" sz="1800" dirty="0">
+                <a:latin typeface="Times New Roman" panose="02020603050405020304" pitchFamily="18" charset="0"/>
+                <a:cs typeface="Times New Roman" panose="02020603050405020304" pitchFamily="18" charset="0"/>
+              </a:rPr>
+              <a:t>Conclusion </a:t>
+            </a:r>
+          </a:p>
+          <a:p>
+            <a:pPr>
+              <a:lnSpc>
+                <a:spcPct val="100000"/>
+              </a:lnSpc>
+            </a:pPr>
+            <a:r>
+              <a:rPr lang="en-US" sz="1800" dirty="0">
+                <a:latin typeface="Times New Roman" panose="02020603050405020304" pitchFamily="18" charset="0"/>
+                <a:cs typeface="Times New Roman" panose="02020603050405020304" pitchFamily="18" charset="0"/>
+              </a:rPr>
+              <a:t>References </a:t>
+            </a:r>
+          </a:p>
+          <a:p>
+            <a:pPr>
+              <a:lnSpc>
+                <a:spcPct val="100000"/>
+              </a:lnSpc>
+            </a:pPr>
+            <a:endParaRPr lang="en-US" sz="1600" dirty="0">
+              <a:latin typeface="Times New Roman" panose="02020603050405020304" pitchFamily="18" charset="0"/>
+              <a:cs typeface="Times New Roman" panose="02020603050405020304" pitchFamily="18" charset="0"/>
+            </a:endParaRPr>
+          </a:p>
+        </p:txBody>
+      </p:sp>
+    </p:spTree>
+  </p:cSld>
+  <p:clrMapOvr>
+    <a:masterClrMapping/>
+  </p:clrMapOvr>
+</p:sld>
+</file>
+
+<file path=ppt/slides/slide20.xml><?xml version="1.0" encoding="utf-8"?>
+<p:sld xmlns:a="http://schemas.openxmlformats.org/drawingml/2006/main" xmlns:r="http://schemas.openxmlformats.org/officeDocument/2006/relationships" xmlns:p="http://schemas.openxmlformats.org/presentationml/2006/main">
+  <p:cSld>
+    <p:spTree>
+      <p:nvGrpSpPr>
+        <p:cNvPr id="1" name=""/>
+        <p:cNvGrpSpPr/>
+        <p:nvPr/>
+      </p:nvGrpSpPr>
+      <p:grpSpPr>
+        <a:xfrm>
+          <a:off x="0" y="0"/>
+          <a:ext cx="0" cy="0"/>
+          <a:chOff x="0" y="0"/>
+          <a:chExt cx="0" cy="0"/>
+        </a:xfrm>
+      </p:grpSpPr>
+      <p:sp>
+        <p:nvSpPr>
+          <p:cNvPr id="2" name="Title 1"/>
+          <p:cNvSpPr>
+            <a:spLocks noGrp="1"/>
+          </p:cNvSpPr>
+          <p:nvPr>
+            <p:ph type="ctrTitle"/>
+          </p:nvPr>
+        </p:nvSpPr>
+        <p:spPr>
+          <a:xfrm>
+            <a:off x="0" y="304800"/>
+            <a:ext cx="9144000" cy="662582"/>
+          </a:xfrm>
+        </p:spPr>
+        <p:txBody>
+          <a:bodyPr>
+            <a:normAutofit fontScale="90000"/>
+          </a:bodyPr>
+          <a:lstStyle/>
+          <a:p>
+            <a:r>
+              <a:rPr lang="en-IN" sz="4000" b="1" dirty="0">
+                <a:latin typeface="Times New Roman" panose="02020603050405020304" pitchFamily="18" charset="0"/>
+                <a:cs typeface="Times New Roman" panose="02020603050405020304" pitchFamily="18" charset="0"/>
+              </a:rPr>
+              <a:t>Detailed Algorithm</a:t>
+            </a:r>
+          </a:p>
+        </p:txBody>
+      </p:sp>
+      <p:sp>
+        <p:nvSpPr>
+          <p:cNvPr id="3" name="Subtitle 2"/>
+          <p:cNvSpPr>
+            <a:spLocks noGrp="1"/>
+          </p:cNvSpPr>
+          <p:nvPr>
+            <p:ph type="subTitle" idx="1"/>
+          </p:nvPr>
+        </p:nvSpPr>
+        <p:spPr>
+          <a:xfrm>
+            <a:off x="3748" y="967382"/>
+            <a:ext cx="9144000" cy="5662018"/>
+          </a:xfrm>
+        </p:spPr>
+        <p:txBody>
+          <a:bodyPr>
+            <a:normAutofit fontScale="92500" lnSpcReduction="20000"/>
+          </a:bodyPr>
+          <a:lstStyle/>
+          <a:p>
+            <a:pPr marL="342900" lvl="0" indent="-342900" algn="just">
+              <a:buFont typeface="Wingdings" panose="05000000000000000000" pitchFamily="2" charset="2"/>
+              <a:buChar char="Ø"/>
+            </a:pPr>
+            <a:endParaRPr lang="en-US" sz="2400" cap="none" dirty="0">
+              <a:solidFill>
+                <a:schemeClr val="tx1">
+                  <a:lumMod val="95000"/>
+                </a:schemeClr>
+              </a:solidFill>
+              <a:latin typeface="Times New Roman" panose="02020603050405020304" pitchFamily="18" charset="0"/>
+              <a:cs typeface="Times New Roman" panose="02020603050405020304" pitchFamily="18" charset="0"/>
+            </a:endParaRPr>
+          </a:p>
+          <a:p>
+            <a:pPr marL="285750" lvl="0" indent="-285750" algn="l">
+              <a:lnSpc>
+                <a:spcPct val="150000"/>
+              </a:lnSpc>
+              <a:buFont typeface="Arial" panose="020B0604020202020204" pitchFamily="34" charset="0"/>
+              <a:buChar char="•"/>
+            </a:pPr>
+            <a:r>
+              <a:rPr lang="en-US" sz="1600" dirty="0">
+                <a:latin typeface="Times New Roman" panose="02020603050405020304" pitchFamily="18" charset="0"/>
+                <a:cs typeface="Times New Roman" panose="02020603050405020304" pitchFamily="18" charset="0"/>
+              </a:rPr>
+              <a:t>Initialize the system.</a:t>
+            </a:r>
+          </a:p>
+          <a:p>
+            <a:pPr marL="285750" lvl="0" indent="-285750" algn="l">
+              <a:lnSpc>
+                <a:spcPct val="150000"/>
+              </a:lnSpc>
+              <a:buFont typeface="Arial" panose="020B0604020202020204" pitchFamily="34" charset="0"/>
+              <a:buChar char="•"/>
+            </a:pPr>
+            <a:r>
+              <a:rPr lang="en-US" sz="1600" dirty="0">
+                <a:latin typeface="Times New Roman" panose="02020603050405020304" pitchFamily="18" charset="0"/>
+                <a:cs typeface="Times New Roman" panose="02020603050405020304" pitchFamily="18" charset="0"/>
+              </a:rPr>
+              <a:t>Lift arrives the floor where it detects human presence in front of lift door.</a:t>
+            </a:r>
+          </a:p>
+          <a:p>
+            <a:pPr marL="285750" lvl="0" indent="-285750" algn="l">
+              <a:lnSpc>
+                <a:spcPct val="150000"/>
+              </a:lnSpc>
+              <a:buFont typeface="Arial" panose="020B0604020202020204" pitchFamily="34" charset="0"/>
+              <a:buChar char="•"/>
+            </a:pPr>
+            <a:r>
+              <a:rPr lang="en-US" sz="1600" dirty="0">
+                <a:latin typeface="Times New Roman" panose="02020603050405020304" pitchFamily="18" charset="0"/>
+                <a:cs typeface="Times New Roman" panose="02020603050405020304" pitchFamily="18" charset="0"/>
+              </a:rPr>
+              <a:t>User enters into lift.</a:t>
+            </a:r>
+          </a:p>
+          <a:p>
+            <a:pPr marL="285750" lvl="0" indent="-285750" algn="l">
+              <a:lnSpc>
+                <a:spcPct val="150000"/>
+              </a:lnSpc>
+              <a:buFont typeface="Arial" panose="020B0604020202020204" pitchFamily="34" charset="0"/>
+              <a:buChar char="•"/>
+            </a:pPr>
+            <a:r>
+              <a:rPr lang="en-US" sz="1600" dirty="0">
+                <a:latin typeface="Times New Roman" panose="02020603050405020304" pitchFamily="18" charset="0"/>
+                <a:cs typeface="Times New Roman" panose="02020603050405020304" pitchFamily="18" charset="0"/>
+              </a:rPr>
+              <a:t>Listen for a voice command from the user.</a:t>
+            </a:r>
+          </a:p>
+          <a:p>
+            <a:pPr marL="285750" lvl="0" indent="-285750" algn="l">
+              <a:lnSpc>
+                <a:spcPct val="150000"/>
+              </a:lnSpc>
+              <a:buFont typeface="Arial" panose="020B0604020202020204" pitchFamily="34" charset="0"/>
+              <a:buChar char="•"/>
+            </a:pPr>
+            <a:r>
+              <a:rPr lang="en-US" sz="1600" dirty="0">
+                <a:latin typeface="Times New Roman" panose="02020603050405020304" pitchFamily="18" charset="0"/>
+                <a:cs typeface="Times New Roman" panose="02020603050405020304" pitchFamily="18" charset="0"/>
+              </a:rPr>
+              <a:t>Compare the voice command with already stored commands and return command number using the voice recognition module.</a:t>
+            </a:r>
+          </a:p>
+          <a:p>
+            <a:pPr marL="285750" lvl="0" indent="-285750" algn="l">
+              <a:lnSpc>
+                <a:spcPct val="150000"/>
+              </a:lnSpc>
+              <a:buFont typeface="Arial" panose="020B0604020202020204" pitchFamily="34" charset="0"/>
+              <a:buChar char="•"/>
+            </a:pPr>
+            <a:r>
+              <a:rPr lang="en-US" sz="1600" dirty="0">
+                <a:latin typeface="Times New Roman" panose="02020603050405020304" pitchFamily="18" charset="0"/>
+                <a:cs typeface="Times New Roman" panose="02020603050405020304" pitchFamily="18" charset="0"/>
+              </a:rPr>
+              <a:t>Microcontroller determines which floor the user wants to go to based on the command value returned by voice recognition module.</a:t>
+            </a:r>
+          </a:p>
+          <a:p>
+            <a:pPr marL="285750" lvl="0" indent="-285750" algn="l">
+              <a:lnSpc>
+                <a:spcPct val="150000"/>
+              </a:lnSpc>
+              <a:buFont typeface="Arial" panose="020B0604020202020204" pitchFamily="34" charset="0"/>
+              <a:buChar char="•"/>
+            </a:pPr>
+            <a:r>
+              <a:rPr lang="en-US" sz="1600" dirty="0">
+                <a:latin typeface="Times New Roman" panose="02020603050405020304" pitchFamily="18" charset="0"/>
+                <a:cs typeface="Times New Roman" panose="02020603050405020304" pitchFamily="18" charset="0"/>
+              </a:rPr>
+              <a:t>Send a signal to the relay driver circuit to activate the DC motor in the desired direction.</a:t>
+            </a:r>
+          </a:p>
+          <a:p>
+            <a:pPr marL="285750" lvl="0" indent="-285750" algn="l">
+              <a:lnSpc>
+                <a:spcPct val="150000"/>
+              </a:lnSpc>
+              <a:buFont typeface="Arial" panose="020B0604020202020204" pitchFamily="34" charset="0"/>
+              <a:buChar char="•"/>
+            </a:pPr>
+            <a:r>
+              <a:rPr lang="en-US" sz="1600" dirty="0">
+                <a:latin typeface="Times New Roman" panose="02020603050405020304" pitchFamily="18" charset="0"/>
+                <a:cs typeface="Times New Roman" panose="02020603050405020304" pitchFamily="18" charset="0"/>
+              </a:rPr>
+              <a:t>Monitor the current floor number using the IR sensor.</a:t>
+            </a:r>
+          </a:p>
+          <a:p>
+            <a:pPr marL="285750" lvl="0" indent="-285750" algn="l">
+              <a:lnSpc>
+                <a:spcPct val="150000"/>
+              </a:lnSpc>
+              <a:buFont typeface="Arial" panose="020B0604020202020204" pitchFamily="34" charset="0"/>
+              <a:buChar char="•"/>
+            </a:pPr>
+            <a:r>
+              <a:rPr lang="en-US" sz="1600" dirty="0">
+                <a:latin typeface="Times New Roman" panose="02020603050405020304" pitchFamily="18" charset="0"/>
+                <a:cs typeface="Times New Roman" panose="02020603050405020304" pitchFamily="18" charset="0"/>
+              </a:rPr>
+              <a:t>When the lift car reaches the desired floor, send a signal to the relay driver circuit to deactivate the DC motor.</a:t>
+            </a:r>
+          </a:p>
+          <a:p>
+            <a:pPr marL="285750" lvl="0" indent="-285750" algn="l">
+              <a:lnSpc>
+                <a:spcPct val="150000"/>
+              </a:lnSpc>
+              <a:buFont typeface="Arial" panose="020B0604020202020204" pitchFamily="34" charset="0"/>
+              <a:buChar char="•"/>
+            </a:pPr>
+            <a:r>
+              <a:rPr lang="en-US" sz="1600" dirty="0">
+                <a:latin typeface="Times New Roman" panose="02020603050405020304" pitchFamily="18" charset="0"/>
+                <a:cs typeface="Times New Roman" panose="02020603050405020304" pitchFamily="18" charset="0"/>
+              </a:rPr>
+              <a:t>Play an audio cue to inform the user that they have arrived at their destination.</a:t>
+            </a:r>
+          </a:p>
+          <a:p>
+            <a:pPr marL="285750" lvl="0" indent="-285750" algn="l">
+              <a:lnSpc>
+                <a:spcPct val="150000"/>
+              </a:lnSpc>
+              <a:buFont typeface="Arial" panose="020B0604020202020204" pitchFamily="34" charset="0"/>
+              <a:buChar char="•"/>
+            </a:pPr>
+            <a:r>
+              <a:rPr lang="en-US" sz="1600" dirty="0">
+                <a:latin typeface="Times New Roman" panose="02020603050405020304" pitchFamily="18" charset="0"/>
+                <a:cs typeface="Times New Roman" panose="02020603050405020304" pitchFamily="18" charset="0"/>
+              </a:rPr>
+              <a:t>While all this is working, the floor number, motor temperature, flame sensor, and load sensor parameters are send to web server in real-time for monitoring purpose.</a:t>
+            </a:r>
+          </a:p>
+          <a:p>
+            <a:pPr marL="285750" lvl="0" indent="-285750" algn="l">
+              <a:lnSpc>
+                <a:spcPct val="150000"/>
+              </a:lnSpc>
+              <a:buFont typeface="Arial" panose="020B0604020202020204" pitchFamily="34" charset="0"/>
+              <a:buChar char="•"/>
+            </a:pPr>
+            <a:r>
+              <a:rPr lang="en-US" sz="1600" dirty="0">
+                <a:latin typeface="Times New Roman" panose="02020603050405020304" pitchFamily="18" charset="0"/>
+                <a:cs typeface="Times New Roman" panose="02020603050405020304" pitchFamily="18" charset="0"/>
+              </a:rPr>
+              <a:t>Repeat steps 2-8 until the system is shut down.</a:t>
+            </a:r>
+          </a:p>
+        </p:txBody>
+      </p:sp>
+    </p:spTree>
+  </p:cSld>
+  <p:clrMapOvr>
+    <a:masterClrMapping/>
+  </p:clrMapOvr>
+</p:sld>
+</file>
+
+<file path=ppt/slides/slide21.xml><?xml version="1.0" encoding="utf-8"?>
+<p:sld xmlns:a="http://schemas.openxmlformats.org/drawingml/2006/main" xmlns:r="http://schemas.openxmlformats.org/officeDocument/2006/relationships" xmlns:p="http://schemas.openxmlformats.org/presentationml/2006/main">
+  <p:cSld>
+    <p:spTree>
+      <p:nvGrpSpPr>
+        <p:cNvPr id="1" name=""/>
+        <p:cNvGrpSpPr/>
+        <p:nvPr/>
+      </p:nvGrpSpPr>
+      <p:grpSpPr>
+        <a:xfrm>
+          <a:off x="0" y="0"/>
+          <a:ext cx="0" cy="0"/>
+          <a:chOff x="0" y="0"/>
+          <a:chExt cx="0" cy="0"/>
+        </a:xfrm>
+      </p:grpSpPr>
+      <p:sp>
+        <p:nvSpPr>
+          <p:cNvPr id="2" name="Title 1"/>
+          <p:cNvSpPr>
+            <a:spLocks noGrp="1"/>
+          </p:cNvSpPr>
+          <p:nvPr>
+            <p:ph type="ctrTitle"/>
+          </p:nvPr>
+        </p:nvSpPr>
+        <p:spPr>
+          <a:xfrm>
+            <a:off x="-38100" y="92110"/>
+            <a:ext cx="9144000" cy="766763"/>
+          </a:xfrm>
+        </p:spPr>
+        <p:txBody>
+          <a:bodyPr>
+            <a:normAutofit/>
+          </a:bodyPr>
+          <a:lstStyle/>
+          <a:p>
+            <a:r>
+              <a:rPr lang="en-IN" sz="4000" b="1" dirty="0">
+                <a:latin typeface="Times New Roman" panose="02020603050405020304" pitchFamily="18" charset="0"/>
+                <a:cs typeface="Times New Roman" panose="02020603050405020304" pitchFamily="18" charset="0"/>
+              </a:rPr>
+              <a:t>Conclusion</a:t>
+            </a:r>
+          </a:p>
+        </p:txBody>
+      </p:sp>
+      <p:sp>
+        <p:nvSpPr>
+          <p:cNvPr id="3" name="Subtitle 2"/>
+          <p:cNvSpPr>
+            <a:spLocks noGrp="1"/>
+          </p:cNvSpPr>
+          <p:nvPr>
+            <p:ph type="subTitle" idx="1"/>
+          </p:nvPr>
+        </p:nvSpPr>
+        <p:spPr>
+          <a:xfrm>
+            <a:off x="0" y="1330308"/>
+            <a:ext cx="9144000" cy="5527692"/>
+          </a:xfrm>
+        </p:spPr>
+        <p:txBody>
+          <a:bodyPr>
+            <a:noAutofit/>
+          </a:bodyPr>
+          <a:lstStyle/>
+          <a:p>
+            <a:pPr marL="285750" indent="-285750" algn="just">
+              <a:lnSpc>
+                <a:spcPct val="150000"/>
+              </a:lnSpc>
+              <a:buFont typeface="Arial" panose="020B0604020202020204" pitchFamily="34" charset="0"/>
+              <a:buChar char="•"/>
+            </a:pPr>
+            <a:r>
+              <a:rPr lang="en-GB" sz="1600" cap="none" dirty="0">
+                <a:latin typeface="Times New Roman" panose="02020603050405020304" pitchFamily="18" charset="0"/>
+                <a:cs typeface="Times New Roman" panose="02020603050405020304" pitchFamily="18" charset="0"/>
+              </a:rPr>
+              <a:t>Voice-controlled elevators are a long-term solution that can be used by anyone, including people with disabilities. They have the potential to make life easier for everyone and reduce the spread of germs.</a:t>
+            </a:r>
+          </a:p>
+          <a:p>
+            <a:pPr marL="285750" indent="-285750" algn="just">
+              <a:lnSpc>
+                <a:spcPct val="150000"/>
+              </a:lnSpc>
+              <a:buFont typeface="Arial" panose="020B0604020202020204" pitchFamily="34" charset="0"/>
+              <a:buChar char="•"/>
+            </a:pPr>
+            <a:r>
+              <a:rPr lang="en-GB" sz="1600" cap="none" dirty="0">
+                <a:latin typeface="Times New Roman" panose="02020603050405020304" pitchFamily="18" charset="0"/>
+                <a:cs typeface="Times New Roman" panose="02020603050405020304" pitchFamily="18" charset="0"/>
+              </a:rPr>
+              <a:t>In addition to the benefits mentioned above, voice-controlled elevators could also be used to improve security and convenience. For example, authentication could be used to restrict access to certain floors, and sensors could be used to reduce the need for users to give specific commands.</a:t>
+            </a:r>
+          </a:p>
+          <a:p>
+            <a:pPr marL="285750" indent="-285750" algn="just">
+              <a:lnSpc>
+                <a:spcPct val="150000"/>
+              </a:lnSpc>
+              <a:buFont typeface="Arial" panose="020B0604020202020204" pitchFamily="34" charset="0"/>
+              <a:buChar char="•"/>
+            </a:pPr>
+            <a:r>
+              <a:rPr lang="en-GB" sz="1600" cap="none" dirty="0">
+                <a:latin typeface="Times New Roman" panose="02020603050405020304" pitchFamily="18" charset="0"/>
+                <a:cs typeface="Times New Roman" panose="02020603050405020304" pitchFamily="18" charset="0"/>
+              </a:rPr>
+              <a:t>Voice-controlled elevators have a wide range of potential applications, including in homes, offices, hospitals, hostels, and public places.</a:t>
+            </a:r>
+          </a:p>
+          <a:p>
+            <a:pPr marL="285750" indent="-285750" algn="just">
+              <a:lnSpc>
+                <a:spcPct val="150000"/>
+              </a:lnSpc>
+              <a:buFont typeface="Arial" panose="020B0604020202020204" pitchFamily="34" charset="0"/>
+              <a:buChar char="•"/>
+            </a:pPr>
+            <a:r>
+              <a:rPr lang="en-GB" sz="1600" cap="none" dirty="0">
+                <a:latin typeface="Times New Roman" panose="02020603050405020304" pitchFamily="18" charset="0"/>
+                <a:cs typeface="Times New Roman" panose="02020603050405020304" pitchFamily="18" charset="0"/>
+              </a:rPr>
+              <a:t>Overall, voice-controlled elevators are a promising technology with the potential to improve our lives in many ways.</a:t>
+            </a:r>
+          </a:p>
+        </p:txBody>
+      </p:sp>
+    </p:spTree>
+  </p:cSld>
+  <p:clrMapOvr>
+    <a:masterClrMapping/>
+  </p:clrMapOvr>
+</p:sld>
+</file>
+
+<file path=ppt/slides/slide22.xml><?xml version="1.0" encoding="utf-8"?>
+<p:sld xmlns:a="http://schemas.openxmlformats.org/drawingml/2006/main" xmlns:r="http://schemas.openxmlformats.org/officeDocument/2006/relationships" xmlns:p="http://schemas.openxmlformats.org/presentationml/2006/main">
+  <p:cSld>
+    <p:spTree>
+      <p:nvGrpSpPr>
+        <p:cNvPr id="1" name=""/>
+        <p:cNvGrpSpPr/>
+        <p:nvPr/>
+      </p:nvGrpSpPr>
+      <p:grpSpPr>
+        <a:xfrm>
+          <a:off x="0" y="0"/>
+          <a:ext cx="0" cy="0"/>
+          <a:chOff x="0" y="0"/>
+          <a:chExt cx="0" cy="0"/>
+        </a:xfrm>
+      </p:grpSpPr>
+      <p:sp>
+        <p:nvSpPr>
+          <p:cNvPr id="4" name="Title 3"/>
+          <p:cNvSpPr>
+            <a:spLocks noGrp="1"/>
+          </p:cNvSpPr>
+          <p:nvPr>
+            <p:ph type="title"/>
+          </p:nvPr>
+        </p:nvSpPr>
+        <p:spPr>
+          <a:xfrm>
+            <a:off x="0" y="17489"/>
+            <a:ext cx="9144000" cy="914400"/>
+          </a:xfrm>
+        </p:spPr>
+        <p:txBody>
+          <a:bodyPr>
+            <a:normAutofit/>
+          </a:bodyPr>
+          <a:lstStyle/>
+          <a:p>
+            <a:pPr algn="ctr"/>
+            <a:r>
+              <a:rPr lang="en-US" sz="4000" b="1" dirty="0">
+                <a:solidFill>
+                  <a:schemeClr val="tx1"/>
+                </a:solidFill>
+                <a:latin typeface="Times New Roman" panose="02020603050405020304" pitchFamily="18" charset="0"/>
+                <a:cs typeface="Times New Roman" panose="02020603050405020304" pitchFamily="18" charset="0"/>
+              </a:rPr>
+              <a:t>References</a:t>
+            </a:r>
+          </a:p>
+        </p:txBody>
+      </p:sp>
+      <p:sp>
+        <p:nvSpPr>
+          <p:cNvPr id="5" name="Content Placeholder 4"/>
+          <p:cNvSpPr>
+            <a:spLocks noGrp="1"/>
+          </p:cNvSpPr>
+          <p:nvPr>
+            <p:ph idx="1"/>
+          </p:nvPr>
+        </p:nvSpPr>
+        <p:spPr>
+          <a:xfrm>
+            <a:off x="0" y="914400"/>
             <a:ext cx="9144000" cy="5943600"/>
           </a:xfrm>
         </p:spPr>
@@ -7175,169 +8790,509 @@
           </a:bodyPr>
           <a:lstStyle/>
           <a:p>
+            <a:endParaRPr lang="en-US" sz="3600" dirty="0"/>
+          </a:p>
+          <a:p>
             <a:pPr>
-              <a:lnSpc>
-                <a:spcPct val="100000"/>
-              </a:lnSpc>
-            </a:pPr>
-            <a:r>
-              <a:rPr lang="en-US" sz="1800" dirty="0">
-                <a:latin typeface="Times New Roman" panose="02020603050405020304" pitchFamily="18" charset="0"/>
-                <a:cs typeface="Times New Roman" panose="02020603050405020304" pitchFamily="18" charset="0"/>
-              </a:rPr>
-              <a:t>Introduction </a:t>
-            </a:r>
-          </a:p>
-          <a:p>
-            <a:pPr>
-              <a:lnSpc>
-                <a:spcPct val="100000"/>
-              </a:lnSpc>
-            </a:pPr>
-            <a:r>
-              <a:rPr lang="en-US" sz="1800" dirty="0">
-                <a:latin typeface="Times New Roman" panose="02020603050405020304" pitchFamily="18" charset="0"/>
-                <a:cs typeface="Times New Roman" panose="02020603050405020304" pitchFamily="18" charset="0"/>
-              </a:rPr>
-              <a:t>Need of project</a:t>
-            </a:r>
-          </a:p>
-          <a:p>
-            <a:pPr>
-              <a:lnSpc>
-                <a:spcPct val="100000"/>
-              </a:lnSpc>
-            </a:pPr>
-            <a:r>
-              <a:rPr lang="en-US" sz="1800" dirty="0">
-                <a:latin typeface="Times New Roman" panose="02020603050405020304" pitchFamily="18" charset="0"/>
-                <a:cs typeface="Times New Roman" panose="02020603050405020304" pitchFamily="18" charset="0"/>
-              </a:rPr>
-              <a:t>Research motivation</a:t>
-            </a:r>
-          </a:p>
-          <a:p>
-            <a:pPr>
-              <a:lnSpc>
-                <a:spcPct val="100000"/>
-              </a:lnSpc>
-            </a:pPr>
-            <a:r>
-              <a:rPr lang="en-US" sz="1800" dirty="0">
-                <a:latin typeface="Times New Roman" panose="02020603050405020304" pitchFamily="18" charset="0"/>
-                <a:cs typeface="Times New Roman" panose="02020603050405020304" pitchFamily="18" charset="0"/>
-              </a:rPr>
-              <a:t>Aim and objective of project</a:t>
-            </a:r>
-          </a:p>
-          <a:p>
-            <a:pPr>
-              <a:lnSpc>
-                <a:spcPct val="100000"/>
-              </a:lnSpc>
-            </a:pPr>
-            <a:r>
-              <a:rPr lang="en-US" sz="1800" dirty="0">
-                <a:latin typeface="Times New Roman" panose="02020603050405020304" pitchFamily="18" charset="0"/>
-                <a:cs typeface="Times New Roman" panose="02020603050405020304" pitchFamily="18" charset="0"/>
-              </a:rPr>
-              <a:t>Literature Survey</a:t>
-            </a:r>
-          </a:p>
-          <a:p>
-            <a:pPr>
-              <a:lnSpc>
-                <a:spcPct val="100000"/>
-              </a:lnSpc>
-            </a:pPr>
-            <a:r>
-              <a:rPr lang="en-US" sz="1800" dirty="0">
-                <a:latin typeface="Times New Roman" panose="02020603050405020304" pitchFamily="18" charset="0"/>
-                <a:cs typeface="Times New Roman" panose="02020603050405020304" pitchFamily="18" charset="0"/>
-              </a:rPr>
-              <a:t>Problem Statement (Title of Project)</a:t>
-            </a:r>
-          </a:p>
-          <a:p>
-            <a:pPr>
-              <a:lnSpc>
-                <a:spcPct val="100000"/>
-              </a:lnSpc>
-            </a:pPr>
-            <a:r>
-              <a:rPr lang="en-US" sz="1800" dirty="0">
-                <a:latin typeface="Times New Roman" panose="02020603050405020304" pitchFamily="18" charset="0"/>
-                <a:cs typeface="Times New Roman" panose="02020603050405020304" pitchFamily="18" charset="0"/>
-              </a:rPr>
-              <a:t>Block Diagram of Project</a:t>
-            </a:r>
-          </a:p>
-          <a:p>
-            <a:pPr>
-              <a:lnSpc>
-                <a:spcPct val="100000"/>
-              </a:lnSpc>
-            </a:pPr>
-            <a:r>
-              <a:rPr lang="en-US" sz="1800" dirty="0">
-                <a:latin typeface="Times New Roman" panose="02020603050405020304" pitchFamily="18" charset="0"/>
-                <a:cs typeface="Times New Roman" panose="02020603050405020304" pitchFamily="18" charset="0"/>
-              </a:rPr>
-              <a:t>Explanation of Block Diagram  </a:t>
-            </a:r>
-          </a:p>
-          <a:p>
-            <a:pPr>
-              <a:lnSpc>
-                <a:spcPct val="100000"/>
-              </a:lnSpc>
-            </a:pPr>
-            <a:r>
-              <a:rPr lang="en-US" sz="1800" dirty="0">
-                <a:latin typeface="Times New Roman" panose="02020603050405020304" pitchFamily="18" charset="0"/>
-                <a:cs typeface="Times New Roman" panose="02020603050405020304" pitchFamily="18" charset="0"/>
-              </a:rPr>
-              <a:t>Flow chart</a:t>
-            </a:r>
-          </a:p>
-          <a:p>
-            <a:pPr>
-              <a:lnSpc>
-                <a:spcPct val="100000"/>
-              </a:lnSpc>
-            </a:pPr>
-            <a:r>
-              <a:rPr lang="en-US" sz="1800" dirty="0">
-                <a:latin typeface="Times New Roman" panose="02020603050405020304" pitchFamily="18" charset="0"/>
-                <a:cs typeface="Times New Roman" panose="02020603050405020304" pitchFamily="18" charset="0"/>
-              </a:rPr>
-              <a:t>Conclusion </a:t>
-            </a:r>
-          </a:p>
-          <a:p>
-            <a:pPr>
-              <a:lnSpc>
-                <a:spcPct val="100000"/>
-              </a:lnSpc>
-            </a:pPr>
-            <a:r>
-              <a:rPr lang="en-US" sz="1800" dirty="0">
-                <a:latin typeface="Times New Roman" panose="02020603050405020304" pitchFamily="18" charset="0"/>
-                <a:cs typeface="Times New Roman" panose="02020603050405020304" pitchFamily="18" charset="0"/>
-              </a:rPr>
-              <a:t>References </a:t>
-            </a:r>
-          </a:p>
-          <a:p>
-            <a:pPr>
-              <a:lnSpc>
-                <a:spcPct val="100000"/>
-              </a:lnSpc>
-            </a:pPr>
-            <a:endParaRPr lang="en-US" sz="1600" dirty="0">
+              <a:buNone/>
+            </a:pPr>
+            <a:endParaRPr lang="en-US" sz="3600" dirty="0"/>
+          </a:p>
+        </p:txBody>
+      </p:sp>
+      <p:sp>
+        <p:nvSpPr>
+          <p:cNvPr id="3" name="TextBox 2"/>
+          <p:cNvSpPr txBox="1"/>
+          <p:nvPr/>
+        </p:nvSpPr>
+        <p:spPr>
+          <a:xfrm>
+            <a:off x="0" y="914400"/>
+            <a:ext cx="9144000" cy="4524315"/>
+          </a:xfrm>
+          <a:prstGeom prst="rect">
+            <a:avLst/>
+          </a:prstGeom>
+          <a:noFill/>
+        </p:spPr>
+        <p:txBody>
+          <a:bodyPr wrap="square">
+            <a:spAutoFit/>
+          </a:bodyPr>
+          <a:lstStyle/>
+          <a:p>
+            <a:pPr marL="342900" indent="-342900" algn="just">
+              <a:buFont typeface="+mj-lt"/>
+              <a:buAutoNum type="arabicPeriod"/>
+            </a:pPr>
+            <a:r>
+              <a:rPr lang="en-GB" sz="1600" dirty="0">
+                <a:latin typeface="Times New Roman" panose="02020603050405020304" pitchFamily="18" charset="0"/>
+                <a:cs typeface="Times New Roman" panose="02020603050405020304" pitchFamily="18" charset="0"/>
+              </a:rPr>
+              <a:t>Dilip Mathuria, Aditya Gaur, Ashish Gupta, “FPGA Implementation of</a:t>
+            </a:r>
+            <a:r>
+              <a:rPr lang="en-US" altLang="en-GB" sz="1600" dirty="0">
+                <a:latin typeface="Times New Roman" panose="02020603050405020304" pitchFamily="18" charset="0"/>
+                <a:cs typeface="Times New Roman" panose="02020603050405020304" pitchFamily="18" charset="0"/>
+              </a:rPr>
+              <a:t> </a:t>
+            </a:r>
+            <a:r>
+              <a:rPr lang="en-GB" sz="1600" dirty="0">
+                <a:latin typeface="Times New Roman" panose="02020603050405020304" pitchFamily="18" charset="0"/>
+                <a:cs typeface="Times New Roman" panose="02020603050405020304" pitchFamily="18" charset="0"/>
+              </a:rPr>
+              <a:t>Biometric based Elevator Controller”, IJETSR Volume 5, Issue 3, March 2018</a:t>
+            </a:r>
+          </a:p>
+          <a:p>
+            <a:pPr marL="342900" indent="-342900" algn="just">
+              <a:buFont typeface="+mj-lt"/>
+              <a:buAutoNum type="arabicPeriod"/>
+            </a:pPr>
+            <a:endParaRPr lang="en-GB" sz="1600" dirty="0">
               <a:latin typeface="Times New Roman" panose="02020603050405020304" pitchFamily="18" charset="0"/>
               <a:cs typeface="Times New Roman" panose="02020603050405020304" pitchFamily="18" charset="0"/>
             </a:endParaRPr>
+          </a:p>
+          <a:p>
+            <a:pPr marL="342900" indent="-342900" algn="just">
+              <a:buFont typeface="+mj-lt"/>
+              <a:buAutoNum type="arabicPeriod"/>
+            </a:pPr>
+            <a:r>
+              <a:rPr lang="en-IN" sz="1600" dirty="0">
+                <a:latin typeface="Times New Roman" panose="02020603050405020304" pitchFamily="18" charset="0"/>
+                <a:cs typeface="Times New Roman" panose="02020603050405020304" pitchFamily="18" charset="0"/>
+              </a:rPr>
+              <a:t>Farouk Salah Mohamed Saod, Dr Maher Abdel Aziz, “Elevator for blind</a:t>
+            </a:r>
+            <a:r>
+              <a:rPr lang="en-US" altLang="en-IN" sz="1600" dirty="0">
+                <a:latin typeface="Times New Roman" panose="02020603050405020304" pitchFamily="18" charset="0"/>
+                <a:cs typeface="Times New Roman" panose="02020603050405020304" pitchFamily="18" charset="0"/>
+              </a:rPr>
+              <a:t> </a:t>
+            </a:r>
+            <a:r>
+              <a:rPr lang="en-IN" sz="1600" dirty="0">
+                <a:latin typeface="Times New Roman" panose="02020603050405020304" pitchFamily="18" charset="0"/>
+                <a:cs typeface="Times New Roman" panose="02020603050405020304" pitchFamily="18" charset="0"/>
+              </a:rPr>
+              <a:t>people using voice recognition” International Journal of Scientific &amp; Engineering Research vol 9 Issue 7,July 18</a:t>
+            </a:r>
+          </a:p>
+          <a:p>
+            <a:pPr marL="342900" indent="-342900" algn="just">
+              <a:buFont typeface="+mj-lt"/>
+              <a:buAutoNum type="arabicPeriod"/>
+            </a:pPr>
+            <a:endParaRPr lang="en-IN" sz="1600" dirty="0">
+              <a:latin typeface="Times New Roman" panose="02020603050405020304" pitchFamily="18" charset="0"/>
+              <a:cs typeface="Times New Roman" panose="02020603050405020304" pitchFamily="18" charset="0"/>
+            </a:endParaRPr>
+          </a:p>
+          <a:p>
+            <a:pPr marL="342900" indent="-342900" algn="just">
+              <a:buFont typeface="+mj-lt"/>
+              <a:buAutoNum type="arabicPeriod"/>
+            </a:pPr>
+            <a:r>
+              <a:rPr lang="en-IN" sz="1600" dirty="0">
+                <a:latin typeface="Times New Roman" panose="02020603050405020304" pitchFamily="18" charset="0"/>
+                <a:cs typeface="Times New Roman" panose="02020603050405020304" pitchFamily="18" charset="0"/>
+              </a:rPr>
+              <a:t> Kaladharan N, Assistant Professor ,Dept. of Electrical Engineering. Annamalai University, IJIRCCE, “A study of speech recognition” volume.3,issue 9,page 8030- 8034,September 2015.</a:t>
+            </a:r>
+          </a:p>
+          <a:p>
+            <a:pPr marL="342900" indent="-342900" algn="just">
+              <a:buFont typeface="+mj-lt"/>
+              <a:buAutoNum type="arabicPeriod"/>
+            </a:pPr>
+            <a:endParaRPr lang="en-IN" sz="1600" dirty="0">
+              <a:latin typeface="Times New Roman" panose="02020603050405020304" pitchFamily="18" charset="0"/>
+              <a:cs typeface="Times New Roman" panose="02020603050405020304" pitchFamily="18" charset="0"/>
+            </a:endParaRPr>
+          </a:p>
+          <a:p>
+            <a:pPr marL="342900" indent="-342900" algn="just">
+              <a:buFont typeface="+mj-lt"/>
+              <a:buAutoNum type="arabicPeriod"/>
+            </a:pPr>
+            <a:r>
+              <a:rPr lang="en-IN" sz="1600" dirty="0">
+                <a:latin typeface="Times New Roman" panose="02020603050405020304" pitchFamily="18" charset="0"/>
+                <a:cs typeface="Times New Roman" panose="02020603050405020304" pitchFamily="18" charset="0"/>
+              </a:rPr>
+              <a:t>Komal Mahajan, Riddhi Nahar, Dhanali Khairnar, Shrutika Kinge, Sujata Suryawanshi, “Elevator Control Using Speech Recognition for People with</a:t>
+            </a:r>
+            <a:r>
+              <a:rPr lang="en-US" altLang="en-IN" sz="1600" dirty="0">
+                <a:latin typeface="Times New Roman" panose="02020603050405020304" pitchFamily="18" charset="0"/>
+                <a:cs typeface="Times New Roman" panose="02020603050405020304" pitchFamily="18" charset="0"/>
+              </a:rPr>
+              <a:t> </a:t>
+            </a:r>
+            <a:r>
+              <a:rPr lang="en-IN" sz="1600" dirty="0">
+                <a:latin typeface="Times New Roman" panose="02020603050405020304" pitchFamily="18" charset="0"/>
+                <a:cs typeface="Times New Roman" panose="02020603050405020304" pitchFamily="18" charset="0"/>
+              </a:rPr>
+              <a:t>Physical Disabilities” IJARIIE Vol-7 Issue-3 2021</a:t>
+            </a:r>
+          </a:p>
+          <a:p>
+            <a:pPr marL="342900" indent="-342900" algn="just">
+              <a:buFont typeface="+mj-lt"/>
+              <a:buAutoNum type="arabicPeriod"/>
+            </a:pPr>
+            <a:endParaRPr lang="en-IN" sz="1600" dirty="0">
+              <a:latin typeface="Times New Roman" panose="02020603050405020304" pitchFamily="18" charset="0"/>
+              <a:cs typeface="Times New Roman" panose="02020603050405020304" pitchFamily="18" charset="0"/>
+            </a:endParaRPr>
+          </a:p>
+          <a:p>
+            <a:pPr marL="342900" indent="-342900" algn="just">
+              <a:buFont typeface="+mj-lt"/>
+              <a:buAutoNum type="arabicPeriod"/>
+            </a:pPr>
+            <a:r>
+              <a:rPr lang="en-IN" sz="1600" dirty="0">
+                <a:latin typeface="Times New Roman" panose="02020603050405020304" pitchFamily="18" charset="0"/>
+                <a:cs typeface="Times New Roman" panose="02020603050405020304" pitchFamily="18" charset="0"/>
+              </a:rPr>
+              <a:t>Rashmi P C, Amulya, A Karthik Shetty, “Voice Operated Intelligent Lift”</a:t>
+            </a:r>
+            <a:r>
+              <a:rPr lang="en-US" altLang="en-IN" sz="1600" dirty="0">
+                <a:latin typeface="Times New Roman" panose="02020603050405020304" pitchFamily="18" charset="0"/>
+                <a:cs typeface="Times New Roman" panose="02020603050405020304" pitchFamily="18" charset="0"/>
+              </a:rPr>
+              <a:t> </a:t>
+            </a:r>
+            <a:r>
+              <a:rPr lang="en-IN" sz="1600" dirty="0">
+                <a:latin typeface="Times New Roman" panose="02020603050405020304" pitchFamily="18" charset="0"/>
+                <a:cs typeface="Times New Roman" panose="02020603050405020304" pitchFamily="18" charset="0"/>
+              </a:rPr>
+              <a:t>JETIR February 2019, Volume 6, Issue 2</a:t>
+            </a:r>
+          </a:p>
+          <a:p>
+            <a:pPr marL="342900" indent="-342900" algn="just">
+              <a:buFont typeface="+mj-lt"/>
+              <a:buAutoNum type="arabicPeriod"/>
+            </a:pPr>
+            <a:endParaRPr lang="en-IN" sz="1600" dirty="0">
+              <a:latin typeface="Times New Roman" panose="02020603050405020304" pitchFamily="18" charset="0"/>
+              <a:cs typeface="Times New Roman" panose="02020603050405020304" pitchFamily="18" charset="0"/>
+            </a:endParaRPr>
+          </a:p>
+          <a:p>
+            <a:pPr marL="342900" indent="-342900" algn="just">
+              <a:buFont typeface="+mj-lt"/>
+              <a:buAutoNum type="arabicPeriod"/>
+            </a:pPr>
+            <a:r>
+              <a:rPr lang="en-IN" sz="1600" dirty="0">
+                <a:latin typeface="Times New Roman" panose="02020603050405020304" pitchFamily="18" charset="0"/>
+                <a:cs typeface="Times New Roman" panose="02020603050405020304" pitchFamily="18" charset="0"/>
+              </a:rPr>
+              <a:t>Malim Huzaifa Salim, Sami Jaitapkar, Faki Ziyaan, Kazi Ibrahim, “Voice Based Lift Control” IJRASET Volume 10 Issue V May 2022</a:t>
+            </a:r>
+          </a:p>
+          <a:p>
+            <a:pPr indent="0" algn="just">
+              <a:buNone/>
+            </a:pPr>
+            <a:endParaRPr lang="en-IN" sz="1600" dirty="0">
+              <a:latin typeface="Times New Roman" panose="02020603050405020304" pitchFamily="18" charset="0"/>
+              <a:cs typeface="Times New Roman" panose="02020603050405020304" pitchFamily="18" charset="0"/>
+            </a:endParaRPr>
+          </a:p>
+        </p:txBody>
+      </p:sp>
+    </p:spTree>
+  </p:cSld>
+  <p:clrMapOvr>
+    <a:masterClrMapping/>
+  </p:clrMapOvr>
+</p:sld>
+</file>
+
+<file path=ppt/slides/slide23.xml><?xml version="1.0" encoding="utf-8"?>
+<p:sld xmlns:a="http://schemas.openxmlformats.org/drawingml/2006/main" xmlns:r="http://schemas.openxmlformats.org/officeDocument/2006/relationships" xmlns:p="http://schemas.openxmlformats.org/presentationml/2006/main">
+  <p:cSld>
+    <p:spTree>
+      <p:nvGrpSpPr>
+        <p:cNvPr id="1" name=""/>
+        <p:cNvGrpSpPr/>
+        <p:nvPr/>
+      </p:nvGrpSpPr>
+      <p:grpSpPr>
+        <a:xfrm>
+          <a:off x="0" y="0"/>
+          <a:ext cx="0" cy="0"/>
+          <a:chOff x="0" y="0"/>
+          <a:chExt cx="0" cy="0"/>
+        </a:xfrm>
+      </p:grpSpPr>
+      <p:sp>
+        <p:nvSpPr>
+          <p:cNvPr id="3" name="TextBox 2"/>
+          <p:cNvSpPr txBox="1"/>
+          <p:nvPr/>
+        </p:nvSpPr>
+        <p:spPr>
+          <a:xfrm>
+            <a:off x="0" y="457200"/>
+            <a:ext cx="9144000" cy="4031873"/>
+          </a:xfrm>
+          <a:prstGeom prst="rect">
+            <a:avLst/>
+          </a:prstGeom>
+          <a:noFill/>
+        </p:spPr>
+        <p:txBody>
+          <a:bodyPr wrap="square">
+            <a:spAutoFit/>
+          </a:bodyPr>
+          <a:lstStyle/>
+          <a:p>
+            <a:pPr marL="342900" indent="-342900">
+              <a:buFont typeface="+mj-lt"/>
+              <a:buAutoNum type="arabicPeriod" startAt="7"/>
+            </a:pPr>
+            <a:r>
+              <a:rPr lang="en-IN" sz="1600" dirty="0">
+                <a:latin typeface="Times New Roman" panose="02020603050405020304" pitchFamily="18" charset="0"/>
+                <a:cs typeface="Times New Roman" panose="02020603050405020304" pitchFamily="18" charset="0"/>
+              </a:rPr>
+              <a:t>P.Cernys, V.Kubilius, V.Macerauskas, K.Ratkevicius, “Intelligent Control of</a:t>
+            </a:r>
+            <a:r>
+              <a:rPr lang="en-US" altLang="en-IN" sz="1600" dirty="0">
+                <a:latin typeface="Times New Roman" panose="02020603050405020304" pitchFamily="18" charset="0"/>
+                <a:cs typeface="Times New Roman" panose="02020603050405020304" pitchFamily="18" charset="0"/>
+              </a:rPr>
+              <a:t> </a:t>
+            </a:r>
+            <a:r>
+              <a:rPr lang="en-IN" sz="1600" dirty="0">
+                <a:latin typeface="Times New Roman" panose="02020603050405020304" pitchFamily="18" charset="0"/>
+                <a:cs typeface="Times New Roman" panose="02020603050405020304" pitchFamily="18" charset="0"/>
+              </a:rPr>
+              <a:t>the Lift Model” IEEE international Workshop on Intelligent Data Acquisition and Advanced Computing System: Technology and Applications 8-10 September 2003</a:t>
+            </a:r>
+          </a:p>
+          <a:p>
+            <a:pPr marL="342900" indent="-342900">
+              <a:buFont typeface="+mj-lt"/>
+              <a:buAutoNum type="arabicPeriod" startAt="7"/>
+            </a:pPr>
+            <a:endParaRPr lang="en-IN" sz="1600" dirty="0">
+              <a:latin typeface="Times New Roman" panose="02020603050405020304" pitchFamily="18" charset="0"/>
+              <a:cs typeface="Times New Roman" panose="02020603050405020304" pitchFamily="18" charset="0"/>
+            </a:endParaRPr>
+          </a:p>
+          <a:p>
+            <a:pPr marL="342900" indent="-342900">
+              <a:buFont typeface="+mj-lt"/>
+              <a:buAutoNum type="arabicPeriod" startAt="7"/>
+            </a:pPr>
+            <a:r>
+              <a:rPr lang="en-IN" sz="1600" dirty="0">
+                <a:latin typeface="Times New Roman" panose="02020603050405020304" pitchFamily="18" charset="0"/>
+                <a:cs typeface="Times New Roman" panose="02020603050405020304" pitchFamily="18" charset="0"/>
+              </a:rPr>
+              <a:t>Aishwarya Pokharkar, Niriksha Poojari, Harish Pawar , Amey Patil, “Voice Operated Elevator” IJISRT Volume 6, Issue 5, May – 2021</a:t>
+            </a:r>
+          </a:p>
+          <a:p>
+            <a:pPr marL="342900" indent="-342900">
+              <a:buFont typeface="+mj-lt"/>
+              <a:buAutoNum type="arabicPeriod" startAt="7"/>
+            </a:pPr>
+            <a:endParaRPr lang="en-IN" sz="1600" dirty="0">
+              <a:solidFill>
+                <a:srgbClr val="FF0000"/>
+              </a:solidFill>
+              <a:latin typeface="Times New Roman" panose="02020603050405020304" pitchFamily="18" charset="0"/>
+              <a:cs typeface="Times New Roman" panose="02020603050405020304" pitchFamily="18" charset="0"/>
+            </a:endParaRPr>
+          </a:p>
+          <a:p>
+            <a:pPr marL="342900" indent="-342900">
+              <a:buFont typeface="+mj-lt"/>
+              <a:buAutoNum type="arabicPeriod" startAt="7"/>
+            </a:pPr>
+            <a:r>
+              <a:rPr lang="en-IN" sz="1600" dirty="0">
+                <a:latin typeface="Times New Roman" panose="02020603050405020304" pitchFamily="18" charset="0"/>
+                <a:cs typeface="Times New Roman" panose="02020603050405020304" pitchFamily="18" charset="0"/>
+              </a:rPr>
+              <a:t>B. Swathi, Akshay S Prathap, Aiswarya V Kumar, Ranjitha R, Raviteja Kaki, “Implementation of Voice based Touchless Lift System” IJSRCSEIT</a:t>
+            </a:r>
+            <a:r>
+              <a:rPr lang="en-US" altLang="en-IN" sz="1600" dirty="0">
+                <a:latin typeface="Times New Roman" panose="02020603050405020304" pitchFamily="18" charset="0"/>
+                <a:cs typeface="Times New Roman" panose="02020603050405020304" pitchFamily="18" charset="0"/>
+              </a:rPr>
+              <a:t> </a:t>
+            </a:r>
+            <a:r>
+              <a:rPr lang="en-IN" sz="1600" dirty="0">
+                <a:latin typeface="Times New Roman" panose="02020603050405020304" pitchFamily="18" charset="0"/>
+                <a:cs typeface="Times New Roman" panose="02020603050405020304" pitchFamily="18" charset="0"/>
+              </a:rPr>
+              <a:t>Volume 7, Issue 4, July-August-2021</a:t>
+            </a:r>
+          </a:p>
+          <a:p>
+            <a:pPr marL="342900" indent="-342900">
+              <a:buFont typeface="+mj-lt"/>
+              <a:buAutoNum type="arabicPeriod" startAt="7"/>
+            </a:pPr>
+            <a:endParaRPr lang="en-IN" sz="1600" dirty="0">
+              <a:latin typeface="Times New Roman" panose="02020603050405020304" pitchFamily="18" charset="0"/>
+              <a:cs typeface="Times New Roman" panose="02020603050405020304" pitchFamily="18" charset="0"/>
+            </a:endParaRPr>
+          </a:p>
+          <a:p>
+            <a:pPr marL="342900" indent="-342900">
+              <a:buFont typeface="+mj-lt"/>
+              <a:buAutoNum type="arabicPeriod" startAt="7"/>
+            </a:pPr>
+            <a:r>
+              <a:rPr lang="en-IN" sz="1600" dirty="0">
+                <a:latin typeface="Times New Roman" panose="02020603050405020304" pitchFamily="18" charset="0"/>
+                <a:cs typeface="Times New Roman" panose="02020603050405020304" pitchFamily="18" charset="0"/>
+              </a:rPr>
+              <a:t>Datasheet of Atmega 2560 microcontroller.</a:t>
+            </a:r>
+          </a:p>
+          <a:p>
+            <a:pPr marL="342900" indent="-342900">
+              <a:buFont typeface="+mj-lt"/>
+              <a:buAutoNum type="arabicPeriod" startAt="7"/>
+            </a:pPr>
+            <a:endParaRPr lang="en-IN" sz="1600" dirty="0">
+              <a:latin typeface="Times New Roman" panose="02020603050405020304" pitchFamily="18" charset="0"/>
+              <a:cs typeface="Times New Roman" panose="02020603050405020304" pitchFamily="18" charset="0"/>
+            </a:endParaRPr>
+          </a:p>
+          <a:p>
+            <a:pPr marL="342900" indent="-342900">
+              <a:buFont typeface="+mj-lt"/>
+              <a:buAutoNum type="arabicPeriod" startAt="7"/>
+            </a:pPr>
+            <a:endParaRPr lang="en-IN" sz="1600" dirty="0">
+              <a:latin typeface="Times New Roman" panose="02020603050405020304" pitchFamily="18" charset="0"/>
+              <a:cs typeface="Times New Roman" panose="02020603050405020304" pitchFamily="18" charset="0"/>
+            </a:endParaRPr>
+          </a:p>
+          <a:p>
+            <a:pPr marL="342900" indent="-342900">
+              <a:buFont typeface="+mj-lt"/>
+              <a:buAutoNum type="arabicPeriod" startAt="7"/>
+            </a:pPr>
+            <a:endParaRPr lang="en-IN" sz="1600" dirty="0">
+              <a:latin typeface="Times New Roman" panose="02020603050405020304" pitchFamily="18" charset="0"/>
+              <a:cs typeface="Times New Roman" panose="02020603050405020304" pitchFamily="18" charset="0"/>
+            </a:endParaRPr>
+          </a:p>
+          <a:p>
+            <a:pPr marL="342900" indent="-342900">
+              <a:buFont typeface="+mj-lt"/>
+              <a:buAutoNum type="arabicPeriod" startAt="7"/>
+            </a:pPr>
+            <a:endParaRPr lang="en-IN" sz="1600" dirty="0">
+              <a:latin typeface="Times New Roman" panose="02020603050405020304" pitchFamily="18" charset="0"/>
+              <a:cs typeface="Times New Roman" panose="02020603050405020304" pitchFamily="18" charset="0"/>
+            </a:endParaRPr>
+          </a:p>
+          <a:p>
+            <a:pPr marL="342900" indent="-342900">
+              <a:buFont typeface="+mj-lt"/>
+              <a:buAutoNum type="arabicPeriod" startAt="7"/>
+            </a:pPr>
+            <a:endParaRPr lang="en-IN" sz="1600" dirty="0">
+              <a:latin typeface="Times New Roman" panose="02020603050405020304" pitchFamily="18" charset="0"/>
+              <a:cs typeface="Times New Roman" panose="02020603050405020304" pitchFamily="18" charset="0"/>
+            </a:endParaRPr>
+          </a:p>
+        </p:txBody>
+      </p:sp>
+    </p:spTree>
+  </p:cSld>
+  <p:clrMapOvr>
+    <a:masterClrMapping/>
+  </p:clrMapOvr>
+</p:sld>
+</file>
+
+<file path=ppt/slides/slide24.xml><?xml version="1.0" encoding="utf-8"?>
+<p:sld xmlns:a="http://schemas.openxmlformats.org/drawingml/2006/main" xmlns:r="http://schemas.openxmlformats.org/officeDocument/2006/relationships" xmlns:p="http://schemas.openxmlformats.org/presentationml/2006/main">
+  <p:cSld>
+    <p:spTree>
+      <p:nvGrpSpPr>
+        <p:cNvPr id="1" name=""/>
+        <p:cNvGrpSpPr/>
+        <p:nvPr/>
+      </p:nvGrpSpPr>
+      <p:grpSpPr>
+        <a:xfrm>
+          <a:off x="0" y="0"/>
+          <a:ext cx="0" cy="0"/>
+          <a:chOff x="0" y="0"/>
+          <a:chExt cx="0" cy="0"/>
+        </a:xfrm>
+      </p:grpSpPr>
+      <p:sp>
+        <p:nvSpPr>
+          <p:cNvPr id="5" name="Content Placeholder 4"/>
+          <p:cNvSpPr>
+            <a:spLocks noGrp="1"/>
+          </p:cNvSpPr>
+          <p:nvPr>
+            <p:ph idx="1"/>
+          </p:nvPr>
+        </p:nvSpPr>
+        <p:spPr>
+          <a:xfrm>
+            <a:off x="0" y="929390"/>
+            <a:ext cx="9144000" cy="5943600"/>
+          </a:xfrm>
+        </p:spPr>
+        <p:txBody>
+          <a:bodyPr>
+            <a:normAutofit/>
+          </a:bodyPr>
+          <a:lstStyle/>
+          <a:p>
+            <a:pPr>
+              <a:buNone/>
+            </a:pPr>
+            <a:endParaRPr lang="en-US" sz="3600" dirty="0"/>
+          </a:p>
+          <a:p>
+            <a:pPr>
+              <a:buNone/>
+            </a:pPr>
+            <a:endParaRPr lang="en-US" sz="3600" dirty="0"/>
+          </a:p>
+          <a:p>
+            <a:pPr algn="ctr">
+              <a:buNone/>
+            </a:pPr>
+            <a:r>
+              <a:rPr lang="en-US" sz="6600" i="1" dirty="0"/>
+              <a:t>Thank You!!!</a:t>
+            </a:r>
           </a:p>
         </p:txBody>
       </p:sp>
@@ -7434,10 +9389,12 @@
           </a:bodyPr>
           <a:lstStyle/>
           <a:p>
-            <a:pPr marL="168275" marR="166370" indent="517525" algn="just">
+            <a:pPr marL="454025" marR="166370" indent="-285750">
               <a:spcAft>
                 <a:spcPts val="0"/>
               </a:spcAft>
+              <a:buFont typeface="Arial" panose="020B0604020202020204" pitchFamily="34" charset="0"/>
+              <a:buChar char="•"/>
             </a:pPr>
             <a:r>
               <a:rPr lang="en-US" sz="1800" dirty="0">
@@ -7445,52 +9402,103 @@
                 <a:latin typeface="Times New Roman" panose="02020603050405020304" pitchFamily="18" charset="0"/>
                 <a:ea typeface="Times New Roman" panose="02020603050405020304" pitchFamily="18" charset="0"/>
               </a:rPr>
-              <a:t>Blind people face many problems every day. One of these challenges is the use of elevators in many buildings. visually impaired should be able to enjoy using the elevator easily. Chapter To overcome this challenge for the blind, we must focus on the following issues: Make sure the blind person is at the elevator door Chapter Accept the idea of ​​getting down for the blind person Chapter Attention coming into the elevator from the seat of the blind person [2].</a:t>
-            </a:r>
-            <a:endParaRPr lang="en-IN" sz="1800" dirty="0">
-              <a:effectLst/>
-              <a:latin typeface="Times New Roman" panose="02020603050405020304" pitchFamily="18" charset="0"/>
-              <a:ea typeface="Times New Roman" panose="02020603050405020304" pitchFamily="18" charset="0"/>
-            </a:endParaRPr>
-          </a:p>
-          <a:p>
-            <a:pPr marL="168275" marR="166370" indent="517525" algn="just">
+              <a:t>Physically challenged people face many problems every day. One of these challenges is the use of elevators in many buildings. </a:t>
+            </a:r>
+            <a:r>
+              <a:rPr lang="en-US" sz="1800" dirty="0">
+                <a:latin typeface="Times New Roman" panose="02020603050405020304" pitchFamily="18" charset="0"/>
+                <a:ea typeface="Times New Roman" panose="02020603050405020304" pitchFamily="18" charset="0"/>
+              </a:rPr>
+              <a:t>They</a:t>
+            </a:r>
+            <a:r>
+              <a:rPr lang="en-US" sz="1800" dirty="0">
+                <a:effectLst/>
+                <a:latin typeface="Times New Roman" panose="02020603050405020304" pitchFamily="18" charset="0"/>
+                <a:ea typeface="Times New Roman" panose="02020603050405020304" pitchFamily="18" charset="0"/>
+              </a:rPr>
+              <a:t> should be able to enjoy using the elevator easily.</a:t>
+            </a:r>
+          </a:p>
+          <a:p>
+            <a:pPr marL="454025" marR="166370" indent="-285750">
+              <a:lnSpc>
+                <a:spcPct val="110000"/>
+              </a:lnSpc>
               <a:spcAft>
                 <a:spcPts val="0"/>
               </a:spcAft>
+              <a:buFont typeface="Arial" panose="020B0604020202020204" pitchFamily="34" charset="0"/>
+              <a:buChar char="•"/>
             </a:pPr>
             <a:r>
               <a:rPr lang="en-US" sz="1800" dirty="0">
-                <a:effectLst/>
-                <a:latin typeface="Times New Roman" panose="02020603050405020304" pitchFamily="18" charset="0"/>
-                <a:ea typeface="Times New Roman" panose="02020603050405020304" pitchFamily="18" charset="0"/>
-              </a:rPr>
-              <a:t>Speech is the superior personality of the human beings gifted by the nature. Speech helps to deliver the thoughts and messages between human. Speech recognition is the process of the computer recognizing human speech to generate a string of words or commands. Sometimes it is known as automatic speech recognition. Speech recognition is becoming more perplexing and difficult task. The speech recognition research is focuses mainly on large vocabulary, continuous speech capabilities and speaker independence. The design of speech recognition requires cautious attention to some issues like speech representation, depiction of various types of speech Classes, techniques, and database and performance evaluation [3].</a:t>
+                <a:latin typeface="Times New Roman" panose="02020603050405020304" pitchFamily="18" charset="0"/>
+              </a:rPr>
+              <a:t>To overcome this challenge for the them, we must focus on the following issues: Make sure the person is at the elevator door, get elevator there and ask person where to go and accordingly go to respective floor.</a:t>
             </a:r>
             <a:endParaRPr lang="en-IN" sz="1800" dirty="0">
-              <a:effectLst/>
               <a:latin typeface="Times New Roman" panose="02020603050405020304" pitchFamily="18" charset="0"/>
-              <a:ea typeface="Times New Roman" panose="02020603050405020304" pitchFamily="18" charset="0"/>
             </a:endParaRPr>
           </a:p>
           <a:p>
-            <a:pPr marL="180340" marR="187325" indent="493395" algn="just">
+            <a:pPr marL="454025" marR="166370" indent="-285750">
+              <a:lnSpc>
+                <a:spcPct val="120000"/>
+              </a:lnSpc>
               <a:spcAft>
                 <a:spcPts val="0"/>
               </a:spcAft>
+              <a:buFont typeface="Arial" panose="020B0604020202020204" pitchFamily="34" charset="0"/>
+              <a:buChar char="•"/>
             </a:pPr>
             <a:r>
               <a:rPr lang="en-US" sz="1800" dirty="0">
-                <a:effectLst/>
-                <a:latin typeface="Times New Roman" panose="02020603050405020304" pitchFamily="18" charset="0"/>
-                <a:ea typeface="Times New Roman" panose="02020603050405020304" pitchFamily="18" charset="0"/>
-              </a:rPr>
-              <a:t>A voice-operated elevator system is proposed where the user’s input commands to control the movement of the elevator system are kept convenient for the users. The commands include voice input for the floor operations, directions, elevator car’s door operation, and a special option to place a call of speaker’s choice in case of any unexpected event that requires immediate action [4].</a:t>
+                <a:latin typeface="Times New Roman" panose="02020603050405020304" pitchFamily="18" charset="0"/>
+              </a:rPr>
+              <a:t>Speech is the superior personality of the human beings gifted by the nature. Speech helps to deliver the thoughts and messages between human. Speech recognition is the process of the computer recognizing human speech to generate a string of words or commands. Sometimes it is known as automatic speech recognition. </a:t>
+            </a:r>
+          </a:p>
+          <a:p>
+            <a:pPr marL="454025" marR="166370" indent="-285750">
+              <a:lnSpc>
+                <a:spcPct val="120000"/>
+              </a:lnSpc>
+              <a:spcAft>
+                <a:spcPts val="0"/>
+              </a:spcAft>
+              <a:buFont typeface="Arial" panose="020B0604020202020204" pitchFamily="34" charset="0"/>
+              <a:buChar char="•"/>
+            </a:pPr>
+            <a:r>
+              <a:rPr lang="en-US" sz="1800" dirty="0">
+                <a:latin typeface="Times New Roman" panose="02020603050405020304" pitchFamily="18" charset="0"/>
+              </a:rPr>
+              <a:t>Speech recognition is becoming more perplexing and difficult task. The speech recognition research is focuses mainly on large vocabulary, continuous speech capabilities and speaker independence[3].</a:t>
             </a:r>
             <a:endParaRPr lang="en-IN" sz="1800" dirty="0">
-              <a:effectLst/>
               <a:latin typeface="Times New Roman" panose="02020603050405020304" pitchFamily="18" charset="0"/>
-              <a:ea typeface="Times New Roman" panose="02020603050405020304" pitchFamily="18" charset="0"/>
+            </a:endParaRPr>
+          </a:p>
+          <a:p>
+            <a:pPr marL="454025" marR="166370" indent="-285750">
+              <a:lnSpc>
+                <a:spcPct val="120000"/>
+              </a:lnSpc>
+              <a:spcAft>
+                <a:spcPts val="0"/>
+              </a:spcAft>
+              <a:buFont typeface="Arial" panose="020B0604020202020204" pitchFamily="34" charset="0"/>
+              <a:buChar char="•"/>
+            </a:pPr>
+            <a:r>
+              <a:rPr lang="en-US" sz="1800" dirty="0">
+                <a:latin typeface="Times New Roman" panose="02020603050405020304" pitchFamily="18" charset="0"/>
+              </a:rPr>
+              <a:t>A voice-operated elevator system is proposed where the user’s input commands to control the movement of the elevator system are kept convenient for the users. The commands include voice input for the floor operations, directions, elevator car’s door operation, and a special command to call for emergency[4].</a:t>
+            </a:r>
+            <a:endParaRPr lang="en-IN" sz="1800" dirty="0">
+              <a:latin typeface="Times New Roman" panose="02020603050405020304" pitchFamily="18" charset="0"/>
             </a:endParaRPr>
           </a:p>
         </p:txBody>
@@ -7572,10 +9580,12 @@
           </a:bodyPr>
           <a:lstStyle/>
           <a:p>
-            <a:pPr algn="just">
+            <a:pPr marL="285750" indent="-285750" algn="just">
               <a:lnSpc>
                 <a:spcPct val="130000"/>
               </a:lnSpc>
+              <a:buFont typeface="Arial" panose="020B0604020202020204" pitchFamily="34" charset="0"/>
+              <a:buChar char="•"/>
             </a:pPr>
             <a:r>
               <a:rPr lang="en-US" sz="1600" dirty="0">
@@ -7583,7 +9593,41 @@
                 <a:cs typeface="Times New Roman" panose="02020603050405020304" pitchFamily="18" charset="0"/>
                 <a:sym typeface="+mn-ea"/>
               </a:rPr>
-              <a:t>The blind people cannot use the elevator easily. It is difficult to use the keypad if they cannot see it. Sometimes the keypad has Braille technique, but they will have hard time for locating its place. Even though they found the keypad, how can they know the number if they do not know Braille? The struggle of the blind people using elevators is real. They always need help in elevators from someone to press the button for them and to tell them when the elevator cabin arrives. Also, it is hard for them to know the elevator door is opening or closing. Not that only, but in case of emergency how they will act if there is no one with them to help . So voice-controlled elevator can be a very good option for this people. One more drawback of the current lift is that it cannot tell on which floor the lift is stuck, nor the parameters like temperature of motor, fire detection inside the lift.But by using this voice operated lift we can solve all these problems. Also there is need toobserve real-time status of lift parameters.</a:t>
+              <a:t>The visually challenged people cannot use the elevator easily. It is difficult to use the keypad if they cannot see it. Sometimes the keypad has Braille technique, but they will have hard time for locating its place. Even though they found the keypad, how can they know the number if they do not know Braille? </a:t>
+            </a:r>
+          </a:p>
+          <a:p>
+            <a:pPr marL="285750" indent="-285750" algn="just">
+              <a:lnSpc>
+                <a:spcPct val="130000"/>
+              </a:lnSpc>
+              <a:buFont typeface="Arial" panose="020B0604020202020204" pitchFamily="34" charset="0"/>
+              <a:buChar char="•"/>
+            </a:pPr>
+            <a:r>
+              <a:rPr lang="en-US" sz="1600" dirty="0">
+                <a:latin typeface="Times New Roman" panose="02020603050405020304" pitchFamily="18" charset="0"/>
+                <a:cs typeface="Times New Roman" panose="02020603050405020304" pitchFamily="18" charset="0"/>
+                <a:sym typeface="+mn-ea"/>
+              </a:rPr>
+              <a:t>They always need help in elevators from someone to press the button for them and to tell them when the elevator cabin arrives. In case of emergency how they will act if there is no one with them to help . So voice-controlled elevator can be a very good option for this people. </a:t>
+            </a:r>
+          </a:p>
+          <a:p>
+            <a:pPr marL="285750" indent="-285750" algn="just">
+              <a:lnSpc>
+                <a:spcPct val="130000"/>
+              </a:lnSpc>
+              <a:buFont typeface="Arial" panose="020B0604020202020204" pitchFamily="34" charset="0"/>
+              <a:buChar char="•"/>
+            </a:pPr>
+            <a:r>
+              <a:rPr lang="en-US" sz="1600" dirty="0">
+                <a:latin typeface="Times New Roman" panose="02020603050405020304" pitchFamily="18" charset="0"/>
+                <a:cs typeface="Times New Roman" panose="02020603050405020304" pitchFamily="18" charset="0"/>
+                <a:sym typeface="+mn-ea"/>
+              </a:rPr>
+              <a:t>One more drawback of the current lift is that it cannot tell on which floor the lift is stuck, nor the parameters like temperature of motor, fire detection inside the lift. But by using this voice operated lift we can solve all these problems.</a:t>
             </a:r>
             <a:endParaRPr lang="en-US" sz="1600" dirty="0">
               <a:latin typeface="Times New Roman" panose="02020603050405020304" pitchFamily="18" charset="0"/>
@@ -7707,21 +9751,7 @@
                 <a:latin typeface="Times New Roman" panose="02020603050405020304" pitchFamily="18" charset="0"/>
                 <a:cs typeface="Times New Roman" panose="02020603050405020304" pitchFamily="18" charset="0"/>
               </a:rPr>
-              <a:t>most of the physically &amp; visually disabled people find it difficult to operate the elevator. Also modern elevators lacks features such as voice recognition and also its connectivity with the internet for </a:t>
-            </a:r>
-            <a:r>
-              <a:rPr lang="en-IN" sz="1600" dirty="0" err="1">
-                <a:latin typeface="Times New Roman" panose="02020603050405020304" pitchFamily="18" charset="0"/>
-                <a:cs typeface="Times New Roman" panose="02020603050405020304" pitchFamily="18" charset="0"/>
-              </a:rPr>
-              <a:t>realtime</a:t>
-            </a:r>
-            <a:r>
-              <a:rPr lang="en-IN" sz="1600" dirty="0">
-                <a:latin typeface="Times New Roman" panose="02020603050405020304" pitchFamily="18" charset="0"/>
-                <a:cs typeface="Times New Roman" panose="02020603050405020304" pitchFamily="18" charset="0"/>
-              </a:rPr>
-              <a:t> parameters and controlling the elevator.</a:t>
+              <a:t>most of the physically challenged people find it difficult to operate the elevator. Also modern elevators lacks features such as voice recognition and also its connectivity with the internet for real-time parameters and controlling the elevator.</a:t>
             </a:r>
           </a:p>
           <a:p>
@@ -7753,21 +9783,7 @@
                 <a:latin typeface="Times New Roman" panose="02020603050405020304" pitchFamily="18" charset="0"/>
                 <a:cs typeface="Times New Roman" panose="02020603050405020304" pitchFamily="18" charset="0"/>
               </a:rPr>
-              <a:t>Also send all this info in </a:t>
-            </a:r>
-            <a:r>
-              <a:rPr lang="en-IN" sz="1600" dirty="0" err="1">
-                <a:latin typeface="Times New Roman" panose="02020603050405020304" pitchFamily="18" charset="0"/>
-                <a:cs typeface="Times New Roman" panose="02020603050405020304" pitchFamily="18" charset="0"/>
-              </a:rPr>
-              <a:t>realtime</a:t>
-            </a:r>
-            <a:r>
-              <a:rPr lang="en-IN" sz="1600" dirty="0">
-                <a:latin typeface="Times New Roman" panose="02020603050405020304" pitchFamily="18" charset="0"/>
-                <a:cs typeface="Times New Roman" panose="02020603050405020304" pitchFamily="18" charset="0"/>
-              </a:rPr>
-              <a:t> to the web server for accessing it over internet.</a:t>
+              <a:t>Also send all this info in real-time to the web server for accessing it over internet.</a:t>
             </a:r>
           </a:p>
         </p:txBody>
@@ -7809,8 +9825,8 @@
         </p:nvSpPr>
         <p:spPr>
           <a:xfrm>
-            <a:off x="152400" y="1209312"/>
-            <a:ext cx="8991600" cy="1447800"/>
+            <a:off x="495300" y="1022679"/>
+            <a:ext cx="8267700" cy="882321"/>
           </a:xfrm>
         </p:spPr>
         <p:txBody>
@@ -7834,24 +9850,14 @@
               <a:rPr lang="en-US" sz="1600" dirty="0">
                 <a:latin typeface="Times New Roman" panose="02020603050405020304" pitchFamily="18" charset="0"/>
                 <a:cs typeface="Times New Roman" panose="02020603050405020304" pitchFamily="18" charset="0"/>
-              </a:rPr>
-              <a:t>	</a:t>
-            </a:r>
-            <a:r>
-              <a:rPr lang="en-US" sz="1600" dirty="0">
-                <a:latin typeface="Times New Roman" panose="02020603050405020304" pitchFamily="18" charset="0"/>
-                <a:cs typeface="Times New Roman" panose="02020603050405020304" pitchFamily="18" charset="0"/>
                 <a:sym typeface="+mn-ea"/>
               </a:rPr>
               <a:t>Design and development of a voice-controlled lift/elevator control system with enhanced security features for human-machine communication.</a:t>
             </a:r>
-            <a:r>
-              <a:rPr lang="en-US" sz="1600" cap="none" dirty="0">
-                <a:latin typeface="Times New Roman" panose="02020603050405020304" pitchFamily="18" charset="0"/>
-                <a:cs typeface="Times New Roman" panose="02020603050405020304" pitchFamily="18" charset="0"/>
-              </a:rPr>
-              <a:t> </a:t>
-            </a:r>
+            <a:endParaRPr lang="en-US" sz="1600" cap="none" dirty="0">
+              <a:latin typeface="Times New Roman" panose="02020603050405020304" pitchFamily="18" charset="0"/>
+              <a:cs typeface="Times New Roman" panose="02020603050405020304" pitchFamily="18" charset="0"/>
+            </a:endParaRPr>
           </a:p>
         </p:txBody>
       </p:sp>
@@ -7864,7 +9870,7 @@
         <p:spPr>
           <a:xfrm>
             <a:off x="152400" y="534889"/>
-            <a:ext cx="2687595" cy="677108"/>
+            <a:ext cx="2687595" cy="400110"/>
           </a:xfrm>
           <a:prstGeom prst="rect">
             <a:avLst/>
@@ -7906,9 +9912,6 @@
               <a:cs typeface="Times New Roman" panose="02020603050405020304" pitchFamily="18" charset="0"/>
             </a:endParaRPr>
           </a:p>
-          <a:p>
-            <a:endParaRPr lang="en-IN" dirty="0"/>
-          </a:p>
         </p:txBody>
       </p:sp>
       <p:sp>
@@ -7919,7 +9922,7 @@
         </p:nvSpPr>
         <p:spPr>
           <a:xfrm>
-            <a:off x="152400" y="3331535"/>
+            <a:off x="495300" y="3253091"/>
             <a:ext cx="8153400" cy="2306955"/>
           </a:xfrm>
           <a:prstGeom prst="rect">
@@ -8108,14 +10111,14 @@
           <p:nvPr>
             <p:extLst>
               <p:ext uri="{D42A27DB-BD31-4B8C-83A1-F6EECF244321}">
-                <p14:modId xmlns:p14="http://schemas.microsoft.com/office/powerpoint/2010/main" val="1337527151"/>
+                <p14:modId xmlns:p14="http://schemas.microsoft.com/office/powerpoint/2010/main" val="888007240"/>
               </p:ext>
             </p:extLst>
           </p:nvPr>
         </p:nvGraphicFramePr>
         <p:xfrm>
           <a:off x="457200" y="990600"/>
-          <a:ext cx="8229600" cy="5007928"/>
+          <a:ext cx="8229600" cy="5012246"/>
         </p:xfrm>
         <a:graphic>
           <a:graphicData uri="http://schemas.openxmlformats.org/drawingml/2006/table">
@@ -8175,7 +10178,44 @@
                       </a:r>
                     </a:p>
                   </a:txBody>
-                  <a:tcPr/>
+                  <a:tcPr>
+                    <a:lnL w="12700" cap="flat" cmpd="sng" algn="ctr">
+                      <a:solidFill>
+                        <a:schemeClr val="tx1"/>
+                      </a:solidFill>
+                      <a:prstDash val="solid"/>
+                      <a:round/>
+                      <a:headEnd type="none" w="med" len="med"/>
+                      <a:tailEnd type="none" w="med" len="med"/>
+                    </a:lnL>
+                    <a:lnR w="12700" cap="flat" cmpd="sng" algn="ctr">
+                      <a:solidFill>
+                        <a:schemeClr val="tx1"/>
+                      </a:solidFill>
+                      <a:prstDash val="solid"/>
+                      <a:round/>
+                      <a:headEnd type="none" w="med" len="med"/>
+                      <a:tailEnd type="none" w="med" len="med"/>
+                    </a:lnR>
+                    <a:lnT w="12700" cap="flat" cmpd="sng" algn="ctr">
+                      <a:solidFill>
+                        <a:schemeClr val="tx1"/>
+                      </a:solidFill>
+                      <a:prstDash val="solid"/>
+                      <a:round/>
+                      <a:headEnd type="none" w="med" len="med"/>
+                      <a:tailEnd type="none" w="med" len="med"/>
+                    </a:lnT>
+                    <a:lnB w="12700" cap="flat" cmpd="sng" algn="ctr">
+                      <a:solidFill>
+                        <a:schemeClr val="tx1"/>
+                      </a:solidFill>
+                      <a:prstDash val="solid"/>
+                      <a:round/>
+                      <a:headEnd type="none" w="med" len="med"/>
+                      <a:tailEnd type="none" w="med" len="med"/>
+                    </a:lnB>
+                  </a:tcPr>
                 </a:tc>
                 <a:tc>
                   <a:txBody>
@@ -8191,7 +10231,44 @@
                       </a:r>
                     </a:p>
                   </a:txBody>
-                  <a:tcPr/>
+                  <a:tcPr>
+                    <a:lnL w="12700" cap="flat" cmpd="sng" algn="ctr">
+                      <a:solidFill>
+                        <a:schemeClr val="tx1"/>
+                      </a:solidFill>
+                      <a:prstDash val="solid"/>
+                      <a:round/>
+                      <a:headEnd type="none" w="med" len="med"/>
+                      <a:tailEnd type="none" w="med" len="med"/>
+                    </a:lnL>
+                    <a:lnR w="12700" cap="flat" cmpd="sng" algn="ctr">
+                      <a:solidFill>
+                        <a:schemeClr val="tx1"/>
+                      </a:solidFill>
+                      <a:prstDash val="solid"/>
+                      <a:round/>
+                      <a:headEnd type="none" w="med" len="med"/>
+                      <a:tailEnd type="none" w="med" len="med"/>
+                    </a:lnR>
+                    <a:lnT w="12700" cap="flat" cmpd="sng" algn="ctr">
+                      <a:solidFill>
+                        <a:schemeClr val="tx1"/>
+                      </a:solidFill>
+                      <a:prstDash val="solid"/>
+                      <a:round/>
+                      <a:headEnd type="none" w="med" len="med"/>
+                      <a:tailEnd type="none" w="med" len="med"/>
+                    </a:lnT>
+                    <a:lnB w="12700" cap="flat" cmpd="sng" algn="ctr">
+                      <a:solidFill>
+                        <a:schemeClr val="tx1"/>
+                      </a:solidFill>
+                      <a:prstDash val="solid"/>
+                      <a:round/>
+                      <a:headEnd type="none" w="med" len="med"/>
+                      <a:tailEnd type="none" w="med" len="med"/>
+                    </a:lnB>
+                  </a:tcPr>
                 </a:tc>
                 <a:tc>
                   <a:txBody>
@@ -8207,7 +10284,44 @@
                       </a:r>
                     </a:p>
                   </a:txBody>
-                  <a:tcPr/>
+                  <a:tcPr>
+                    <a:lnL w="12700" cap="flat" cmpd="sng" algn="ctr">
+                      <a:solidFill>
+                        <a:schemeClr val="tx1"/>
+                      </a:solidFill>
+                      <a:prstDash val="solid"/>
+                      <a:round/>
+                      <a:headEnd type="none" w="med" len="med"/>
+                      <a:tailEnd type="none" w="med" len="med"/>
+                    </a:lnL>
+                    <a:lnR w="12700" cap="flat" cmpd="sng" algn="ctr">
+                      <a:solidFill>
+                        <a:schemeClr val="tx1"/>
+                      </a:solidFill>
+                      <a:prstDash val="solid"/>
+                      <a:round/>
+                      <a:headEnd type="none" w="med" len="med"/>
+                      <a:tailEnd type="none" w="med" len="med"/>
+                    </a:lnR>
+                    <a:lnT w="12700" cap="flat" cmpd="sng" algn="ctr">
+                      <a:solidFill>
+                        <a:schemeClr val="tx1"/>
+                      </a:solidFill>
+                      <a:prstDash val="solid"/>
+                      <a:round/>
+                      <a:headEnd type="none" w="med" len="med"/>
+                      <a:tailEnd type="none" w="med" len="med"/>
+                    </a:lnT>
+                    <a:lnB w="12700" cap="flat" cmpd="sng" algn="ctr">
+                      <a:solidFill>
+                        <a:schemeClr val="tx1"/>
+                      </a:solidFill>
+                      <a:prstDash val="solid"/>
+                      <a:round/>
+                      <a:headEnd type="none" w="med" len="med"/>
+                      <a:tailEnd type="none" w="med" len="med"/>
+                    </a:lnB>
+                  </a:tcPr>
                 </a:tc>
                 <a:tc>
                   <a:txBody>
@@ -8237,7 +10351,44 @@
                       </a:r>
                     </a:p>
                   </a:txBody>
-                  <a:tcPr/>
+                  <a:tcPr>
+                    <a:lnL w="12700" cap="flat" cmpd="sng" algn="ctr">
+                      <a:solidFill>
+                        <a:schemeClr val="tx1"/>
+                      </a:solidFill>
+                      <a:prstDash val="solid"/>
+                      <a:round/>
+                      <a:headEnd type="none" w="med" len="med"/>
+                      <a:tailEnd type="none" w="med" len="med"/>
+                    </a:lnL>
+                    <a:lnR w="12700" cap="flat" cmpd="sng" algn="ctr">
+                      <a:solidFill>
+                        <a:schemeClr val="tx1"/>
+                      </a:solidFill>
+                      <a:prstDash val="solid"/>
+                      <a:round/>
+                      <a:headEnd type="none" w="med" len="med"/>
+                      <a:tailEnd type="none" w="med" len="med"/>
+                    </a:lnR>
+                    <a:lnT w="12700" cap="flat" cmpd="sng" algn="ctr">
+                      <a:solidFill>
+                        <a:schemeClr val="tx1"/>
+                      </a:solidFill>
+                      <a:prstDash val="solid"/>
+                      <a:round/>
+                      <a:headEnd type="none" w="med" len="med"/>
+                      <a:tailEnd type="none" w="med" len="med"/>
+                    </a:lnT>
+                    <a:lnB w="12700" cap="flat" cmpd="sng" algn="ctr">
+                      <a:solidFill>
+                        <a:schemeClr val="tx1"/>
+                      </a:solidFill>
+                      <a:prstDash val="solid"/>
+                      <a:round/>
+                      <a:headEnd type="none" w="med" len="med"/>
+                      <a:tailEnd type="none" w="med" len="med"/>
+                    </a:lnB>
+                  </a:tcPr>
                 </a:tc>
                 <a:tc>
                   <a:txBody>
@@ -8264,7 +10415,44 @@
                       </a:endParaRPr>
                     </a:p>
                   </a:txBody>
-                  <a:tcPr/>
+                  <a:tcPr>
+                    <a:lnL w="12700" cap="flat" cmpd="sng" algn="ctr">
+                      <a:solidFill>
+                        <a:schemeClr val="tx1"/>
+                      </a:solidFill>
+                      <a:prstDash val="solid"/>
+                      <a:round/>
+                      <a:headEnd type="none" w="med" len="med"/>
+                      <a:tailEnd type="none" w="med" len="med"/>
+                    </a:lnL>
+                    <a:lnR w="12700" cap="flat" cmpd="sng" algn="ctr">
+                      <a:solidFill>
+                        <a:schemeClr val="tx1"/>
+                      </a:solidFill>
+                      <a:prstDash val="solid"/>
+                      <a:round/>
+                      <a:headEnd type="none" w="med" len="med"/>
+                      <a:tailEnd type="none" w="med" len="med"/>
+                    </a:lnR>
+                    <a:lnT w="12700" cap="flat" cmpd="sng" algn="ctr">
+                      <a:solidFill>
+                        <a:schemeClr val="tx1"/>
+                      </a:solidFill>
+                      <a:prstDash val="solid"/>
+                      <a:round/>
+                      <a:headEnd type="none" w="med" len="med"/>
+                      <a:tailEnd type="none" w="med" len="med"/>
+                    </a:lnT>
+                    <a:lnB w="12700" cap="flat" cmpd="sng" algn="ctr">
+                      <a:solidFill>
+                        <a:schemeClr val="tx1"/>
+                      </a:solidFill>
+                      <a:prstDash val="solid"/>
+                      <a:round/>
+                      <a:headEnd type="none" w="med" len="med"/>
+                      <a:tailEnd type="none" w="med" len="med"/>
+                    </a:lnB>
+                  </a:tcPr>
                 </a:tc>
                 <a:extLst>
                   <a:ext uri="{0D108BD9-81ED-4DB2-BD59-A6C34878D82A}">
@@ -8287,7 +10475,44 @@
                       </a:r>
                     </a:p>
                   </a:txBody>
-                  <a:tcPr/>
+                  <a:tcPr>
+                    <a:lnL w="12700" cap="flat" cmpd="sng" algn="ctr">
+                      <a:solidFill>
+                        <a:schemeClr val="tx1"/>
+                      </a:solidFill>
+                      <a:prstDash val="solid"/>
+                      <a:round/>
+                      <a:headEnd type="none" w="med" len="med"/>
+                      <a:tailEnd type="none" w="med" len="med"/>
+                    </a:lnL>
+                    <a:lnR w="12700" cap="flat" cmpd="sng" algn="ctr">
+                      <a:solidFill>
+                        <a:schemeClr val="tx1"/>
+                      </a:solidFill>
+                      <a:prstDash val="solid"/>
+                      <a:round/>
+                      <a:headEnd type="none" w="med" len="med"/>
+                      <a:tailEnd type="none" w="med" len="med"/>
+                    </a:lnR>
+                    <a:lnT w="12700" cap="flat" cmpd="sng" algn="ctr">
+                      <a:solidFill>
+                        <a:schemeClr val="tx1"/>
+                      </a:solidFill>
+                      <a:prstDash val="solid"/>
+                      <a:round/>
+                      <a:headEnd type="none" w="med" len="med"/>
+                      <a:tailEnd type="none" w="med" len="med"/>
+                    </a:lnT>
+                    <a:lnB w="12700" cap="flat" cmpd="sng" algn="ctr">
+                      <a:solidFill>
+                        <a:schemeClr val="tx1"/>
+                      </a:solidFill>
+                      <a:prstDash val="solid"/>
+                      <a:round/>
+                      <a:headEnd type="none" w="med" len="med"/>
+                      <a:tailEnd type="none" w="med" len="med"/>
+                    </a:lnB>
+                  </a:tcPr>
                 </a:tc>
                 <a:tc>
                   <a:txBody>
@@ -8319,7 +10544,44 @@
                       </a:endParaRPr>
                     </a:p>
                   </a:txBody>
-                  <a:tcPr marL="68580" marR="68580" marT="0" marB="0"/>
+                  <a:tcPr marL="68580" marR="68580" marT="0" marB="0">
+                    <a:lnL w="12700" cap="flat" cmpd="sng" algn="ctr">
+                      <a:solidFill>
+                        <a:schemeClr val="tx1"/>
+                      </a:solidFill>
+                      <a:prstDash val="solid"/>
+                      <a:round/>
+                      <a:headEnd type="none" w="med" len="med"/>
+                      <a:tailEnd type="none" w="med" len="med"/>
+                    </a:lnL>
+                    <a:lnR w="12700" cap="flat" cmpd="sng" algn="ctr">
+                      <a:solidFill>
+                        <a:schemeClr val="tx1"/>
+                      </a:solidFill>
+                      <a:prstDash val="solid"/>
+                      <a:round/>
+                      <a:headEnd type="none" w="med" len="med"/>
+                      <a:tailEnd type="none" w="med" len="med"/>
+                    </a:lnR>
+                    <a:lnT w="12700" cap="flat" cmpd="sng" algn="ctr">
+                      <a:solidFill>
+                        <a:schemeClr val="tx1"/>
+                      </a:solidFill>
+                      <a:prstDash val="solid"/>
+                      <a:round/>
+                      <a:headEnd type="none" w="med" len="med"/>
+                      <a:tailEnd type="none" w="med" len="med"/>
+                    </a:lnT>
+                    <a:lnB w="12700" cap="flat" cmpd="sng" algn="ctr">
+                      <a:solidFill>
+                        <a:schemeClr val="tx1"/>
+                      </a:solidFill>
+                      <a:prstDash val="solid"/>
+                      <a:round/>
+                      <a:headEnd type="none" w="med" len="med"/>
+                      <a:tailEnd type="none" w="med" len="med"/>
+                    </a:lnB>
+                  </a:tcPr>
                 </a:tc>
                 <a:tc>
                   <a:txBody>
@@ -8341,61 +10603,7 @@
                           <a:ea typeface="Calibri" panose="020F0502020204030204" pitchFamily="34" charset="0"/>
                           <a:cs typeface="Times New Roman" panose="02020603050405020304" pitchFamily="18" charset="0"/>
                         </a:rPr>
-                        <a:t>Komal Mahajan, Riddhi Nahar, Dhanali </a:t>
-                      </a:r>
-                      <a:r>
-                        <a:rPr lang="en-US" sz="1400" dirty="0" err="1">
-                          <a:effectLst/>
-                          <a:latin typeface="Times New Roman" panose="02020603050405020304" pitchFamily="18" charset="0"/>
-                          <a:ea typeface="Calibri" panose="020F0502020204030204" pitchFamily="34" charset="0"/>
-                          <a:cs typeface="Times New Roman" panose="02020603050405020304" pitchFamily="18" charset="0"/>
-                        </a:rPr>
-                        <a:t>Khairnar</a:t>
-                      </a:r>
-                      <a:r>
-                        <a:rPr lang="en-US" sz="1400" dirty="0">
-                          <a:effectLst/>
-                          <a:latin typeface="Times New Roman" panose="02020603050405020304" pitchFamily="18" charset="0"/>
-                          <a:ea typeface="Calibri" panose="020F0502020204030204" pitchFamily="34" charset="0"/>
-                          <a:cs typeface="Times New Roman" panose="02020603050405020304" pitchFamily="18" charset="0"/>
-                        </a:rPr>
-                        <a:t>, </a:t>
-                      </a:r>
-                      <a:r>
-                        <a:rPr lang="en-US" sz="1400" dirty="0" err="1">
-                          <a:effectLst/>
-                          <a:latin typeface="Times New Roman" panose="02020603050405020304" pitchFamily="18" charset="0"/>
-                          <a:ea typeface="Calibri" panose="020F0502020204030204" pitchFamily="34" charset="0"/>
-                          <a:cs typeface="Times New Roman" panose="02020603050405020304" pitchFamily="18" charset="0"/>
-                        </a:rPr>
-                        <a:t>Shrutika</a:t>
-                      </a:r>
-                      <a:r>
-                        <a:rPr lang="en-US" sz="1400" dirty="0">
-                          <a:effectLst/>
-                          <a:latin typeface="Times New Roman" panose="02020603050405020304" pitchFamily="18" charset="0"/>
-                          <a:ea typeface="Calibri" panose="020F0502020204030204" pitchFamily="34" charset="0"/>
-                          <a:cs typeface="Times New Roman" panose="02020603050405020304" pitchFamily="18" charset="0"/>
-                        </a:rPr>
-                        <a:t> </a:t>
-                      </a:r>
-                      <a:r>
-                        <a:rPr lang="en-US" sz="1400" dirty="0" err="1">
-                          <a:effectLst/>
-                          <a:latin typeface="Times New Roman" panose="02020603050405020304" pitchFamily="18" charset="0"/>
-                          <a:ea typeface="Calibri" panose="020F0502020204030204" pitchFamily="34" charset="0"/>
-                          <a:cs typeface="Times New Roman" panose="02020603050405020304" pitchFamily="18" charset="0"/>
-                        </a:rPr>
-                        <a:t>Kinge</a:t>
-                      </a:r>
-                      <a:r>
-                        <a:rPr lang="en-US" sz="1400" dirty="0">
-                          <a:effectLst/>
-                          <a:latin typeface="Times New Roman" panose="02020603050405020304" pitchFamily="18" charset="0"/>
-                          <a:ea typeface="Calibri" panose="020F0502020204030204" pitchFamily="34" charset="0"/>
-                          <a:cs typeface="Times New Roman" panose="02020603050405020304" pitchFamily="18" charset="0"/>
-                        </a:rPr>
-                        <a:t>, Sujata Suryawanshi</a:t>
+                        <a:t>Komal Mahajan, Riddhi Nahar, Dhanali Khairnar, Shrutika Kinge, Sujata Suryawanshi</a:t>
                       </a:r>
                       <a:endParaRPr lang="en-IN" sz="1400" dirty="0">
                         <a:effectLst/>
@@ -8405,7 +10613,44 @@
                       </a:endParaRPr>
                     </a:p>
                   </a:txBody>
-                  <a:tcPr marL="68580" marR="68580" marT="0" marB="0"/>
+                  <a:tcPr marL="68580" marR="68580" marT="0" marB="0">
+                    <a:lnL w="12700" cap="flat" cmpd="sng" algn="ctr">
+                      <a:solidFill>
+                        <a:schemeClr val="tx1"/>
+                      </a:solidFill>
+                      <a:prstDash val="solid"/>
+                      <a:round/>
+                      <a:headEnd type="none" w="med" len="med"/>
+                      <a:tailEnd type="none" w="med" len="med"/>
+                    </a:lnL>
+                    <a:lnR w="12700" cap="flat" cmpd="sng" algn="ctr">
+                      <a:solidFill>
+                        <a:schemeClr val="tx1"/>
+                      </a:solidFill>
+                      <a:prstDash val="solid"/>
+                      <a:round/>
+                      <a:headEnd type="none" w="med" len="med"/>
+                      <a:tailEnd type="none" w="med" len="med"/>
+                    </a:lnR>
+                    <a:lnT w="12700" cap="flat" cmpd="sng" algn="ctr">
+                      <a:solidFill>
+                        <a:schemeClr val="tx1"/>
+                      </a:solidFill>
+                      <a:prstDash val="solid"/>
+                      <a:round/>
+                      <a:headEnd type="none" w="med" len="med"/>
+                      <a:tailEnd type="none" w="med" len="med"/>
+                    </a:lnT>
+                    <a:lnB w="12700" cap="flat" cmpd="sng" algn="ctr">
+                      <a:solidFill>
+                        <a:schemeClr val="tx1"/>
+                      </a:solidFill>
+                      <a:prstDash val="solid"/>
+                      <a:round/>
+                      <a:headEnd type="none" w="med" len="med"/>
+                      <a:tailEnd type="none" w="med" len="med"/>
+                    </a:lnB>
+                  </a:tcPr>
                 </a:tc>
                 <a:tc>
                   <a:txBody>
@@ -8437,7 +10682,44 @@
                       </a:endParaRPr>
                     </a:p>
                   </a:txBody>
-                  <a:tcPr marL="68580" marR="68580" marT="0" marB="0"/>
+                  <a:tcPr marL="68580" marR="68580" marT="0" marB="0">
+                    <a:lnL w="12700" cap="flat" cmpd="sng" algn="ctr">
+                      <a:solidFill>
+                        <a:schemeClr val="tx1"/>
+                      </a:solidFill>
+                      <a:prstDash val="solid"/>
+                      <a:round/>
+                      <a:headEnd type="none" w="med" len="med"/>
+                      <a:tailEnd type="none" w="med" len="med"/>
+                    </a:lnL>
+                    <a:lnR w="12700" cap="flat" cmpd="sng" algn="ctr">
+                      <a:solidFill>
+                        <a:schemeClr val="tx1"/>
+                      </a:solidFill>
+                      <a:prstDash val="solid"/>
+                      <a:round/>
+                      <a:headEnd type="none" w="med" len="med"/>
+                      <a:tailEnd type="none" w="med" len="med"/>
+                    </a:lnR>
+                    <a:lnT w="12700" cap="flat" cmpd="sng" algn="ctr">
+                      <a:solidFill>
+                        <a:schemeClr val="tx1"/>
+                      </a:solidFill>
+                      <a:prstDash val="solid"/>
+                      <a:round/>
+                      <a:headEnd type="none" w="med" len="med"/>
+                      <a:tailEnd type="none" w="med" len="med"/>
+                    </a:lnT>
+                    <a:lnB w="12700" cap="flat" cmpd="sng" algn="ctr">
+                      <a:solidFill>
+                        <a:schemeClr val="tx1"/>
+                      </a:solidFill>
+                      <a:prstDash val="solid"/>
+                      <a:round/>
+                      <a:headEnd type="none" w="med" len="med"/>
+                      <a:tailEnd type="none" w="med" len="med"/>
+                    </a:lnB>
+                  </a:tcPr>
                 </a:tc>
                 <a:tc>
                   <a:txBody>
@@ -8464,7 +10746,44 @@
                       </a:endParaRPr>
                     </a:p>
                   </a:txBody>
-                  <a:tcPr marL="68580" marR="68580" marT="0" marB="0"/>
+                  <a:tcPr marL="68580" marR="68580" marT="0" marB="0">
+                    <a:lnL w="12700" cap="flat" cmpd="sng" algn="ctr">
+                      <a:solidFill>
+                        <a:schemeClr val="tx1"/>
+                      </a:solidFill>
+                      <a:prstDash val="solid"/>
+                      <a:round/>
+                      <a:headEnd type="none" w="med" len="med"/>
+                      <a:tailEnd type="none" w="med" len="med"/>
+                    </a:lnL>
+                    <a:lnR w="12700" cap="flat" cmpd="sng" algn="ctr">
+                      <a:solidFill>
+                        <a:schemeClr val="tx1"/>
+                      </a:solidFill>
+                      <a:prstDash val="solid"/>
+                      <a:round/>
+                      <a:headEnd type="none" w="med" len="med"/>
+                      <a:tailEnd type="none" w="med" len="med"/>
+                    </a:lnR>
+                    <a:lnT w="12700" cap="flat" cmpd="sng" algn="ctr">
+                      <a:solidFill>
+                        <a:schemeClr val="tx1"/>
+                      </a:solidFill>
+                      <a:prstDash val="solid"/>
+                      <a:round/>
+                      <a:headEnd type="none" w="med" len="med"/>
+                      <a:tailEnd type="none" w="med" len="med"/>
+                    </a:lnT>
+                    <a:lnB w="12700" cap="flat" cmpd="sng" algn="ctr">
+                      <a:solidFill>
+                        <a:schemeClr val="tx1"/>
+                      </a:solidFill>
+                      <a:prstDash val="solid"/>
+                      <a:round/>
+                      <a:headEnd type="none" w="med" len="med"/>
+                      <a:tailEnd type="none" w="med" len="med"/>
+                    </a:lnB>
+                  </a:tcPr>
                 </a:tc>
                 <a:extLst>
                   <a:ext uri="{0D108BD9-81ED-4DB2-BD59-A6C34878D82A}">
@@ -8484,7 +10803,7 @@
         </p:nvSpPr>
         <p:spPr>
           <a:xfrm>
-            <a:off x="0" y="76200"/>
+            <a:off x="454891" y="150581"/>
             <a:ext cx="9144000" cy="707886"/>
           </a:xfrm>
           <a:prstGeom prst="rect">
@@ -8543,7 +10862,7 @@
           <p:nvPr>
             <p:extLst>
               <p:ext uri="{D42A27DB-BD31-4B8C-83A1-F6EECF244321}">
-                <p14:modId xmlns:p14="http://schemas.microsoft.com/office/powerpoint/2010/main" val="780665615"/>
+                <p14:modId xmlns:p14="http://schemas.microsoft.com/office/powerpoint/2010/main" val="2839822897"/>
               </p:ext>
             </p:extLst>
           </p:nvPr>
@@ -8610,7 +10929,44 @@
                       </a:r>
                     </a:p>
                   </a:txBody>
-                  <a:tcPr/>
+                  <a:tcPr>
+                    <a:lnL w="12700" cap="flat" cmpd="sng" algn="ctr">
+                      <a:solidFill>
+                        <a:schemeClr val="tx1"/>
+                      </a:solidFill>
+                      <a:prstDash val="solid"/>
+                      <a:round/>
+                      <a:headEnd type="none" w="med" len="med"/>
+                      <a:tailEnd type="none" w="med" len="med"/>
+                    </a:lnL>
+                    <a:lnR w="12700" cap="flat" cmpd="sng" algn="ctr">
+                      <a:solidFill>
+                        <a:schemeClr val="tx1"/>
+                      </a:solidFill>
+                      <a:prstDash val="solid"/>
+                      <a:round/>
+                      <a:headEnd type="none" w="med" len="med"/>
+                      <a:tailEnd type="none" w="med" len="med"/>
+                    </a:lnR>
+                    <a:lnT w="12700" cap="flat" cmpd="sng" algn="ctr">
+                      <a:solidFill>
+                        <a:schemeClr val="tx1"/>
+                      </a:solidFill>
+                      <a:prstDash val="solid"/>
+                      <a:round/>
+                      <a:headEnd type="none" w="med" len="med"/>
+                      <a:tailEnd type="none" w="med" len="med"/>
+                    </a:lnT>
+                    <a:lnB w="12700" cap="flat" cmpd="sng" algn="ctr">
+                      <a:solidFill>
+                        <a:schemeClr val="tx1"/>
+                      </a:solidFill>
+                      <a:prstDash val="solid"/>
+                      <a:round/>
+                      <a:headEnd type="none" w="med" len="med"/>
+                      <a:tailEnd type="none" w="med" len="med"/>
+                    </a:lnB>
+                  </a:tcPr>
                 </a:tc>
                 <a:tc>
                   <a:txBody>
@@ -8626,7 +10982,44 @@
                       </a:r>
                     </a:p>
                   </a:txBody>
-                  <a:tcPr/>
+                  <a:tcPr>
+                    <a:lnL w="12700" cap="flat" cmpd="sng" algn="ctr">
+                      <a:solidFill>
+                        <a:schemeClr val="tx1"/>
+                      </a:solidFill>
+                      <a:prstDash val="solid"/>
+                      <a:round/>
+                      <a:headEnd type="none" w="med" len="med"/>
+                      <a:tailEnd type="none" w="med" len="med"/>
+                    </a:lnL>
+                    <a:lnR w="12700" cap="flat" cmpd="sng" algn="ctr">
+                      <a:solidFill>
+                        <a:schemeClr val="tx1"/>
+                      </a:solidFill>
+                      <a:prstDash val="solid"/>
+                      <a:round/>
+                      <a:headEnd type="none" w="med" len="med"/>
+                      <a:tailEnd type="none" w="med" len="med"/>
+                    </a:lnR>
+                    <a:lnT w="12700" cap="flat" cmpd="sng" algn="ctr">
+                      <a:solidFill>
+                        <a:schemeClr val="tx1"/>
+                      </a:solidFill>
+                      <a:prstDash val="solid"/>
+                      <a:round/>
+                      <a:headEnd type="none" w="med" len="med"/>
+                      <a:tailEnd type="none" w="med" len="med"/>
+                    </a:lnT>
+                    <a:lnB w="12700" cap="flat" cmpd="sng" algn="ctr">
+                      <a:solidFill>
+                        <a:schemeClr val="tx1"/>
+                      </a:solidFill>
+                      <a:prstDash val="solid"/>
+                      <a:round/>
+                      <a:headEnd type="none" w="med" len="med"/>
+                      <a:tailEnd type="none" w="med" len="med"/>
+                    </a:lnB>
+                  </a:tcPr>
                 </a:tc>
                 <a:tc>
                   <a:txBody>
@@ -8642,7 +11035,44 @@
                       </a:r>
                     </a:p>
                   </a:txBody>
-                  <a:tcPr/>
+                  <a:tcPr>
+                    <a:lnL w="12700" cap="flat" cmpd="sng" algn="ctr">
+                      <a:solidFill>
+                        <a:schemeClr val="tx1"/>
+                      </a:solidFill>
+                      <a:prstDash val="solid"/>
+                      <a:round/>
+                      <a:headEnd type="none" w="med" len="med"/>
+                      <a:tailEnd type="none" w="med" len="med"/>
+                    </a:lnL>
+                    <a:lnR w="12700" cap="flat" cmpd="sng" algn="ctr">
+                      <a:solidFill>
+                        <a:schemeClr val="tx1"/>
+                      </a:solidFill>
+                      <a:prstDash val="solid"/>
+                      <a:round/>
+                      <a:headEnd type="none" w="med" len="med"/>
+                      <a:tailEnd type="none" w="med" len="med"/>
+                    </a:lnR>
+                    <a:lnT w="12700" cap="flat" cmpd="sng" algn="ctr">
+                      <a:solidFill>
+                        <a:schemeClr val="tx1"/>
+                      </a:solidFill>
+                      <a:prstDash val="solid"/>
+                      <a:round/>
+                      <a:headEnd type="none" w="med" len="med"/>
+                      <a:tailEnd type="none" w="med" len="med"/>
+                    </a:lnT>
+                    <a:lnB w="12700" cap="flat" cmpd="sng" algn="ctr">
+                      <a:solidFill>
+                        <a:schemeClr val="tx1"/>
+                      </a:solidFill>
+                      <a:prstDash val="solid"/>
+                      <a:round/>
+                      <a:headEnd type="none" w="med" len="med"/>
+                      <a:tailEnd type="none" w="med" len="med"/>
+                    </a:lnB>
+                  </a:tcPr>
                 </a:tc>
                 <a:tc>
                   <a:txBody>
@@ -8672,7 +11102,44 @@
                       </a:r>
                     </a:p>
                   </a:txBody>
-                  <a:tcPr/>
+                  <a:tcPr>
+                    <a:lnL w="12700" cap="flat" cmpd="sng" algn="ctr">
+                      <a:solidFill>
+                        <a:schemeClr val="tx1"/>
+                      </a:solidFill>
+                      <a:prstDash val="solid"/>
+                      <a:round/>
+                      <a:headEnd type="none" w="med" len="med"/>
+                      <a:tailEnd type="none" w="med" len="med"/>
+                    </a:lnL>
+                    <a:lnR w="12700" cap="flat" cmpd="sng" algn="ctr">
+                      <a:solidFill>
+                        <a:schemeClr val="tx1"/>
+                      </a:solidFill>
+                      <a:prstDash val="solid"/>
+                      <a:round/>
+                      <a:headEnd type="none" w="med" len="med"/>
+                      <a:tailEnd type="none" w="med" len="med"/>
+                    </a:lnR>
+                    <a:lnT w="12700" cap="flat" cmpd="sng" algn="ctr">
+                      <a:solidFill>
+                        <a:schemeClr val="tx1"/>
+                      </a:solidFill>
+                      <a:prstDash val="solid"/>
+                      <a:round/>
+                      <a:headEnd type="none" w="med" len="med"/>
+                      <a:tailEnd type="none" w="med" len="med"/>
+                    </a:lnT>
+                    <a:lnB w="12700" cap="flat" cmpd="sng" algn="ctr">
+                      <a:solidFill>
+                        <a:schemeClr val="tx1"/>
+                      </a:solidFill>
+                      <a:prstDash val="solid"/>
+                      <a:round/>
+                      <a:headEnd type="none" w="med" len="med"/>
+                      <a:tailEnd type="none" w="med" len="med"/>
+                    </a:lnB>
+                  </a:tcPr>
                 </a:tc>
                 <a:tc>
                   <a:txBody>
@@ -8699,7 +11166,44 @@
                       </a:endParaRPr>
                     </a:p>
                   </a:txBody>
-                  <a:tcPr/>
+                  <a:tcPr>
+                    <a:lnL w="12700" cap="flat" cmpd="sng" algn="ctr">
+                      <a:solidFill>
+                        <a:schemeClr val="tx1"/>
+                      </a:solidFill>
+                      <a:prstDash val="solid"/>
+                      <a:round/>
+                      <a:headEnd type="none" w="med" len="med"/>
+                      <a:tailEnd type="none" w="med" len="med"/>
+                    </a:lnL>
+                    <a:lnR w="12700" cap="flat" cmpd="sng" algn="ctr">
+                      <a:solidFill>
+                        <a:schemeClr val="tx1"/>
+                      </a:solidFill>
+                      <a:prstDash val="solid"/>
+                      <a:round/>
+                      <a:headEnd type="none" w="med" len="med"/>
+                      <a:tailEnd type="none" w="med" len="med"/>
+                    </a:lnR>
+                    <a:lnT w="12700" cap="flat" cmpd="sng" algn="ctr">
+                      <a:solidFill>
+                        <a:schemeClr val="tx1"/>
+                      </a:solidFill>
+                      <a:prstDash val="solid"/>
+                      <a:round/>
+                      <a:headEnd type="none" w="med" len="med"/>
+                      <a:tailEnd type="none" w="med" len="med"/>
+                    </a:lnT>
+                    <a:lnB w="12700" cap="flat" cmpd="sng" algn="ctr">
+                      <a:solidFill>
+                        <a:schemeClr val="tx1"/>
+                      </a:solidFill>
+                      <a:prstDash val="solid"/>
+                      <a:round/>
+                      <a:headEnd type="none" w="med" len="med"/>
+                      <a:tailEnd type="none" w="med" len="med"/>
+                    </a:lnB>
+                  </a:tcPr>
                 </a:tc>
                 <a:extLst>
                   <a:ext uri="{0D108BD9-81ED-4DB2-BD59-A6C34878D82A}">
@@ -8722,7 +11226,44 @@
                       </a:r>
                     </a:p>
                   </a:txBody>
-                  <a:tcPr/>
+                  <a:tcPr>
+                    <a:lnL w="12700" cap="flat" cmpd="sng" algn="ctr">
+                      <a:solidFill>
+                        <a:schemeClr val="tx1"/>
+                      </a:solidFill>
+                      <a:prstDash val="solid"/>
+                      <a:round/>
+                      <a:headEnd type="none" w="med" len="med"/>
+                      <a:tailEnd type="none" w="med" len="med"/>
+                    </a:lnL>
+                    <a:lnR w="12700" cap="flat" cmpd="sng" algn="ctr">
+                      <a:solidFill>
+                        <a:schemeClr val="tx1"/>
+                      </a:solidFill>
+                      <a:prstDash val="solid"/>
+                      <a:round/>
+                      <a:headEnd type="none" w="med" len="med"/>
+                      <a:tailEnd type="none" w="med" len="med"/>
+                    </a:lnR>
+                    <a:lnT w="12700" cap="flat" cmpd="sng" algn="ctr">
+                      <a:solidFill>
+                        <a:schemeClr val="tx1"/>
+                      </a:solidFill>
+                      <a:prstDash val="solid"/>
+                      <a:round/>
+                      <a:headEnd type="none" w="med" len="med"/>
+                      <a:tailEnd type="none" w="med" len="med"/>
+                    </a:lnT>
+                    <a:lnB w="12700" cap="flat" cmpd="sng" algn="ctr">
+                      <a:solidFill>
+                        <a:schemeClr val="tx1"/>
+                      </a:solidFill>
+                      <a:prstDash val="solid"/>
+                      <a:round/>
+                      <a:headEnd type="none" w="med" len="med"/>
+                      <a:tailEnd type="none" w="med" len="med"/>
+                    </a:lnB>
+                  </a:tcPr>
                 </a:tc>
                 <a:tc>
                   <a:txBody>
@@ -8754,7 +11295,44 @@
                       </a:endParaRPr>
                     </a:p>
                   </a:txBody>
-                  <a:tcPr marL="68580" marR="68580" marT="0" marB="0"/>
+                  <a:tcPr marL="68580" marR="68580" marT="0" marB="0">
+                    <a:lnL w="12700" cap="flat" cmpd="sng" algn="ctr">
+                      <a:solidFill>
+                        <a:schemeClr val="tx1"/>
+                      </a:solidFill>
+                      <a:prstDash val="solid"/>
+                      <a:round/>
+                      <a:headEnd type="none" w="med" len="med"/>
+                      <a:tailEnd type="none" w="med" len="med"/>
+                    </a:lnL>
+                    <a:lnR w="12700" cap="flat" cmpd="sng" algn="ctr">
+                      <a:solidFill>
+                        <a:schemeClr val="tx1"/>
+                      </a:solidFill>
+                      <a:prstDash val="solid"/>
+                      <a:round/>
+                      <a:headEnd type="none" w="med" len="med"/>
+                      <a:tailEnd type="none" w="med" len="med"/>
+                    </a:lnR>
+                    <a:lnT w="12700" cap="flat" cmpd="sng" algn="ctr">
+                      <a:solidFill>
+                        <a:schemeClr val="tx1"/>
+                      </a:solidFill>
+                      <a:prstDash val="solid"/>
+                      <a:round/>
+                      <a:headEnd type="none" w="med" len="med"/>
+                      <a:tailEnd type="none" w="med" len="med"/>
+                    </a:lnT>
+                    <a:lnB w="12700" cap="flat" cmpd="sng" algn="ctr">
+                      <a:solidFill>
+                        <a:schemeClr val="tx1"/>
+                      </a:solidFill>
+                      <a:prstDash val="solid"/>
+                      <a:round/>
+                      <a:headEnd type="none" w="med" len="med"/>
+                      <a:tailEnd type="none" w="med" len="med"/>
+                    </a:lnB>
+                  </a:tcPr>
                 </a:tc>
                 <a:tc>
                   <a:txBody>
@@ -8776,25 +11354,7 @@
                           <a:ea typeface="Calibri" panose="020F0502020204030204" pitchFamily="34" charset="0"/>
                           <a:cs typeface="Times New Roman" panose="02020603050405020304" pitchFamily="18" charset="0"/>
                         </a:rPr>
-                        <a:t>Rashmi P C, Amulya, A Karthik Shetty, </a:t>
-                      </a:r>
-                      <a:r>
-                        <a:rPr lang="en-US" sz="1400" dirty="0" err="1">
-                          <a:effectLst/>
-                          <a:latin typeface="Times New Roman" panose="02020603050405020304" pitchFamily="18" charset="0"/>
-                          <a:ea typeface="Calibri" panose="020F0502020204030204" pitchFamily="34" charset="0"/>
-                          <a:cs typeface="Times New Roman" panose="02020603050405020304" pitchFamily="18" charset="0"/>
-                        </a:rPr>
-                        <a:t>Akshata</a:t>
-                      </a:r>
-                      <a:r>
-                        <a:rPr lang="en-US" sz="1400" dirty="0">
-                          <a:effectLst/>
-                          <a:latin typeface="Times New Roman" panose="02020603050405020304" pitchFamily="18" charset="0"/>
-                          <a:ea typeface="Calibri" panose="020F0502020204030204" pitchFamily="34" charset="0"/>
-                          <a:cs typeface="Times New Roman" panose="02020603050405020304" pitchFamily="18" charset="0"/>
-                        </a:rPr>
-                        <a:t>, Dilip Kumar U K</a:t>
+                        <a:t>Rashmi P C, Amulya, A Karthik Shetty, Akshata, Dilip Kumar U K</a:t>
                       </a:r>
                     </a:p>
                     <a:p>
@@ -8814,7 +11374,44 @@
                       </a:endParaRPr>
                     </a:p>
                   </a:txBody>
-                  <a:tcPr marL="68580" marR="68580" marT="0" marB="0"/>
+                  <a:tcPr marL="68580" marR="68580" marT="0" marB="0">
+                    <a:lnL w="12700" cap="flat" cmpd="sng" algn="ctr">
+                      <a:solidFill>
+                        <a:schemeClr val="tx1"/>
+                      </a:solidFill>
+                      <a:prstDash val="solid"/>
+                      <a:round/>
+                      <a:headEnd type="none" w="med" len="med"/>
+                      <a:tailEnd type="none" w="med" len="med"/>
+                    </a:lnL>
+                    <a:lnR w="12700" cap="flat" cmpd="sng" algn="ctr">
+                      <a:solidFill>
+                        <a:schemeClr val="tx1"/>
+                      </a:solidFill>
+                      <a:prstDash val="solid"/>
+                      <a:round/>
+                      <a:headEnd type="none" w="med" len="med"/>
+                      <a:tailEnd type="none" w="med" len="med"/>
+                    </a:lnR>
+                    <a:lnT w="12700" cap="flat" cmpd="sng" algn="ctr">
+                      <a:solidFill>
+                        <a:schemeClr val="tx1"/>
+                      </a:solidFill>
+                      <a:prstDash val="solid"/>
+                      <a:round/>
+                      <a:headEnd type="none" w="med" len="med"/>
+                      <a:tailEnd type="none" w="med" len="med"/>
+                    </a:lnT>
+                    <a:lnB w="12700" cap="flat" cmpd="sng" algn="ctr">
+                      <a:solidFill>
+                        <a:schemeClr val="tx1"/>
+                      </a:solidFill>
+                      <a:prstDash val="solid"/>
+                      <a:round/>
+                      <a:headEnd type="none" w="med" len="med"/>
+                      <a:tailEnd type="none" w="med" len="med"/>
+                    </a:lnB>
+                  </a:tcPr>
                 </a:tc>
                 <a:tc>
                   <a:txBody>
@@ -8846,7 +11443,44 @@
                       </a:endParaRPr>
                     </a:p>
                   </a:txBody>
-                  <a:tcPr marL="68580" marR="68580" marT="0" marB="0"/>
+                  <a:tcPr marL="68580" marR="68580" marT="0" marB="0">
+                    <a:lnL w="12700" cap="flat" cmpd="sng" algn="ctr">
+                      <a:solidFill>
+                        <a:schemeClr val="tx1"/>
+                      </a:solidFill>
+                      <a:prstDash val="solid"/>
+                      <a:round/>
+                      <a:headEnd type="none" w="med" len="med"/>
+                      <a:tailEnd type="none" w="med" len="med"/>
+                    </a:lnL>
+                    <a:lnR w="12700" cap="flat" cmpd="sng" algn="ctr">
+                      <a:solidFill>
+                        <a:schemeClr val="tx1"/>
+                      </a:solidFill>
+                      <a:prstDash val="solid"/>
+                      <a:round/>
+                      <a:headEnd type="none" w="med" len="med"/>
+                      <a:tailEnd type="none" w="med" len="med"/>
+                    </a:lnR>
+                    <a:lnT w="12700" cap="flat" cmpd="sng" algn="ctr">
+                      <a:solidFill>
+                        <a:schemeClr val="tx1"/>
+                      </a:solidFill>
+                      <a:prstDash val="solid"/>
+                      <a:round/>
+                      <a:headEnd type="none" w="med" len="med"/>
+                      <a:tailEnd type="none" w="med" len="med"/>
+                    </a:lnT>
+                    <a:lnB w="12700" cap="flat" cmpd="sng" algn="ctr">
+                      <a:solidFill>
+                        <a:schemeClr val="tx1"/>
+                      </a:solidFill>
+                      <a:prstDash val="solid"/>
+                      <a:round/>
+                      <a:headEnd type="none" w="med" len="med"/>
+                      <a:tailEnd type="none" w="med" len="med"/>
+                    </a:lnB>
+                  </a:tcPr>
                 </a:tc>
                 <a:tc>
                   <a:txBody>
@@ -8876,7 +11510,44 @@
                       </a:endParaRPr>
                     </a:p>
                   </a:txBody>
-                  <a:tcPr marL="68580" marR="68580" marT="0" marB="0"/>
+                  <a:tcPr marL="68580" marR="68580" marT="0" marB="0">
+                    <a:lnL w="12700" cap="flat" cmpd="sng" algn="ctr">
+                      <a:solidFill>
+                        <a:schemeClr val="tx1"/>
+                      </a:solidFill>
+                      <a:prstDash val="solid"/>
+                      <a:round/>
+                      <a:headEnd type="none" w="med" len="med"/>
+                      <a:tailEnd type="none" w="med" len="med"/>
+                    </a:lnL>
+                    <a:lnR w="12700" cap="flat" cmpd="sng" algn="ctr">
+                      <a:solidFill>
+                        <a:schemeClr val="tx1"/>
+                      </a:solidFill>
+                      <a:prstDash val="solid"/>
+                      <a:round/>
+                      <a:headEnd type="none" w="med" len="med"/>
+                      <a:tailEnd type="none" w="med" len="med"/>
+                    </a:lnR>
+                    <a:lnT w="12700" cap="flat" cmpd="sng" algn="ctr">
+                      <a:solidFill>
+                        <a:schemeClr val="tx1"/>
+                      </a:solidFill>
+                      <a:prstDash val="solid"/>
+                      <a:round/>
+                      <a:headEnd type="none" w="med" len="med"/>
+                      <a:tailEnd type="none" w="med" len="med"/>
+                    </a:lnT>
+                    <a:lnB w="12700" cap="flat" cmpd="sng" algn="ctr">
+                      <a:solidFill>
+                        <a:schemeClr val="tx1"/>
+                      </a:solidFill>
+                      <a:prstDash val="solid"/>
+                      <a:round/>
+                      <a:headEnd type="none" w="med" len="med"/>
+                      <a:tailEnd type="none" w="med" len="med"/>
+                    </a:lnB>
+                  </a:tcPr>
                 </a:tc>
                 <a:extLst>
                   <a:ext uri="{0D108BD9-81ED-4DB2-BD59-A6C34878D82A}">
@@ -8903,7 +11574,44 @@
                       </a:endParaRPr>
                     </a:p>
                   </a:txBody>
-                  <a:tcPr/>
+                  <a:tcPr>
+                    <a:lnL w="12700" cap="flat" cmpd="sng" algn="ctr">
+                      <a:solidFill>
+                        <a:schemeClr val="tx1"/>
+                      </a:solidFill>
+                      <a:prstDash val="solid"/>
+                      <a:round/>
+                      <a:headEnd type="none" w="med" len="med"/>
+                      <a:tailEnd type="none" w="med" len="med"/>
+                    </a:lnL>
+                    <a:lnR w="12700" cap="flat" cmpd="sng" algn="ctr">
+                      <a:solidFill>
+                        <a:schemeClr val="tx1"/>
+                      </a:solidFill>
+                      <a:prstDash val="solid"/>
+                      <a:round/>
+                      <a:headEnd type="none" w="med" len="med"/>
+                      <a:tailEnd type="none" w="med" len="med"/>
+                    </a:lnR>
+                    <a:lnT w="12700" cap="flat" cmpd="sng" algn="ctr">
+                      <a:solidFill>
+                        <a:schemeClr val="tx1"/>
+                      </a:solidFill>
+                      <a:prstDash val="solid"/>
+                      <a:round/>
+                      <a:headEnd type="none" w="med" len="med"/>
+                      <a:tailEnd type="none" w="med" len="med"/>
+                    </a:lnT>
+                    <a:lnB w="12700" cap="flat" cmpd="sng" algn="ctr">
+                      <a:solidFill>
+                        <a:schemeClr val="tx1"/>
+                      </a:solidFill>
+                      <a:prstDash val="solid"/>
+                      <a:round/>
+                      <a:headEnd type="none" w="med" len="med"/>
+                      <a:tailEnd type="none" w="med" len="med"/>
+                    </a:lnB>
+                  </a:tcPr>
                 </a:tc>
                 <a:tc>
                   <a:txBody>
@@ -8935,7 +11643,44 @@
                       </a:endParaRPr>
                     </a:p>
                   </a:txBody>
-                  <a:tcPr marL="68580" marR="68580" marT="0" marB="0"/>
+                  <a:tcPr marL="68580" marR="68580" marT="0" marB="0">
+                    <a:lnL w="12700" cap="flat" cmpd="sng" algn="ctr">
+                      <a:solidFill>
+                        <a:schemeClr val="tx1"/>
+                      </a:solidFill>
+                      <a:prstDash val="solid"/>
+                      <a:round/>
+                      <a:headEnd type="none" w="med" len="med"/>
+                      <a:tailEnd type="none" w="med" len="med"/>
+                    </a:lnL>
+                    <a:lnR w="12700" cap="flat" cmpd="sng" algn="ctr">
+                      <a:solidFill>
+                        <a:schemeClr val="tx1"/>
+                      </a:solidFill>
+                      <a:prstDash val="solid"/>
+                      <a:round/>
+                      <a:headEnd type="none" w="med" len="med"/>
+                      <a:tailEnd type="none" w="med" len="med"/>
+                    </a:lnR>
+                    <a:lnT w="12700" cap="flat" cmpd="sng" algn="ctr">
+                      <a:solidFill>
+                        <a:schemeClr val="tx1"/>
+                      </a:solidFill>
+                      <a:prstDash val="solid"/>
+                      <a:round/>
+                      <a:headEnd type="none" w="med" len="med"/>
+                      <a:tailEnd type="none" w="med" len="med"/>
+                    </a:lnT>
+                    <a:lnB w="12700" cap="flat" cmpd="sng" algn="ctr">
+                      <a:solidFill>
+                        <a:schemeClr val="tx1"/>
+                      </a:solidFill>
+                      <a:prstDash val="solid"/>
+                      <a:round/>
+                      <a:headEnd type="none" w="med" len="med"/>
+                      <a:tailEnd type="none" w="med" len="med"/>
+                    </a:lnB>
+                  </a:tcPr>
                 </a:tc>
                 <a:tc>
                   <a:txBody>
@@ -8951,58 +11696,13 @@
                         </a:spcAft>
                       </a:pPr>
                       <a:r>
-                        <a:rPr lang="en-US" sz="1400" dirty="0" err="1">
-                          <a:effectLst/>
-                          <a:latin typeface="Times New Roman" panose="02020603050405020304" pitchFamily="18" charset="0"/>
-                          <a:ea typeface="Calibri" panose="020F0502020204030204" pitchFamily="34" charset="0"/>
-                          <a:cs typeface="Times New Roman" panose="02020603050405020304" pitchFamily="18" charset="0"/>
-                        </a:rPr>
-                        <a:t>Malim</a:t>
-                      </a:r>
-                      <a:r>
                         <a:rPr lang="en-US" sz="1400" dirty="0">
                           <a:effectLst/>
                           <a:latin typeface="Times New Roman" panose="02020603050405020304" pitchFamily="18" charset="0"/>
                           <a:ea typeface="Calibri" panose="020F0502020204030204" pitchFamily="34" charset="0"/>
                           <a:cs typeface="Times New Roman" panose="02020603050405020304" pitchFamily="18" charset="0"/>
                         </a:rPr>
-                        <a:t> Huzaifa Salim, Sami Jaitapkar, </a:t>
-                      </a:r>
-                      <a:r>
-                        <a:rPr lang="en-US" sz="1400" dirty="0" err="1">
-                          <a:effectLst/>
-                          <a:latin typeface="Times New Roman" panose="02020603050405020304" pitchFamily="18" charset="0"/>
-                          <a:ea typeface="Calibri" panose="020F0502020204030204" pitchFamily="34" charset="0"/>
-                          <a:cs typeface="Times New Roman" panose="02020603050405020304" pitchFamily="18" charset="0"/>
-                        </a:rPr>
-                        <a:t>Faki</a:t>
-                      </a:r>
-                      <a:r>
-                        <a:rPr lang="en-US" sz="1400" dirty="0">
-                          <a:effectLst/>
-                          <a:latin typeface="Times New Roman" panose="02020603050405020304" pitchFamily="18" charset="0"/>
-                          <a:ea typeface="Calibri" panose="020F0502020204030204" pitchFamily="34" charset="0"/>
-                          <a:cs typeface="Times New Roman" panose="02020603050405020304" pitchFamily="18" charset="0"/>
-                        </a:rPr>
-                        <a:t> </a:t>
-                      </a:r>
-                      <a:r>
-                        <a:rPr lang="en-US" sz="1400" dirty="0" err="1">
-                          <a:effectLst/>
-                          <a:latin typeface="Times New Roman" panose="02020603050405020304" pitchFamily="18" charset="0"/>
-                          <a:ea typeface="Calibri" panose="020F0502020204030204" pitchFamily="34" charset="0"/>
-                          <a:cs typeface="Times New Roman" panose="02020603050405020304" pitchFamily="18" charset="0"/>
-                        </a:rPr>
-                        <a:t>Ziyaan</a:t>
-                      </a:r>
-                      <a:r>
-                        <a:rPr lang="en-US" sz="1400" dirty="0">
-                          <a:effectLst/>
-                          <a:latin typeface="Times New Roman" panose="02020603050405020304" pitchFamily="18" charset="0"/>
-                          <a:ea typeface="Calibri" panose="020F0502020204030204" pitchFamily="34" charset="0"/>
-                          <a:cs typeface="Times New Roman" panose="02020603050405020304" pitchFamily="18" charset="0"/>
-                        </a:rPr>
-                        <a:t>, Kazi Ibrahim</a:t>
+                        <a:t>Malim Huzaifa Salim, Sami Jaitapkar, Faki Ziyaan, Kazi Ibrahim</a:t>
                       </a:r>
                       <a:endParaRPr lang="en-IN" sz="1400" dirty="0">
                         <a:effectLst/>
@@ -9012,7 +11712,44 @@
                       </a:endParaRPr>
                     </a:p>
                   </a:txBody>
-                  <a:tcPr marL="68580" marR="68580" marT="0" marB="0"/>
+                  <a:tcPr marL="68580" marR="68580" marT="0" marB="0">
+                    <a:lnL w="12700" cap="flat" cmpd="sng" algn="ctr">
+                      <a:solidFill>
+                        <a:schemeClr val="tx1"/>
+                      </a:solidFill>
+                      <a:prstDash val="solid"/>
+                      <a:round/>
+                      <a:headEnd type="none" w="med" len="med"/>
+                      <a:tailEnd type="none" w="med" len="med"/>
+                    </a:lnL>
+                    <a:lnR w="12700" cap="flat" cmpd="sng" algn="ctr">
+                      <a:solidFill>
+                        <a:schemeClr val="tx1"/>
+                      </a:solidFill>
+                      <a:prstDash val="solid"/>
+                      <a:round/>
+                      <a:headEnd type="none" w="med" len="med"/>
+                      <a:tailEnd type="none" w="med" len="med"/>
+                    </a:lnR>
+                    <a:lnT w="12700" cap="flat" cmpd="sng" algn="ctr">
+                      <a:solidFill>
+                        <a:schemeClr val="tx1"/>
+                      </a:solidFill>
+                      <a:prstDash val="solid"/>
+                      <a:round/>
+                      <a:headEnd type="none" w="med" len="med"/>
+                      <a:tailEnd type="none" w="med" len="med"/>
+                    </a:lnT>
+                    <a:lnB w="12700" cap="flat" cmpd="sng" algn="ctr">
+                      <a:solidFill>
+                        <a:schemeClr val="tx1"/>
+                      </a:solidFill>
+                      <a:prstDash val="solid"/>
+                      <a:round/>
+                      <a:headEnd type="none" w="med" len="med"/>
+                      <a:tailEnd type="none" w="med" len="med"/>
+                    </a:lnB>
+                  </a:tcPr>
                 </a:tc>
                 <a:tc>
                   <a:txBody>
@@ -9044,7 +11781,44 @@
                       </a:endParaRPr>
                     </a:p>
                   </a:txBody>
-                  <a:tcPr marL="68580" marR="68580" marT="0" marB="0"/>
+                  <a:tcPr marL="68580" marR="68580" marT="0" marB="0">
+                    <a:lnL w="12700" cap="flat" cmpd="sng" algn="ctr">
+                      <a:solidFill>
+                        <a:schemeClr val="tx1"/>
+                      </a:solidFill>
+                      <a:prstDash val="solid"/>
+                      <a:round/>
+                      <a:headEnd type="none" w="med" len="med"/>
+                      <a:tailEnd type="none" w="med" len="med"/>
+                    </a:lnL>
+                    <a:lnR w="12700" cap="flat" cmpd="sng" algn="ctr">
+                      <a:solidFill>
+                        <a:schemeClr val="tx1"/>
+                      </a:solidFill>
+                      <a:prstDash val="solid"/>
+                      <a:round/>
+                      <a:headEnd type="none" w="med" len="med"/>
+                      <a:tailEnd type="none" w="med" len="med"/>
+                    </a:lnR>
+                    <a:lnT w="12700" cap="flat" cmpd="sng" algn="ctr">
+                      <a:solidFill>
+                        <a:schemeClr val="tx1"/>
+                      </a:solidFill>
+                      <a:prstDash val="solid"/>
+                      <a:round/>
+                      <a:headEnd type="none" w="med" len="med"/>
+                      <a:tailEnd type="none" w="med" len="med"/>
+                    </a:lnT>
+                    <a:lnB w="12700" cap="flat" cmpd="sng" algn="ctr">
+                      <a:solidFill>
+                        <a:schemeClr val="tx1"/>
+                      </a:solidFill>
+                      <a:prstDash val="solid"/>
+                      <a:round/>
+                      <a:headEnd type="none" w="med" len="med"/>
+                      <a:tailEnd type="none" w="med" len="med"/>
+                    </a:lnB>
+                  </a:tcPr>
                 </a:tc>
                 <a:tc>
                   <a:txBody>
@@ -9074,7 +11848,44 @@
                       </a:endParaRPr>
                     </a:p>
                   </a:txBody>
-                  <a:tcPr marL="68580" marR="68580" marT="0" marB="0"/>
+                  <a:tcPr marL="68580" marR="68580" marT="0" marB="0">
+                    <a:lnL w="12700" cap="flat" cmpd="sng" algn="ctr">
+                      <a:solidFill>
+                        <a:schemeClr val="tx1"/>
+                      </a:solidFill>
+                      <a:prstDash val="solid"/>
+                      <a:round/>
+                      <a:headEnd type="none" w="med" len="med"/>
+                      <a:tailEnd type="none" w="med" len="med"/>
+                    </a:lnL>
+                    <a:lnR w="12700" cap="flat" cmpd="sng" algn="ctr">
+                      <a:solidFill>
+                        <a:schemeClr val="tx1"/>
+                      </a:solidFill>
+                      <a:prstDash val="solid"/>
+                      <a:round/>
+                      <a:headEnd type="none" w="med" len="med"/>
+                      <a:tailEnd type="none" w="med" len="med"/>
+                    </a:lnR>
+                    <a:lnT w="12700" cap="flat" cmpd="sng" algn="ctr">
+                      <a:solidFill>
+                        <a:schemeClr val="tx1"/>
+                      </a:solidFill>
+                      <a:prstDash val="solid"/>
+                      <a:round/>
+                      <a:headEnd type="none" w="med" len="med"/>
+                      <a:tailEnd type="none" w="med" len="med"/>
+                    </a:lnT>
+                    <a:lnB w="12700" cap="flat" cmpd="sng" algn="ctr">
+                      <a:solidFill>
+                        <a:schemeClr val="tx1"/>
+                      </a:solidFill>
+                      <a:prstDash val="solid"/>
+                      <a:round/>
+                      <a:headEnd type="none" w="med" len="med"/>
+                      <a:tailEnd type="none" w="med" len="med"/>
+                    </a:lnB>
+                  </a:tcPr>
                 </a:tc>
                 <a:extLst>
                   <a:ext uri="{0D108BD9-81ED-4DB2-BD59-A6C34878D82A}">
@@ -9126,7 +11937,7 @@
           <p:nvPr>
             <p:extLst>
               <p:ext uri="{D42A27DB-BD31-4B8C-83A1-F6EECF244321}">
-                <p14:modId xmlns:p14="http://schemas.microsoft.com/office/powerpoint/2010/main" val="2447914066"/>
+                <p14:modId xmlns:p14="http://schemas.microsoft.com/office/powerpoint/2010/main" val="943492643"/>
               </p:ext>
             </p:extLst>
           </p:nvPr>
@@ -9197,7 +12008,44 @@
                       </a:endParaRPr>
                     </a:p>
                   </a:txBody>
-                  <a:tcPr/>
+                  <a:tcPr>
+                    <a:lnL w="12700" cap="flat" cmpd="sng" algn="ctr">
+                      <a:solidFill>
+                        <a:schemeClr val="tx1"/>
+                      </a:solidFill>
+                      <a:prstDash val="solid"/>
+                      <a:round/>
+                      <a:headEnd type="none" w="med" len="med"/>
+                      <a:tailEnd type="none" w="med" len="med"/>
+                    </a:lnL>
+                    <a:lnR w="12700" cap="flat" cmpd="sng" algn="ctr">
+                      <a:solidFill>
+                        <a:schemeClr val="tx1"/>
+                      </a:solidFill>
+                      <a:prstDash val="solid"/>
+                      <a:round/>
+                      <a:headEnd type="none" w="med" len="med"/>
+                      <a:tailEnd type="none" w="med" len="med"/>
+                    </a:lnR>
+                    <a:lnT w="12700" cap="flat" cmpd="sng" algn="ctr">
+                      <a:solidFill>
+                        <a:schemeClr val="tx1"/>
+                      </a:solidFill>
+                      <a:prstDash val="solid"/>
+                      <a:round/>
+                      <a:headEnd type="none" w="med" len="med"/>
+                      <a:tailEnd type="none" w="med" len="med"/>
+                    </a:lnT>
+                    <a:lnB w="12700" cap="flat" cmpd="sng" algn="ctr">
+                      <a:solidFill>
+                        <a:schemeClr val="tx1"/>
+                      </a:solidFill>
+                      <a:prstDash val="solid"/>
+                      <a:round/>
+                      <a:headEnd type="none" w="med" len="med"/>
+                      <a:tailEnd type="none" w="med" len="med"/>
+                    </a:lnB>
+                  </a:tcPr>
                 </a:tc>
                 <a:tc>
                   <a:txBody>
@@ -9229,7 +12077,44 @@
                       </a:endParaRPr>
                     </a:p>
                   </a:txBody>
-                  <a:tcPr marL="68580" marR="68580" marT="0" marB="0"/>
+                  <a:tcPr marL="68580" marR="68580" marT="0" marB="0">
+                    <a:lnL w="12700" cap="flat" cmpd="sng" algn="ctr">
+                      <a:solidFill>
+                        <a:schemeClr val="tx1"/>
+                      </a:solidFill>
+                      <a:prstDash val="solid"/>
+                      <a:round/>
+                      <a:headEnd type="none" w="med" len="med"/>
+                      <a:tailEnd type="none" w="med" len="med"/>
+                    </a:lnL>
+                    <a:lnR w="12700" cap="flat" cmpd="sng" algn="ctr">
+                      <a:solidFill>
+                        <a:schemeClr val="tx1"/>
+                      </a:solidFill>
+                      <a:prstDash val="solid"/>
+                      <a:round/>
+                      <a:headEnd type="none" w="med" len="med"/>
+                      <a:tailEnd type="none" w="med" len="med"/>
+                    </a:lnR>
+                    <a:lnT w="12700" cap="flat" cmpd="sng" algn="ctr">
+                      <a:solidFill>
+                        <a:schemeClr val="tx1"/>
+                      </a:solidFill>
+                      <a:prstDash val="solid"/>
+                      <a:round/>
+                      <a:headEnd type="none" w="med" len="med"/>
+                      <a:tailEnd type="none" w="med" len="med"/>
+                    </a:lnT>
+                    <a:lnB w="12700" cap="flat" cmpd="sng" algn="ctr">
+                      <a:solidFill>
+                        <a:schemeClr val="tx1"/>
+                      </a:solidFill>
+                      <a:prstDash val="solid"/>
+                      <a:round/>
+                      <a:headEnd type="none" w="med" len="med"/>
+                      <a:tailEnd type="none" w="med" len="med"/>
+                    </a:lnB>
+                  </a:tcPr>
                 </a:tc>
                 <a:tc>
                   <a:txBody>
@@ -9251,79 +12136,7 @@
                           <a:ea typeface="Calibri" panose="020F0502020204030204" pitchFamily="34" charset="0"/>
                           <a:cs typeface="Times New Roman" panose="02020603050405020304" pitchFamily="18" charset="0"/>
                         </a:rPr>
-                        <a:t>B. Swathi, Akshay S </a:t>
-                      </a:r>
-                      <a:r>
-                        <a:rPr lang="en-US" sz="1400" b="0" dirty="0" err="1">
-                          <a:effectLst/>
-                          <a:latin typeface="Times New Roman" panose="02020603050405020304" pitchFamily="18" charset="0"/>
-                          <a:ea typeface="Calibri" panose="020F0502020204030204" pitchFamily="34" charset="0"/>
-                          <a:cs typeface="Times New Roman" panose="02020603050405020304" pitchFamily="18" charset="0"/>
-                        </a:rPr>
-                        <a:t>Prathap</a:t>
-                      </a:r>
-                      <a:r>
-                        <a:rPr lang="en-US" sz="1400" b="0" dirty="0">
-                          <a:effectLst/>
-                          <a:latin typeface="Times New Roman" panose="02020603050405020304" pitchFamily="18" charset="0"/>
-                          <a:ea typeface="Calibri" panose="020F0502020204030204" pitchFamily="34" charset="0"/>
-                          <a:cs typeface="Times New Roman" panose="02020603050405020304" pitchFamily="18" charset="0"/>
-                        </a:rPr>
-                        <a:t>, </a:t>
-                      </a:r>
-                      <a:r>
-                        <a:rPr lang="en-US" sz="1400" b="0" dirty="0" err="1">
-                          <a:effectLst/>
-                          <a:latin typeface="Times New Roman" panose="02020603050405020304" pitchFamily="18" charset="0"/>
-                          <a:ea typeface="Calibri" panose="020F0502020204030204" pitchFamily="34" charset="0"/>
-                          <a:cs typeface="Times New Roman" panose="02020603050405020304" pitchFamily="18" charset="0"/>
-                        </a:rPr>
-                        <a:t>Aiswarya</a:t>
-                      </a:r>
-                      <a:r>
-                        <a:rPr lang="en-US" sz="1400" b="0" dirty="0">
-                          <a:effectLst/>
-                          <a:latin typeface="Times New Roman" panose="02020603050405020304" pitchFamily="18" charset="0"/>
-                          <a:ea typeface="Calibri" panose="020F0502020204030204" pitchFamily="34" charset="0"/>
-                          <a:cs typeface="Times New Roman" panose="02020603050405020304" pitchFamily="18" charset="0"/>
-                        </a:rPr>
-                        <a:t> V Kumar, </a:t>
-                      </a:r>
-                      <a:r>
-                        <a:rPr lang="en-US" sz="1400" b="0" dirty="0" err="1">
-                          <a:effectLst/>
-                          <a:latin typeface="Times New Roman" panose="02020603050405020304" pitchFamily="18" charset="0"/>
-                          <a:ea typeface="Calibri" panose="020F0502020204030204" pitchFamily="34" charset="0"/>
-                          <a:cs typeface="Times New Roman" panose="02020603050405020304" pitchFamily="18" charset="0"/>
-                        </a:rPr>
-                        <a:t>Ranjitha</a:t>
-                      </a:r>
-                      <a:r>
-                        <a:rPr lang="en-US" sz="1400" b="0" dirty="0">
-                          <a:effectLst/>
-                          <a:latin typeface="Times New Roman" panose="02020603050405020304" pitchFamily="18" charset="0"/>
-                          <a:ea typeface="Calibri" panose="020F0502020204030204" pitchFamily="34" charset="0"/>
-                          <a:cs typeface="Times New Roman" panose="02020603050405020304" pitchFamily="18" charset="0"/>
-                        </a:rPr>
-                        <a:t> R, </a:t>
-                      </a:r>
-                      <a:r>
-                        <a:rPr lang="en-US" sz="1400" b="0" dirty="0" err="1">
-                          <a:effectLst/>
-                          <a:latin typeface="Times New Roman" panose="02020603050405020304" pitchFamily="18" charset="0"/>
-                          <a:ea typeface="Calibri" panose="020F0502020204030204" pitchFamily="34" charset="0"/>
-                          <a:cs typeface="Times New Roman" panose="02020603050405020304" pitchFamily="18" charset="0"/>
-                        </a:rPr>
-                        <a:t>Raviteja</a:t>
-                      </a:r>
-                      <a:r>
-                        <a:rPr lang="en-US" sz="1400" b="0" dirty="0">
-                          <a:effectLst/>
-                          <a:latin typeface="Times New Roman" panose="02020603050405020304" pitchFamily="18" charset="0"/>
-                          <a:ea typeface="Calibri" panose="020F0502020204030204" pitchFamily="34" charset="0"/>
-                          <a:cs typeface="Times New Roman" panose="02020603050405020304" pitchFamily="18" charset="0"/>
-                        </a:rPr>
-                        <a:t> Kaki</a:t>
+                        <a:t>B. Swathi, Akshay S Prathap, Aiswarya V Kumar, Ranjitha R, Raviteja Kaki</a:t>
                       </a:r>
                       <a:endParaRPr lang="en-IN" sz="1400" b="0" dirty="0">
                         <a:effectLst/>
@@ -9333,7 +12146,44 @@
                       </a:endParaRPr>
                     </a:p>
                   </a:txBody>
-                  <a:tcPr marL="68580" marR="68580" marT="0" marB="0"/>
+                  <a:tcPr marL="68580" marR="68580" marT="0" marB="0">
+                    <a:lnL w="12700" cap="flat" cmpd="sng" algn="ctr">
+                      <a:solidFill>
+                        <a:schemeClr val="tx1"/>
+                      </a:solidFill>
+                      <a:prstDash val="solid"/>
+                      <a:round/>
+                      <a:headEnd type="none" w="med" len="med"/>
+                      <a:tailEnd type="none" w="med" len="med"/>
+                    </a:lnL>
+                    <a:lnR w="12700" cap="flat" cmpd="sng" algn="ctr">
+                      <a:solidFill>
+                        <a:schemeClr val="tx1"/>
+                      </a:solidFill>
+                      <a:prstDash val="solid"/>
+                      <a:round/>
+                      <a:headEnd type="none" w="med" len="med"/>
+                      <a:tailEnd type="none" w="med" len="med"/>
+                    </a:lnR>
+                    <a:lnT w="12700" cap="flat" cmpd="sng" algn="ctr">
+                      <a:solidFill>
+                        <a:schemeClr val="tx1"/>
+                      </a:solidFill>
+                      <a:prstDash val="solid"/>
+                      <a:round/>
+                      <a:headEnd type="none" w="med" len="med"/>
+                      <a:tailEnd type="none" w="med" len="med"/>
+                    </a:lnT>
+                    <a:lnB w="12700" cap="flat" cmpd="sng" algn="ctr">
+                      <a:solidFill>
+                        <a:schemeClr val="tx1"/>
+                      </a:solidFill>
+                      <a:prstDash val="solid"/>
+                      <a:round/>
+                      <a:headEnd type="none" w="med" len="med"/>
+                      <a:tailEnd type="none" w="med" len="med"/>
+                    </a:lnB>
+                  </a:tcPr>
                 </a:tc>
                 <a:tc>
                   <a:txBody>
@@ -9365,7 +12215,44 @@
                       </a:endParaRPr>
                     </a:p>
                   </a:txBody>
-                  <a:tcPr marL="68580" marR="68580" marT="0" marB="0"/>
+                  <a:tcPr marL="68580" marR="68580" marT="0" marB="0">
+                    <a:lnL w="12700" cap="flat" cmpd="sng" algn="ctr">
+                      <a:solidFill>
+                        <a:schemeClr val="tx1"/>
+                      </a:solidFill>
+                      <a:prstDash val="solid"/>
+                      <a:round/>
+                      <a:headEnd type="none" w="med" len="med"/>
+                      <a:tailEnd type="none" w="med" len="med"/>
+                    </a:lnL>
+                    <a:lnR w="12700" cap="flat" cmpd="sng" algn="ctr">
+                      <a:solidFill>
+                        <a:schemeClr val="tx1"/>
+                      </a:solidFill>
+                      <a:prstDash val="solid"/>
+                      <a:round/>
+                      <a:headEnd type="none" w="med" len="med"/>
+                      <a:tailEnd type="none" w="med" len="med"/>
+                    </a:lnR>
+                    <a:lnT w="12700" cap="flat" cmpd="sng" algn="ctr">
+                      <a:solidFill>
+                        <a:schemeClr val="tx1"/>
+                      </a:solidFill>
+                      <a:prstDash val="solid"/>
+                      <a:round/>
+                      <a:headEnd type="none" w="med" len="med"/>
+                      <a:tailEnd type="none" w="med" len="med"/>
+                    </a:lnT>
+                    <a:lnB w="12700" cap="flat" cmpd="sng" algn="ctr">
+                      <a:solidFill>
+                        <a:schemeClr val="tx1"/>
+                      </a:solidFill>
+                      <a:prstDash val="solid"/>
+                      <a:round/>
+                      <a:headEnd type="none" w="med" len="med"/>
+                      <a:tailEnd type="none" w="med" len="med"/>
+                    </a:lnB>
+                  </a:tcPr>
                 </a:tc>
                 <a:tc>
                   <a:txBody>
@@ -9387,25 +12274,7 @@
                           <a:ea typeface="Calibri" panose="020F0502020204030204" pitchFamily="34" charset="0"/>
                           <a:cs typeface="Times New Roman" panose="02020603050405020304" pitchFamily="18" charset="0"/>
                         </a:rPr>
-                        <a:t>This system uses Arduino Mega and </a:t>
-                      </a:r>
-                      <a:r>
-                        <a:rPr lang="en-US" sz="1400" b="0" dirty="0" err="1">
-                          <a:effectLst/>
-                          <a:latin typeface="Times New Roman" panose="02020603050405020304" pitchFamily="18" charset="0"/>
-                          <a:ea typeface="Calibri" panose="020F0502020204030204" pitchFamily="34" charset="0"/>
-                          <a:cs typeface="Times New Roman" panose="02020603050405020304" pitchFamily="18" charset="0"/>
-                        </a:rPr>
-                        <a:t>Elechouse</a:t>
-                      </a:r>
-                      <a:r>
-                        <a:rPr lang="en-US" sz="1400" b="0" dirty="0">
-                          <a:effectLst/>
-                          <a:latin typeface="Times New Roman" panose="02020603050405020304" pitchFamily="18" charset="0"/>
-                          <a:ea typeface="Calibri" panose="020F0502020204030204" pitchFamily="34" charset="0"/>
-                          <a:cs typeface="Times New Roman" panose="02020603050405020304" pitchFamily="18" charset="0"/>
-                        </a:rPr>
-                        <a:t> V3 Voice Recognition Module to correctly detect the command given by user, and uses servo motor to lift up and down the elevator, and a servo motor to open and close the doors of the elevator. For all this motors, it uses a relay driver circuit for driving the motors. </a:t>
+                        <a:t>This system uses Arduino Mega and Elechouse V3 Voice Recognition Module to correctly detect the command given by user, and uses servo motor to lift up and down the elevator, and a servo motor to open and close the doors of the elevator. For all this motors, it uses a relay driver circuit for driving the motors. </a:t>
                       </a:r>
                       <a:endParaRPr lang="en-IN" sz="1400" b="0" dirty="0">
                         <a:effectLst/>
@@ -9415,7 +12284,44 @@
                       </a:endParaRPr>
                     </a:p>
                   </a:txBody>
-                  <a:tcPr marL="68580" marR="68580" marT="0" marB="0"/>
+                  <a:tcPr marL="68580" marR="68580" marT="0" marB="0">
+                    <a:lnL w="12700" cap="flat" cmpd="sng" algn="ctr">
+                      <a:solidFill>
+                        <a:schemeClr val="tx1"/>
+                      </a:solidFill>
+                      <a:prstDash val="solid"/>
+                      <a:round/>
+                      <a:headEnd type="none" w="med" len="med"/>
+                      <a:tailEnd type="none" w="med" len="med"/>
+                    </a:lnL>
+                    <a:lnR w="12700" cap="flat" cmpd="sng" algn="ctr">
+                      <a:solidFill>
+                        <a:schemeClr val="tx1"/>
+                      </a:solidFill>
+                      <a:prstDash val="solid"/>
+                      <a:round/>
+                      <a:headEnd type="none" w="med" len="med"/>
+                      <a:tailEnd type="none" w="med" len="med"/>
+                    </a:lnR>
+                    <a:lnT w="12700" cap="flat" cmpd="sng" algn="ctr">
+                      <a:solidFill>
+                        <a:schemeClr val="tx1"/>
+                      </a:solidFill>
+                      <a:prstDash val="solid"/>
+                      <a:round/>
+                      <a:headEnd type="none" w="med" len="med"/>
+                      <a:tailEnd type="none" w="med" len="med"/>
+                    </a:lnT>
+                    <a:lnB w="12700" cap="flat" cmpd="sng" algn="ctr">
+                      <a:solidFill>
+                        <a:schemeClr val="tx1"/>
+                      </a:solidFill>
+                      <a:prstDash val="solid"/>
+                      <a:round/>
+                      <a:headEnd type="none" w="med" len="med"/>
+                      <a:tailEnd type="none" w="med" len="med"/>
+                    </a:lnB>
+                  </a:tcPr>
                 </a:tc>
                 <a:extLst>
                   <a:ext uri="{0D108BD9-81ED-4DB2-BD59-A6C34878D82A}">
